--- a/Documentação/MOCKUP - BESTSTREAMING.pptx
+++ b/Documentação/MOCKUP - BESTSTREAMING.pptx
@@ -3756,7 +3756,7 @@
           <a:p>
             <a:fld id="{B1124A03-34C5-4CDE-8F9A-618265BC3B27}" type="datetimeFigureOut">
               <a:rPr lang="pt-BR" smtClean="0"/>
-              <a:t>04/10/2019</a:t>
+              <a:t>23/10/2019</a:t>
             </a:fld>
             <a:endParaRPr lang="pt-BR"/>
           </a:p>
@@ -4299,7 +4299,7 @@
           <a:p>
             <a:fld id="{B5604CF9-0A92-47FD-8264-622093F4E1D3}" type="datetimeFigureOut">
               <a:rPr lang="pt-BR" smtClean="0"/>
-              <a:t>04/10/2019</a:t>
+              <a:t>23/10/2019</a:t>
             </a:fld>
             <a:endParaRPr lang="pt-BR"/>
           </a:p>
@@ -4467,7 +4467,7 @@
           <a:p>
             <a:fld id="{B5604CF9-0A92-47FD-8264-622093F4E1D3}" type="datetimeFigureOut">
               <a:rPr lang="pt-BR" smtClean="0"/>
-              <a:t>04/10/2019</a:t>
+              <a:t>23/10/2019</a:t>
             </a:fld>
             <a:endParaRPr lang="pt-BR"/>
           </a:p>
@@ -4645,7 +4645,7 @@
           <a:p>
             <a:fld id="{B5604CF9-0A92-47FD-8264-622093F4E1D3}" type="datetimeFigureOut">
               <a:rPr lang="pt-BR" smtClean="0"/>
-              <a:t>04/10/2019</a:t>
+              <a:t>23/10/2019</a:t>
             </a:fld>
             <a:endParaRPr lang="pt-BR"/>
           </a:p>
@@ -4813,7 +4813,7 @@
           <a:p>
             <a:fld id="{B5604CF9-0A92-47FD-8264-622093F4E1D3}" type="datetimeFigureOut">
               <a:rPr lang="pt-BR" smtClean="0"/>
-              <a:t>04/10/2019</a:t>
+              <a:t>23/10/2019</a:t>
             </a:fld>
             <a:endParaRPr lang="pt-BR"/>
           </a:p>
@@ -5058,7 +5058,7 @@
           <a:p>
             <a:fld id="{B5604CF9-0A92-47FD-8264-622093F4E1D3}" type="datetimeFigureOut">
               <a:rPr lang="pt-BR" smtClean="0"/>
-              <a:t>04/10/2019</a:t>
+              <a:t>23/10/2019</a:t>
             </a:fld>
             <a:endParaRPr lang="pt-BR"/>
           </a:p>
@@ -5287,7 +5287,7 @@
           <a:p>
             <a:fld id="{B5604CF9-0A92-47FD-8264-622093F4E1D3}" type="datetimeFigureOut">
               <a:rPr lang="pt-BR" smtClean="0"/>
-              <a:t>04/10/2019</a:t>
+              <a:t>23/10/2019</a:t>
             </a:fld>
             <a:endParaRPr lang="pt-BR"/>
           </a:p>
@@ -5651,7 +5651,7 @@
           <a:p>
             <a:fld id="{B5604CF9-0A92-47FD-8264-622093F4E1D3}" type="datetimeFigureOut">
               <a:rPr lang="pt-BR" smtClean="0"/>
-              <a:t>04/10/2019</a:t>
+              <a:t>23/10/2019</a:t>
             </a:fld>
             <a:endParaRPr lang="pt-BR"/>
           </a:p>
@@ -5768,7 +5768,7 @@
           <a:p>
             <a:fld id="{B5604CF9-0A92-47FD-8264-622093F4E1D3}" type="datetimeFigureOut">
               <a:rPr lang="pt-BR" smtClean="0"/>
-              <a:t>04/10/2019</a:t>
+              <a:t>23/10/2019</a:t>
             </a:fld>
             <a:endParaRPr lang="pt-BR"/>
           </a:p>
@@ -5863,7 +5863,7 @@
           <a:p>
             <a:fld id="{B5604CF9-0A92-47FD-8264-622093F4E1D3}" type="datetimeFigureOut">
               <a:rPr lang="pt-BR" smtClean="0"/>
-              <a:t>04/10/2019</a:t>
+              <a:t>23/10/2019</a:t>
             </a:fld>
             <a:endParaRPr lang="pt-BR"/>
           </a:p>
@@ -6138,7 +6138,7 @@
           <a:p>
             <a:fld id="{B5604CF9-0A92-47FD-8264-622093F4E1D3}" type="datetimeFigureOut">
               <a:rPr lang="pt-BR" smtClean="0"/>
-              <a:t>04/10/2019</a:t>
+              <a:t>23/10/2019</a:t>
             </a:fld>
             <a:endParaRPr lang="pt-BR"/>
           </a:p>
@@ -6390,7 +6390,7 @@
           <a:p>
             <a:fld id="{B5604CF9-0A92-47FD-8264-622093F4E1D3}" type="datetimeFigureOut">
               <a:rPr lang="pt-BR" smtClean="0"/>
-              <a:t>04/10/2019</a:t>
+              <a:t>23/10/2019</a:t>
             </a:fld>
             <a:endParaRPr lang="pt-BR"/>
           </a:p>
@@ -6601,7 +6601,7 @@
           <a:p>
             <a:fld id="{B5604CF9-0A92-47FD-8264-622093F4E1D3}" type="datetimeFigureOut">
               <a:rPr lang="pt-BR" smtClean="0"/>
-              <a:t>04/10/2019</a:t>
+              <a:t>23/10/2019</a:t>
             </a:fld>
             <a:endParaRPr lang="pt-BR"/>
           </a:p>
@@ -14499,95 +14499,131 @@
 
 <file path=customXml/item1.xml><?xml version="1.0" encoding="utf-8"?>
 <Control xmlns="http://schemas.microsoft.com/VisualStudio/2011/storyboarding/control">
-  <Id Name="System.Storyboarding.WindowsPhoneIcons.Minus" Revision="1" Stencil="System.Storyboarding.WindowsPhoneIcons" StencilVersion="0.1"/>
+  <Id Name="System.Storyboarding.WindowsPhone.Tile" Revision="1" Stencil="System.Storyboarding.WindowsPhone" StencilVersion="0.1"/>
 </Control>
 </file>
 
 <file path=customXml/item10.xml><?xml version="1.0" encoding="utf-8"?>
-<Control xmlns="http://schemas.microsoft.com/VisualStudio/2011/storyboarding/control">
-  <Id Name="System.Storyboarding.Backgrounds.SharePoint" Revision="1" Stencil="System.Storyboarding.Backgrounds" StencilVersion="0.1"/>
+<Control xmlns="http://schemas.microsoft.com/VisualStudio/2011/storyboarding/control/v1.0">
+  <Id Name="System.Storyboarding.Common.Text" RevisionId="68ea164d-c1de-47a5-804f-d4d1290fa524" Stencil="System.Storyboarding.Common" StencilRevisionId="68ea164d-c1de-47a5-804f-d4d1290fa524" StencilVersion="0.1"/>
 </Control>
 </file>
 
 <file path=customXml/item11.xml><?xml version="1.0" encoding="utf-8"?>
-<p:properties xmlns:p="http://schemas.microsoft.com/office/2006/metadata/properties" xmlns:xsi="http://www.w3.org/2001/XMLSchema-instance" xmlns:pc="http://schemas.microsoft.com/office/infopath/2007/PartnerControls">
-  <documentManagement/>
-</p:properties>
+<Control xmlns="http://schemas.microsoft.com/VisualStudio/2011/storyboarding/control">
+  <Id Name="System.Storyboarding.WindowsPhone.Tile" Revision="1" Stencil="System.Storyboarding.WindowsPhone" StencilVersion="0.1"/>
+</Control>
 </file>
 
 <file path=customXml/item12.xml><?xml version="1.0" encoding="utf-8"?>
+<Control xmlns="http://schemas.microsoft.com/VisualStudio/2011/storyboarding/control">
+  <Id Name="System.Storyboarding.Common.TextInput" Revision="1" Stencil="System.Storyboarding.Common" StencilVersion="0.1"/>
+</Control>
+</file>
+
+<file path=customXml/item13.xml><?xml version="1.0" encoding="utf-8"?>
+<Control xmlns="http://schemas.microsoft.com/VisualStudio/2011/storyboarding/control">
+  <Id Name="System.Storyboarding.Common.TextInput" Revision="1" Stencil="System.Storyboarding.Common" StencilVersion="0.1"/>
+</Control>
+</file>
+
+<file path=customXml/item14.xml><?xml version="1.0" encoding="utf-8"?>
+<Control xmlns="http://schemas.microsoft.com/VisualStudio/2011/storyboarding/control/v1.0">
+  <Id Name="System.Storyboarding.Common.Text" RevisionId="68ea164d-c1de-47a5-804f-d4d1290fa524" Stencil="System.Storyboarding.Common" StencilRevisionId="68ea164d-c1de-47a5-804f-d4d1290fa524" StencilVersion="0.1"/>
+</Control>
+</file>
+
+<file path=customXml/item15.xml><?xml version="1.0" encoding="utf-8"?>
+<Control xmlns="http://schemas.microsoft.com/VisualStudio/2011/storyboarding/control">
+  <Id Name="System.Storyboarding.Common.TextInput" Revision="1" Stencil="System.Storyboarding.Common" StencilVersion="0.1"/>
+</Control>
+</file>
+
+<file path=customXml/item16.xml><?xml version="1.0" encoding="utf-8"?>
+<Control xmlns="http://schemas.microsoft.com/VisualStudio/2011/storyboarding/control">
+  <Id Name="System.Storyboarding.Backgrounds.StartScreen" Revision="1" Stencil="System.Storyboarding.Backgrounds" StencilVersion="0.1"/>
+</Control>
+</file>
+
+<file path=customXml/item17.xml><?xml version="1.0" encoding="utf-8"?>
+<Control xmlns="http://schemas.microsoft.com/VisualStudio/2011/storyboarding/control">
+  <Id Name="System.Storyboarding.Backgrounds.StartMenu" Revision="1" Stencil="System.Storyboarding.Backgrounds" StencilVersion="0.1"/>
+</Control>
+</file>
+
+<file path=customXml/item18.xml><?xml version="1.0" encoding="utf-8"?>
+<Control xmlns="http://schemas.microsoft.com/VisualStudio/2011/storyboarding/control">
+  <Id Name="System.Storyboarding.Backgrounds.Window" Revision="1" Stencil="System.Storyboarding.Backgrounds" StencilVersion="0.1"/>
+</Control>
+</file>
+
+<file path=customXml/item19.xml><?xml version="1.0" encoding="utf-8"?>
 <Control xmlns="http://schemas.microsoft.com/VisualStudio/2011/storyboarding/control/v1.0">
   <Id Name="System.Storyboarding.Common.DropdownBox" RevisionId="68ea164d-c1de-47a5-804f-d4d1290fa524" Stencil="System.Storyboarding.Common" StencilRevisionId="68ea164d-c1de-47a5-804f-d4d1290fa524" StencilVersion="0.1"/>
 </Control>
 </file>
 
-<file path=customXml/item13.xml><?xml version="1.0" encoding="utf-8"?>
+<file path=customXml/item2.xml><?xml version="1.0" encoding="utf-8"?>
+<Control xmlns="http://schemas.microsoft.com/VisualStudio/2011/storyboarding/control/v1.0">
+  <Id Name="System.Storyboarding.Common.Text" RevisionId="68ea164d-c1de-47a5-804f-d4d1290fa524" Stencil="System.Storyboarding.Common" StencilRevisionId="68ea164d-c1de-47a5-804f-d4d1290fa524" StencilVersion="0.1"/>
+</Control>
+</file>
+
+<file path=customXml/item20.xml><?xml version="1.0" encoding="utf-8"?>
 <Control xmlns="http://schemas.microsoft.com/VisualStudio/2011/storyboarding/control">
   <Id Name="System.Storyboarding.WindowsPhone.Tile" Revision="1" Stencil="System.Storyboarding.WindowsPhone" StencilVersion="0.1"/>
 </Control>
 </file>
 
-<file path=customXml/item14.xml><?xml version="1.0" encoding="utf-8"?>
+<file path=customXml/item21.xml><?xml version="1.0" encoding="utf-8"?>
+<Control xmlns="http://schemas.microsoft.com/VisualStudio/2011/storyboarding/control">
+  <Id Name="System.Storyboarding.WindowsPhone.WideTile" Revision="1" Stencil="System.Storyboarding.WindowsPhone" StencilVersion="0.1"/>
+</Control>
+</file>
+
+<file path=customXml/item22.xml><?xml version="1.0" encoding="utf-8"?>
+<Control xmlns="http://schemas.microsoft.com/VisualStudio/2011/storyboarding/control/v1.0">
+  <Id Name="System.Storyboarding.Common.Text" RevisionId="68ea164d-c1de-47a5-804f-d4d1290fa524" Stencil="System.Storyboarding.Common" StencilRevisionId="68ea164d-c1de-47a5-804f-d4d1290fa524" StencilVersion="0.1"/>
+</Control>
+</file>
+
+<file path=customXml/item23.xml><?xml version="1.0" encoding="utf-8"?>
+<Control xmlns="http://schemas.microsoft.com/VisualStudio/2011/storyboarding/control">
+  <Id Name="System.Storyboarding.Backgrounds.Window" Revision="1" Stencil="System.Storyboarding.Backgrounds" StencilVersion="0.1"/>
+</Control>
+</file>
+
+<file path=customXml/item24.xml><?xml version="1.0" encoding="utf-8"?>
+<Control xmlns="http://schemas.microsoft.com/VisualStudio/2011/storyboarding/control">
+  <Id Name="System.Storyboarding.Backgrounds.Window" Revision="1" Stencil="System.Storyboarding.Backgrounds" StencilVersion="0.1"/>
+</Control>
+</file>
+
+<file path=customXml/item25.xml><?xml version="1.0" encoding="utf-8"?>
+<Control xmlns="http://schemas.microsoft.com/VisualStudio/2011/storyboarding/control">
+  <Id Name="System.Storyboarding.Common.TextArea" Revision="1" Stencil="System.Storyboarding.Common" StencilVersion="0.1"/>
+</Control>
+</file>
+
+<file path=customXml/item26.xml><?xml version="1.0" encoding="utf-8"?>
+<Control xmlns="http://schemas.microsoft.com/VisualStudio/2011/storyboarding/control">
+  <Id Name="System.Storyboarding.WindowsPhoneIcons.Minus" Revision="1" Stencil="System.Storyboarding.WindowsPhoneIcons" StencilVersion="0.1"/>
+</Control>
+</file>
+
+<file path=customXml/item27.xml><?xml version="1.0" encoding="utf-8"?>
+<Control xmlns="http://schemas.microsoft.com/VisualStudio/2011/storyboarding/control/v1.0">
+  <Id Name="System.Storyboarding.Icons.FolderOpen" RevisionId="05cd6d03-c0b2-488e-98a7-d68de69a2cfc" Stencil="System.Storyboarding.Icons" StencilRevisionId="05cd6d03-c0b2-488e-98a7-d68de69a2cfc" StencilVersion="0.1"/>
+</Control>
+</file>
+
+<file path=customXml/item28.xml><?xml version="1.0" encoding="utf-8"?>
 <Control xmlns="http://schemas.microsoft.com/VisualStudio/2011/storyboarding/control">
   <Id Name="System.Storyboarding.WindowsPhone.Tile" Revision="1" Stencil="System.Storyboarding.WindowsPhone" StencilVersion="0.1"/>
 </Control>
 </file>
 
-<file path=customXml/item15.xml><?xml version="1.0" encoding="utf-8"?>
-<Control xmlns="http://schemas.microsoft.com/VisualStudio/2011/storyboarding/control">
-  <Id Name="System.Storyboarding.WindowsPhone.Tile" Revision="1" Stencil="System.Storyboarding.WindowsPhone" StencilVersion="0.1"/>
-</Control>
-</file>
-
-<file path=customXml/item16.xml><?xml version="1.0" encoding="utf-8"?>
-<Control xmlns="http://schemas.microsoft.com/VisualStudio/2011/storyboarding/control">
-  <Id Name="System.Storyboarding.WindowsPhone.Tile" Revision="1" Stencil="System.Storyboarding.WindowsPhone" StencilVersion="0.1"/>
-</Control>
-</file>
-
-<file path=customXml/item17.xml><?xml version="1.0" encoding="utf-8"?>
-<Control xmlns="http://schemas.microsoft.com/VisualStudio/2011/storyboarding/control">
-  <Id Name="System.Storyboarding.WindowsPhone.Tile" Revision="1" Stencil="System.Storyboarding.WindowsPhone" StencilVersion="0.1"/>
-</Control>
-</file>
-
-<file path=customXml/item18.xml><?xml version="1.0" encoding="utf-8"?>
-<Control xmlns="http://schemas.microsoft.com/VisualStudio/2011/storyboarding/control/v1.0">
-  <Id Name="System.Storyboarding.Common.Breadcrumb" RevisionId="68ea164d-c1de-47a5-804f-d4d1290fa524" Stencil="System.Storyboarding.Common" StencilRevisionId="68ea164d-c1de-47a5-804f-d4d1290fa524" StencilVersion="0.1"/>
-</Control>
-</file>
-
-<file path=customXml/item19.xml><?xml version="1.0" encoding="utf-8"?>
-<Control xmlns="http://schemas.microsoft.com/VisualStudio/2011/storyboarding/control/v1.0">
-  <Id Name="System.Storyboarding.Common.Text" RevisionId="68ea164d-c1de-47a5-804f-d4d1290fa524" Stencil="System.Storyboarding.Common" StencilRevisionId="68ea164d-c1de-47a5-804f-d4d1290fa524" StencilVersion="0.1"/>
-</Control>
-</file>
-
-<file path=customXml/item2.xml><?xml version="1.0" encoding="utf-8"?>
-<Control xmlns="http://schemas.microsoft.com/VisualStudio/2011/storyboarding/control/v1.0">
-  <Id Name="System.Storyboarding.Media.Image" RevisionId="658c0869-8ded-44f2-a68a-f8e8fcb7d3bd" Stencil="System.Storyboarding.Media" StencilRevisionId="658c0869-8ded-44f2-a68a-f8e8fcb7d3bd" StencilVersion="0.1"/>
-</Control>
-</file>
-
-<file path=customXml/item20.xml><?xml version="1.0" encoding="utf-8"?>
-<Control xmlns="http://schemas.microsoft.com/VisualStudio/2011/storyboarding/control">
-  <Id Name="System.Storyboarding.Backgrounds.Window" Revision="1" Stencil="System.Storyboarding.Backgrounds" StencilVersion="0.1"/>
-</Control>
-</file>
-
-<file path=customXml/item21.xml><?xml version="1.0" encoding="utf-8"?>
-<Control xmlns="http://schemas.microsoft.com/VisualStudio/2011/storyboarding/control">
-  <Id Name="System.Storyboarding.Icons.User" Revision="1" Stencil="System.Storyboarding.Icons" StencilVersion="0.1"/>
-</Control>
-</file>
-
-<file path=customXml/item22.xml><?xml version="1.0" encoding="utf-8"?>
-<Control xmlns="http://schemas.microsoft.com/VisualStudio/2011/storyboarding/control">
-  <Id Name="System.Storyboarding.Common.TextInput" Revision="1" Stencil="System.Storyboarding.Common" StencilVersion="0.1"/>
-</Control>
-</file>
-
-<file path=customXml/item23.xml><?xml version="1.0" encoding="utf-8"?>
+<file path=customXml/item29.xml><?xml version="1.0" encoding="utf-8"?>
 <ct:contentTypeSchema xmlns:ct="http://schemas.microsoft.com/office/2006/metadata/contentType" xmlns:ma="http://schemas.microsoft.com/office/2006/metadata/properties/metaAttributes" ct:_="" ma:_="" ma:contentTypeName="Documento" ma:contentTypeID="0x01010070649AC061D4F04BB6EC1102DFB829AB" ma:contentTypeVersion="7" ma:contentTypeDescription="Crie um novo documento." ma:contentTypeScope="" ma:versionID="7400a1209ddb294a2c6756ae156987bc">
   <xsd:schema xmlns:xsd="http://www.w3.org/2001/XMLSchema" xmlns:xs="http://www.w3.org/2001/XMLSchema" xmlns:p="http://schemas.microsoft.com/office/2006/metadata/properties" xmlns:ns2="be2b4223-36fe-405e-863b-49c6636b162e" targetNamespace="http://schemas.microsoft.com/office/2006/metadata/properties" ma:root="true" ma:fieldsID="fff7bd6c89929ebc4342f5643ac8637b" ns2:_="">
     <xsd:import namespace="be2b4223-36fe-405e-863b-49c6636b162e"/>
@@ -14751,102 +14787,63 @@
 </ct:contentTypeSchema>
 </file>
 
-<file path=customXml/item24.xml><?xml version="1.0" encoding="utf-8"?>
+<file path=customXml/item3.xml><?xml version="1.0" encoding="utf-8"?>
+<p:properties xmlns:p="http://schemas.microsoft.com/office/2006/metadata/properties" xmlns:xsi="http://www.w3.org/2001/XMLSchema-instance" xmlns:pc="http://schemas.microsoft.com/office/infopath/2007/PartnerControls">
+  <documentManagement/>
+</p:properties>
+</file>
+
+<file path=customXml/item30.xml><?xml version="1.0" encoding="utf-8"?>
+<Control xmlns="http://schemas.microsoft.com/VisualStudio/2011/storyboarding/control">
+  <Id Name="System.Storyboarding.WindowsPhone.Tile" Revision="1" Stencil="System.Storyboarding.WindowsPhone" StencilVersion="0.1"/>
+</Control>
+</file>
+
+<file path=customXml/item31.xml><?xml version="1.0" encoding="utf-8"?>
+<Control xmlns="http://schemas.microsoft.com/VisualStudio/2011/storyboarding/control/v1.0">
+  <Id Name="System.Storyboarding.Common.Text" RevisionId="68ea164d-c1de-47a5-804f-d4d1290fa524" Stencil="System.Storyboarding.Common" StencilRevisionId="68ea164d-c1de-47a5-804f-d4d1290fa524" StencilVersion="0.1"/>
+</Control>
+</file>
+
+<file path=customXml/item32.xml><?xml version="1.0" encoding="utf-8"?>
+<Control xmlns="http://schemas.microsoft.com/VisualStudio/2011/storyboarding/control">
+  <Id Name="System.Storyboarding.Backgrounds.SharePoint" Revision="1" Stencil="System.Storyboarding.Backgrounds" StencilVersion="0.1"/>
+</Control>
+</file>
+
+<file path=customXml/item33.xml><?xml version="1.0" encoding="utf-8"?>
+<Control xmlns="http://schemas.microsoft.com/VisualStudio/2011/storyboarding/control/v1.0">
+  <Id Name="System.Storyboarding.Common.SearchBox" RevisionId="68ea164d-c1de-47a5-804f-d4d1290fa524" Stencil="System.Storyboarding.Common" StencilRevisionId="68ea164d-c1de-47a5-804f-d4d1290fa524" StencilVersion="0.1"/>
+</Control>
+</file>
+
+<file path=customXml/item34.xml><?xml version="1.0" encoding="utf-8"?>
+<Control xmlns="http://schemas.microsoft.com/VisualStudio/2011/storyboarding/control">
+  <Id Name="System.Storyboarding.Common.TextInput" Revision="1" Stencil="System.Storyboarding.Common" StencilVersion="0.1"/>
+</Control>
+</file>
+
+<file path=customXml/item35.xml><?xml version="1.0" encoding="utf-8"?>
+<Control xmlns="http://schemas.microsoft.com/VisualStudio/2011/storyboarding/control/v1.0">
+  <Id Name="System.Storyboarding.Icons.Help" RevisionId="05cd6d03-c0b2-488e-98a7-d68de69a2cfc" Stencil="System.Storyboarding.Icons" StencilRevisionId="05cd6d03-c0b2-488e-98a7-d68de69a2cfc" StencilVersion="0.1"/>
+</Control>
+</file>
+
+<file path=customXml/item36.xml><?xml version="1.0" encoding="utf-8"?>
 <Control xmlns="http://schemas.microsoft.com/VisualStudio/2011/storyboarding/control">
   <Id Name="System.Storyboarding.Backgrounds.Window" Revision="1" Stencil="System.Storyboarding.Backgrounds" StencilVersion="0.1"/>
 </Control>
 </file>
 
-<file path=customXml/item25.xml><?xml version="1.0" encoding="utf-8"?>
-<Control xmlns="http://schemas.microsoft.com/VisualStudio/2011/storyboarding/control">
-  <Id Name="System.Storyboarding.WindowsPhone.WideTile" Revision="1" Stencil="System.Storyboarding.WindowsPhone" StencilVersion="0.1"/>
-</Control>
-</file>
-
-<file path=customXml/item26.xml><?xml version="1.0" encoding="utf-8"?>
-<Control xmlns="http://schemas.microsoft.com/VisualStudio/2011/storyboarding/control">
-  <Id Name="System.Storyboarding.Common.Button" Revision="1" Stencil="System.Storyboarding.Common" StencilVersion="0.1"/>
-</Control>
-</file>
-
-<file path=customXml/item27.xml><?xml version="1.0" encoding="utf-8"?>
-<Control xmlns="http://schemas.microsoft.com/VisualStudio/2011/storyboarding/control">
-  <Id Name="System.Storyboarding.Common.TextInput" Revision="1" Stencil="System.Storyboarding.Common" StencilVersion="0.1"/>
-</Control>
-</file>
-
-<file path=customXml/item28.xml><?xml version="1.0" encoding="utf-8"?>
+<file path=customXml/item37.xml><?xml version="1.0" encoding="utf-8"?>
 <Control xmlns="http://schemas.microsoft.com/VisualStudio/2011/storyboarding/control">
   <Id Name="System.Storyboarding.WindowsPhone.Tile" Revision="1" Stencil="System.Storyboarding.WindowsPhone" StencilVersion="0.1"/>
 </Control>
 </file>
 
-<file path=customXml/item29.xml><?xml version="1.0" encoding="utf-8"?>
+<file path=customXml/item38.xml><?xml version="1.0" encoding="utf-8"?>
 <Control xmlns="http://schemas.microsoft.com/VisualStudio/2011/storyboarding/control/v1.0">
-  <Id Name="System.Storyboarding.Common.Text" RevisionId="68ea164d-c1de-47a5-804f-d4d1290fa524" Stencil="System.Storyboarding.Common" StencilRevisionId="68ea164d-c1de-47a5-804f-d4d1290fa524" StencilVersion="0.1"/>
-</Control>
-</file>
-
-<file path=customXml/item3.xml><?xml version="1.0" encoding="utf-8"?>
-<Control xmlns="http://schemas.microsoft.com/VisualStudio/2011/storyboarding/control">
-  <Id Name="System.Storyboarding.Backgrounds.Window" Revision="1" Stencil="System.Storyboarding.Backgrounds" StencilVersion="0.1"/>
-</Control>
-</file>
-
-<file path=customXml/item30.xml><?xml version="1.0" encoding="utf-8"?>
-<Control xmlns="http://schemas.microsoft.com/VisualStudio/2011/storyboarding/control/v1.0">
-  <Id Name="System.Storyboarding.Common.Text" RevisionId="68ea164d-c1de-47a5-804f-d4d1290fa524" Stencil="System.Storyboarding.Common" StencilRevisionId="68ea164d-c1de-47a5-804f-d4d1290fa524" StencilVersion="0.1"/>
-</Control>
-</file>
-
-<file path=customXml/item31.xml><?xml version="1.0" encoding="utf-8"?>
-<Control xmlns="http://schemas.microsoft.com/VisualStudio/2011/storyboarding/control/v1.0">
-  <Id Name="System.Storyboarding.Common.SearchBox" RevisionId="68ea164d-c1de-47a5-804f-d4d1290fa524" Stencil="System.Storyboarding.Common" StencilRevisionId="68ea164d-c1de-47a5-804f-d4d1290fa524" StencilVersion="0.1"/>
-</Control>
-</file>
-
-<file path=customXml/item32.xml><?xml version="1.0" encoding="utf-8"?>
-<Control xmlns="http://schemas.microsoft.com/VisualStudio/2011/storyboarding/control">
-  <Id Name="System.Storyboarding.Backgrounds.Window" Revision="1" Stencil="System.Storyboarding.Backgrounds" StencilVersion="0.1"/>
-</Control>
-</file>
-
-<file path=customXml/item33.xml><?xml version="1.0" encoding="utf-8"?>
-<Control xmlns="http://schemas.microsoft.com/VisualStudio/2011/storyboarding/control/v1.0">
-  <Id Name="System.Storyboarding.Common.Text" RevisionId="68ea164d-c1de-47a5-804f-d4d1290fa524" Stencil="System.Storyboarding.Common" StencilRevisionId="68ea164d-c1de-47a5-804f-d4d1290fa524" StencilVersion="0.1"/>
-</Control>
-</file>
-
-<file path=customXml/item34.xml><?xml version="1.0" encoding="utf-8"?>
-<Control xmlns="http://schemas.microsoft.com/VisualStudio/2011/storyboarding/control">
-  <Id Name="System.Storyboarding.WindowsPhone.Tile" Revision="1" Stencil="System.Storyboarding.WindowsPhone" StencilVersion="0.1"/>
-</Control>
-</file>
-
-<file path=customXml/item35.xml><?xml version="1.0" encoding="utf-8"?>
-<Control xmlns="http://schemas.microsoft.com/VisualStudio/2011/storyboarding/control">
-  <Id Name="System.Storyboarding.Common.TextInput" Revision="1" Stencil="System.Storyboarding.Common" StencilVersion="0.1"/>
-</Control>
-</file>
-
-<file path=customXml/item36.xml><?xml version="1.0" encoding="utf-8"?>
-<Control xmlns="http://schemas.microsoft.com/VisualStudio/2011/storyboarding/control/v1.0">
-  <Id Name="System.Storyboarding.Common.Text" RevisionId="68ea164d-c1de-47a5-804f-d4d1290fa524" Stencil="System.Storyboarding.Common" StencilRevisionId="68ea164d-c1de-47a5-804f-d4d1290fa524" StencilVersion="0.1"/>
-</Control>
-</file>
-
-<file path=customXml/item37.xml><?xml version="1.0" encoding="utf-8"?>
-<?mso-contentType ?>
-<FormTemplates xmlns="http://schemas.microsoft.com/sharepoint/v3/contenttype/forms">
-  <Display>DocumentLibraryForm</Display>
-  <Edit>DocumentLibraryForm</Edit>
-  <New>DocumentLibraryForm</New>
-</FormTemplates>
-</file>
-
-<file path=customXml/item38.xml><?xml version="1.0" encoding="utf-8"?>
-<Control xmlns="http://schemas.microsoft.com/VisualStudio/2011/storyboarding/control">
-  <Id Name="System.Storyboarding.Backgrounds.Window" Revision="1" Stencil="System.Storyboarding.Backgrounds" StencilVersion="0.1"/>
+  <Id Name="System.Storyboarding.Common.Breadcrumb" RevisionId="68ea164d-c1de-47a5-804f-d4d1290fa524" Stencil="System.Storyboarding.Common" StencilRevisionId="68ea164d-c1de-47a5-804f-d4d1290fa524" StencilVersion="0.1"/>
 </Control>
 </file>
 
@@ -14857,78 +14854,225 @@
 </file>
 
 <file path=customXml/item4.xml><?xml version="1.0" encoding="utf-8"?>
-<Control xmlns="http://schemas.microsoft.com/VisualStudio/2011/storyboarding/control/v1.0">
-  <Id Name="System.Storyboarding.Icons.Help" RevisionId="05cd6d03-c0b2-488e-98a7-d68de69a2cfc" Stencil="System.Storyboarding.Icons" StencilRevisionId="05cd6d03-c0b2-488e-98a7-d68de69a2cfc" StencilVersion="0.1"/>
+<Control xmlns="http://schemas.microsoft.com/VisualStudio/2011/storyboarding/control">
+  <Id Name="System.Storyboarding.Backgrounds.Window" Revision="1" Stencil="System.Storyboarding.Backgrounds" StencilVersion="0.1"/>
 </Control>
 </file>
 
 <file path=customXml/item40.xml><?xml version="1.0" encoding="utf-8"?>
 <Control xmlns="http://schemas.microsoft.com/VisualStudio/2011/storyboarding/control">
-  <Id Name="System.Storyboarding.WindowsPhone.Tile" Revision="1" Stencil="System.Storyboarding.WindowsPhone" StencilVersion="0.1"/>
+  <Id Name="System.Storyboarding.Common.Button" Revision="1" Stencil="System.Storyboarding.Common" StencilVersion="0.1"/>
 </Control>
 </file>
 
 <file path=customXml/item41.xml><?xml version="1.0" encoding="utf-8"?>
 <Control xmlns="http://schemas.microsoft.com/VisualStudio/2011/storyboarding/control">
-  <Id Name="System.Storyboarding.Common.TextArea" Revision="1" Stencil="System.Storyboarding.Common" StencilVersion="0.1"/>
+  <Id Name="System.Storyboarding.Icons.User" Revision="1" Stencil="System.Storyboarding.Icons" StencilVersion="0.1"/>
 </Control>
 </file>
 
 <file path=customXml/item42.xml><?xml version="1.0" encoding="utf-8"?>
 <Control xmlns="http://schemas.microsoft.com/VisualStudio/2011/storyboarding/control">
-  <Id Name="System.Storyboarding.Common.Button" Revision="1" Stencil="System.Storyboarding.Common" StencilVersion="0.1"/>
+  <Id Name="System.Storyboarding.WindowsPhone.Tile" Revision="1" Stencil="System.Storyboarding.WindowsPhone" StencilVersion="0.1"/>
 </Control>
 </file>
 
 <file path=customXml/item43.xml><?xml version="1.0" encoding="utf-8"?>
 <Control xmlns="http://schemas.microsoft.com/VisualStudio/2011/storyboarding/control">
-  <Id Name="System.Storyboarding.Backgrounds.StartScreen" Revision="1" Stencil="System.Storyboarding.Backgrounds" StencilVersion="0.1"/>
+  <Id Name="System.Storyboarding.Common.Button" Revision="1" Stencil="System.Storyboarding.Common" StencilVersion="0.1"/>
 </Control>
 </file>
 
 <file path=customXml/item44.xml><?xml version="1.0" encoding="utf-8"?>
 <Control xmlns="http://schemas.microsoft.com/VisualStudio/2011/storyboarding/control">
-  <Id Name="System.Storyboarding.Common.TextInput" Revision="1" Stencil="System.Storyboarding.Common" StencilVersion="0.1"/>
+  <Id Name="System.Storyboarding.WindowsAppIcons.List" Revision="1" Stencil="System.Storyboarding.WindowsAppIcons" StencilVersion="0.1"/>
 </Control>
 </file>
 
 <file path=customXml/item45.xml><?xml version="1.0" encoding="utf-8"?>
+<Control xmlns="http://schemas.microsoft.com/VisualStudio/2011/storyboarding/control/v1.0">
+  <Id Name="System.Storyboarding.Media.Image" RevisionId="658c0869-8ded-44f2-a68a-f8e8fcb7d3bd" Stencil="System.Storyboarding.Media" StencilRevisionId="658c0869-8ded-44f2-a68a-f8e8fcb7d3bd" StencilVersion="0.1"/>
+</Control>
+</file>
+
+<file path=customXml/item5.xml><?xml version="1.0" encoding="utf-8"?>
+<Control xmlns="http://schemas.microsoft.com/VisualStudio/2011/storyboarding/control">
+  <Id Name="System.Storyboarding.Backgrounds.Window" Revision="1" Stencil="System.Storyboarding.Backgrounds" StencilVersion="0.1"/>
+</Control>
+</file>
+
+<file path=customXml/item6.xml><?xml version="1.0" encoding="utf-8"?>
+<?mso-contentType ?>
+<FormTemplates xmlns="http://schemas.microsoft.com/sharepoint/v3/contenttype/forms">
+  <Display>DocumentLibraryForm</Display>
+  <Edit>DocumentLibraryForm</Edit>
+  <New>DocumentLibraryForm</New>
+</FormTemplates>
+</file>
+
+<file path=customXml/item7.xml><?xml version="1.0" encoding="utf-8"?>
+<Control xmlns="http://schemas.microsoft.com/VisualStudio/2011/storyboarding/control">
+  <Id Name="System.Storyboarding.WindowsPhone.Tile" Revision="1" Stencil="System.Storyboarding.WindowsPhone" StencilVersion="0.1"/>
+</Control>
+</file>
+
+<file path=customXml/item8.xml><?xml version="1.0" encoding="utf-8"?>
 <Control xmlns="http://schemas.microsoft.com/VisualStudio/2011/storyboarding/control">
   <Id Name="System.Storyboarding.Common.TextInput" Revision="1" Stencil="System.Storyboarding.Common" StencilVersion="0.1"/>
 </Control>
 </file>
 
-<file path=customXml/item5.xml><?xml version="1.0" encoding="utf-8"?>
+<file path=customXml/item9.xml><?xml version="1.0" encoding="utf-8"?>
 <Control xmlns="http://schemas.microsoft.com/VisualStudio/2011/storyboarding/control">
   <Id Name="System.Storyboarding.Common.Button" Revision="1" Stencil="System.Storyboarding.Common" StencilVersion="0.1"/>
 </Control>
 </file>
 
-<file path=customXml/item6.xml><?xml version="1.0" encoding="utf-8"?>
-<Control xmlns="http://schemas.microsoft.com/VisualStudio/2011/storyboarding/control/v1.0">
-  <Id Name="System.Storyboarding.Icons.FolderOpen" RevisionId="05cd6d03-c0b2-488e-98a7-d68de69a2cfc" Stencil="System.Storyboarding.Icons" StencilRevisionId="05cd6d03-c0b2-488e-98a7-d68de69a2cfc" StencilVersion="0.1"/>
-</Control>
+<file path=customXml/itemProps1.xml><?xml version="1.0" encoding="utf-8"?>
+<ds:datastoreItem xmlns:ds="http://schemas.openxmlformats.org/officeDocument/2006/customXml" ds:itemID="{8376A45C-3B73-430A-AB07-14AE228ECB55}">
+  <ds:schemaRefs>
+    <ds:schemaRef ds:uri="http://schemas.microsoft.com/VisualStudio/2011/storyboarding/control"/>
+  </ds:schemaRefs>
+</ds:datastoreItem>
 </file>
 
-<file path=customXml/item7.xml><?xml version="1.0" encoding="utf-8"?>
-<Control xmlns="http://schemas.microsoft.com/VisualStudio/2011/storyboarding/control">
-  <Id Name="System.Storyboarding.WindowsAppIcons.List" Revision="1" Stencil="System.Storyboarding.WindowsAppIcons" StencilVersion="0.1"/>
-</Control>
+<file path=customXml/itemProps10.xml><?xml version="1.0" encoding="utf-8"?>
+<ds:datastoreItem xmlns:ds="http://schemas.openxmlformats.org/officeDocument/2006/customXml" ds:itemID="{BCFDDF06-4D2E-4D6D-9A1B-C447B3F4EA67}">
+  <ds:schemaRefs>
+    <ds:schemaRef ds:uri="http://schemas.microsoft.com/VisualStudio/2011/storyboarding/control/v1.0"/>
+  </ds:schemaRefs>
+</ds:datastoreItem>
 </file>
 
-<file path=customXml/item8.xml><?xml version="1.0" encoding="utf-8"?>
-<Control xmlns="http://schemas.microsoft.com/VisualStudio/2011/storyboarding/control">
-  <Id Name="System.Storyboarding.Backgrounds.StartMenu" Revision="1" Stencil="System.Storyboarding.Backgrounds" StencilVersion="0.1"/>
-</Control>
+<file path=customXml/itemProps11.xml><?xml version="1.0" encoding="utf-8"?>
+<ds:datastoreItem xmlns:ds="http://schemas.openxmlformats.org/officeDocument/2006/customXml" ds:itemID="{227E5C53-C01D-4E70-A6B9-862CEA9643DB}">
+  <ds:schemaRefs>
+    <ds:schemaRef ds:uri="http://schemas.microsoft.com/VisualStudio/2011/storyboarding/control"/>
+  </ds:schemaRefs>
+</ds:datastoreItem>
 </file>
 
-<file path=customXml/item9.xml><?xml version="1.0" encoding="utf-8"?>
-<Control xmlns="http://schemas.microsoft.com/VisualStudio/2011/storyboarding/control">
-  <Id Name="System.Storyboarding.Backgrounds.Window" Revision="1" Stencil="System.Storyboarding.Backgrounds" StencilVersion="0.1"/>
-</Control>
+<file path=customXml/itemProps12.xml><?xml version="1.0" encoding="utf-8"?>
+<ds:datastoreItem xmlns:ds="http://schemas.openxmlformats.org/officeDocument/2006/customXml" ds:itemID="{B62DF848-E0E0-4394-9BE0-9A530544640C}">
+  <ds:schemaRefs>
+    <ds:schemaRef ds:uri="http://schemas.microsoft.com/VisualStudio/2011/storyboarding/control"/>
+  </ds:schemaRefs>
+</ds:datastoreItem>
 </file>
 
-<file path=customXml/itemProps1.xml><?xml version="1.0" encoding="utf-8"?>
+<file path=customXml/itemProps13.xml><?xml version="1.0" encoding="utf-8"?>
+<ds:datastoreItem xmlns:ds="http://schemas.openxmlformats.org/officeDocument/2006/customXml" ds:itemID="{06521DAB-AB54-4417-9A3F-680FC2005034}">
+  <ds:schemaRefs>
+    <ds:schemaRef ds:uri="http://schemas.microsoft.com/VisualStudio/2011/storyboarding/control"/>
+  </ds:schemaRefs>
+</ds:datastoreItem>
+</file>
+
+<file path=customXml/itemProps14.xml><?xml version="1.0" encoding="utf-8"?>
+<ds:datastoreItem xmlns:ds="http://schemas.openxmlformats.org/officeDocument/2006/customXml" ds:itemID="{4475BC4D-1BB3-42EE-94C9-1B162D8BAFED}">
+  <ds:schemaRefs>
+    <ds:schemaRef ds:uri="http://schemas.microsoft.com/VisualStudio/2011/storyboarding/control/v1.0"/>
+  </ds:schemaRefs>
+</ds:datastoreItem>
+</file>
+
+<file path=customXml/itemProps15.xml><?xml version="1.0" encoding="utf-8"?>
+<ds:datastoreItem xmlns:ds="http://schemas.openxmlformats.org/officeDocument/2006/customXml" ds:itemID="{80B57552-8ED6-4DB9-AC14-7622A986B75D}">
+  <ds:schemaRefs>
+    <ds:schemaRef ds:uri="http://schemas.microsoft.com/VisualStudio/2011/storyboarding/control"/>
+  </ds:schemaRefs>
+</ds:datastoreItem>
+</file>
+
+<file path=customXml/itemProps16.xml><?xml version="1.0" encoding="utf-8"?>
+<ds:datastoreItem xmlns:ds="http://schemas.openxmlformats.org/officeDocument/2006/customXml" ds:itemID="{EF7ABAC1-700C-45E5-BC18-4E0BD9D11B10}">
+  <ds:schemaRefs>
+    <ds:schemaRef ds:uri="http://schemas.microsoft.com/VisualStudio/2011/storyboarding/control"/>
+  </ds:schemaRefs>
+</ds:datastoreItem>
+</file>
+
+<file path=customXml/itemProps17.xml><?xml version="1.0" encoding="utf-8"?>
+<ds:datastoreItem xmlns:ds="http://schemas.openxmlformats.org/officeDocument/2006/customXml" ds:itemID="{A27AAB3D-F37E-4B34-B90F-D9F3A1FF566D}">
+  <ds:schemaRefs>
+    <ds:schemaRef ds:uri="http://schemas.microsoft.com/VisualStudio/2011/storyboarding/control"/>
+  </ds:schemaRefs>
+</ds:datastoreItem>
+</file>
+
+<file path=customXml/itemProps18.xml><?xml version="1.0" encoding="utf-8"?>
+<ds:datastoreItem xmlns:ds="http://schemas.openxmlformats.org/officeDocument/2006/customXml" ds:itemID="{07B4B1F0-46E6-4525-908E-6C21720ECF79}">
+  <ds:schemaRefs>
+    <ds:schemaRef ds:uri="http://schemas.microsoft.com/VisualStudio/2011/storyboarding/control"/>
+  </ds:schemaRefs>
+</ds:datastoreItem>
+</file>
+
+<file path=customXml/itemProps19.xml><?xml version="1.0" encoding="utf-8"?>
+<ds:datastoreItem xmlns:ds="http://schemas.openxmlformats.org/officeDocument/2006/customXml" ds:itemID="{5A6F5145-09F5-421E-ABA8-035D9DF59D73}">
+  <ds:schemaRefs>
+    <ds:schemaRef ds:uri="http://schemas.microsoft.com/VisualStudio/2011/storyboarding/control/v1.0"/>
+  </ds:schemaRefs>
+</ds:datastoreItem>
+</file>
+
+<file path=customXml/itemProps2.xml><?xml version="1.0" encoding="utf-8"?>
+<ds:datastoreItem xmlns:ds="http://schemas.openxmlformats.org/officeDocument/2006/customXml" ds:itemID="{D876FCC0-9E7A-48B1-8E50-1A0759F74E0A}">
+  <ds:schemaRefs>
+    <ds:schemaRef ds:uri="http://schemas.microsoft.com/VisualStudio/2011/storyboarding/control/v1.0"/>
+  </ds:schemaRefs>
+</ds:datastoreItem>
+</file>
+
+<file path=customXml/itemProps20.xml><?xml version="1.0" encoding="utf-8"?>
+<ds:datastoreItem xmlns:ds="http://schemas.openxmlformats.org/officeDocument/2006/customXml" ds:itemID="{62297194-F276-4C35-9AA2-BFDF1B032F77}">
+  <ds:schemaRefs>
+    <ds:schemaRef ds:uri="http://schemas.microsoft.com/VisualStudio/2011/storyboarding/control"/>
+  </ds:schemaRefs>
+</ds:datastoreItem>
+</file>
+
+<file path=customXml/itemProps21.xml><?xml version="1.0" encoding="utf-8"?>
+<ds:datastoreItem xmlns:ds="http://schemas.openxmlformats.org/officeDocument/2006/customXml" ds:itemID="{5F8B743C-58C9-496B-861D-37CFDCB689D2}">
+  <ds:schemaRefs>
+    <ds:schemaRef ds:uri="http://schemas.microsoft.com/VisualStudio/2011/storyboarding/control"/>
+  </ds:schemaRefs>
+</ds:datastoreItem>
+</file>
+
+<file path=customXml/itemProps22.xml><?xml version="1.0" encoding="utf-8"?>
+<ds:datastoreItem xmlns:ds="http://schemas.openxmlformats.org/officeDocument/2006/customXml" ds:itemID="{6089AD14-2AFF-487A-A99A-106B05215CC5}">
+  <ds:schemaRefs>
+    <ds:schemaRef ds:uri="http://schemas.microsoft.com/VisualStudio/2011/storyboarding/control/v1.0"/>
+  </ds:schemaRefs>
+</ds:datastoreItem>
+</file>
+
+<file path=customXml/itemProps23.xml><?xml version="1.0" encoding="utf-8"?>
+<ds:datastoreItem xmlns:ds="http://schemas.openxmlformats.org/officeDocument/2006/customXml" ds:itemID="{5A225238-AABA-45A9-AC2D-060623C679CD}">
+  <ds:schemaRefs>
+    <ds:schemaRef ds:uri="http://schemas.microsoft.com/VisualStudio/2011/storyboarding/control"/>
+  </ds:schemaRefs>
+</ds:datastoreItem>
+</file>
+
+<file path=customXml/itemProps24.xml><?xml version="1.0" encoding="utf-8"?>
+<ds:datastoreItem xmlns:ds="http://schemas.openxmlformats.org/officeDocument/2006/customXml" ds:itemID="{36DE97C9-309D-4BCA-892B-123C1150A8E6}">
+  <ds:schemaRefs>
+    <ds:schemaRef ds:uri="http://schemas.microsoft.com/VisualStudio/2011/storyboarding/control"/>
+  </ds:schemaRefs>
+</ds:datastoreItem>
+</file>
+
+<file path=customXml/itemProps25.xml><?xml version="1.0" encoding="utf-8"?>
+<ds:datastoreItem xmlns:ds="http://schemas.openxmlformats.org/officeDocument/2006/customXml" ds:itemID="{2A351D3C-E1D0-4BEF-A94F-4308047B2C74}">
+  <ds:schemaRefs>
+    <ds:schemaRef ds:uri="http://schemas.microsoft.com/VisualStudio/2011/storyboarding/control"/>
+  </ds:schemaRefs>
+</ds:datastoreItem>
+</file>
+
+<file path=customXml/itemProps26.xml><?xml version="1.0" encoding="utf-8"?>
 <ds:datastoreItem xmlns:ds="http://schemas.openxmlformats.org/officeDocument/2006/customXml" ds:itemID="{09031ECE-7E03-480D-B8BB-25C6F89B5A5C}">
   <ds:schemaRefs>
     <ds:schemaRef ds:uri="http://schemas.microsoft.com/VisualStudio/2011/storyboarding/control"/>
@@ -14936,48 +15080,15 @@
 </ds:datastoreItem>
 </file>
 
-<file path=customXml/itemProps10.xml><?xml version="1.0" encoding="utf-8"?>
-<ds:datastoreItem xmlns:ds="http://schemas.openxmlformats.org/officeDocument/2006/customXml" ds:itemID="{ADE73E15-4A4C-4609-9E53-44984B8EC6DA}">
-  <ds:schemaRefs>
-    <ds:schemaRef ds:uri="http://schemas.microsoft.com/VisualStudio/2011/storyboarding/control"/>
-  </ds:schemaRefs>
-</ds:datastoreItem>
-</file>
-
-<file path=customXml/itemProps11.xml><?xml version="1.0" encoding="utf-8"?>
-<ds:datastoreItem xmlns:ds="http://schemas.openxmlformats.org/officeDocument/2006/customXml" ds:itemID="{01FACDDE-CC9D-43DE-9246-E5E31693925D}">
-  <ds:schemaRefs>
-    <ds:schemaRef ds:uri="http://schemas.microsoft.com/office/2006/metadata/properties"/>
-    <ds:schemaRef ds:uri="http://schemas.microsoft.com/office/infopath/2007/PartnerControls"/>
-  </ds:schemaRefs>
-</ds:datastoreItem>
-</file>
-
-<file path=customXml/itemProps12.xml><?xml version="1.0" encoding="utf-8"?>
-<ds:datastoreItem xmlns:ds="http://schemas.openxmlformats.org/officeDocument/2006/customXml" ds:itemID="{5A6F5145-09F5-421E-ABA8-035D9DF59D73}">
+<file path=customXml/itemProps27.xml><?xml version="1.0" encoding="utf-8"?>
+<ds:datastoreItem xmlns:ds="http://schemas.openxmlformats.org/officeDocument/2006/customXml" ds:itemID="{6CA1E503-3BE5-48F9-8903-1F5A0E5B53FA}">
   <ds:schemaRefs>
     <ds:schemaRef ds:uri="http://schemas.microsoft.com/VisualStudio/2011/storyboarding/control/v1.0"/>
   </ds:schemaRefs>
 </ds:datastoreItem>
 </file>
 
-<file path=customXml/itemProps13.xml><?xml version="1.0" encoding="utf-8"?>
-<ds:datastoreItem xmlns:ds="http://schemas.openxmlformats.org/officeDocument/2006/customXml" ds:itemID="{B945FD6A-04E9-4DD2-94EC-104268517FC4}">
-  <ds:schemaRefs>
-    <ds:schemaRef ds:uri="http://schemas.microsoft.com/VisualStudio/2011/storyboarding/control"/>
-  </ds:schemaRefs>
-</ds:datastoreItem>
-</file>
-
-<file path=customXml/itemProps14.xml><?xml version="1.0" encoding="utf-8"?>
-<ds:datastoreItem xmlns:ds="http://schemas.openxmlformats.org/officeDocument/2006/customXml" ds:itemID="{227E5C53-C01D-4E70-A6B9-862CEA9643DB}">
-  <ds:schemaRefs>
-    <ds:schemaRef ds:uri="http://schemas.microsoft.com/VisualStudio/2011/storyboarding/control"/>
-  </ds:schemaRefs>
-</ds:datastoreItem>
-</file>
-
-<file path=customXml/itemProps15.xml><?xml version="1.0" encoding="utf-8"?>
+<file path=customXml/itemProps28.xml><?xml version="1.0" encoding="utf-8"?>
 <ds:datastoreItem xmlns:ds="http://schemas.openxmlformats.org/officeDocument/2006/customXml" ds:itemID="{864CECF6-9DCA-4D1C-9B38-E0688ABC9BEF}">
   <ds:schemaRefs>
     <ds:schemaRef ds:uri="http://schemas.microsoft.com/VisualStudio/2011/storyboarding/control"/>
@@ -14985,71 +15096,7 @@
 </ds:datastoreItem>
 </file>
 
-<file path=customXml/itemProps16.xml><?xml version="1.0" encoding="utf-8"?>
-<ds:datastoreItem xmlns:ds="http://schemas.openxmlformats.org/officeDocument/2006/customXml" ds:itemID="{8376A45C-3B73-430A-AB07-14AE228ECB55}">
-  <ds:schemaRefs>
-    <ds:schemaRef ds:uri="http://schemas.microsoft.com/VisualStudio/2011/storyboarding/control"/>
-  </ds:schemaRefs>
-</ds:datastoreItem>
-</file>
-
-<file path=customXml/itemProps17.xml><?xml version="1.0" encoding="utf-8"?>
-<ds:datastoreItem xmlns:ds="http://schemas.openxmlformats.org/officeDocument/2006/customXml" ds:itemID="{62297194-F276-4C35-9AA2-BFDF1B032F77}">
-  <ds:schemaRefs>
-    <ds:schemaRef ds:uri="http://schemas.microsoft.com/VisualStudio/2011/storyboarding/control"/>
-  </ds:schemaRefs>
-</ds:datastoreItem>
-</file>
-
-<file path=customXml/itemProps18.xml><?xml version="1.0" encoding="utf-8"?>
-<ds:datastoreItem xmlns:ds="http://schemas.openxmlformats.org/officeDocument/2006/customXml" ds:itemID="{2ED57B16-65F0-4D88-8FC8-86653DF414F3}">
-  <ds:schemaRefs>
-    <ds:schemaRef ds:uri="http://schemas.microsoft.com/VisualStudio/2011/storyboarding/control/v1.0"/>
-  </ds:schemaRefs>
-</ds:datastoreItem>
-</file>
-
-<file path=customXml/itemProps19.xml><?xml version="1.0" encoding="utf-8"?>
-<ds:datastoreItem xmlns:ds="http://schemas.openxmlformats.org/officeDocument/2006/customXml" ds:itemID="{BCFDDF06-4D2E-4D6D-9A1B-C447B3F4EA67}">
-  <ds:schemaRefs>
-    <ds:schemaRef ds:uri="http://schemas.microsoft.com/VisualStudio/2011/storyboarding/control/v1.0"/>
-  </ds:schemaRefs>
-</ds:datastoreItem>
-</file>
-
-<file path=customXml/itemProps2.xml><?xml version="1.0" encoding="utf-8"?>
-<ds:datastoreItem xmlns:ds="http://schemas.openxmlformats.org/officeDocument/2006/customXml" ds:itemID="{366DA436-CE30-453F-9CC1-28AD3B50F144}">
-  <ds:schemaRefs>
-    <ds:schemaRef ds:uri="http://schemas.microsoft.com/VisualStudio/2011/storyboarding/control/v1.0"/>
-  </ds:schemaRefs>
-</ds:datastoreItem>
-</file>
-
-<file path=customXml/itemProps20.xml><?xml version="1.0" encoding="utf-8"?>
-<ds:datastoreItem xmlns:ds="http://schemas.openxmlformats.org/officeDocument/2006/customXml" ds:itemID="{36DE97C9-309D-4BCA-892B-123C1150A8E6}">
-  <ds:schemaRefs>
-    <ds:schemaRef ds:uri="http://schemas.microsoft.com/VisualStudio/2011/storyboarding/control"/>
-  </ds:schemaRefs>
-</ds:datastoreItem>
-</file>
-
-<file path=customXml/itemProps21.xml><?xml version="1.0" encoding="utf-8"?>
-<ds:datastoreItem xmlns:ds="http://schemas.openxmlformats.org/officeDocument/2006/customXml" ds:itemID="{22BBB2FA-F8D8-485D-82A6-F1C443370B32}">
-  <ds:schemaRefs>
-    <ds:schemaRef ds:uri="http://schemas.microsoft.com/VisualStudio/2011/storyboarding/control"/>
-  </ds:schemaRefs>
-</ds:datastoreItem>
-</file>
-
-<file path=customXml/itemProps22.xml><?xml version="1.0" encoding="utf-8"?>
-<ds:datastoreItem xmlns:ds="http://schemas.openxmlformats.org/officeDocument/2006/customXml" ds:itemID="{B62DF848-E0E0-4394-9BE0-9A530544640C}">
-  <ds:schemaRefs>
-    <ds:schemaRef ds:uri="http://schemas.microsoft.com/VisualStudio/2011/storyboarding/control"/>
-  </ds:schemaRefs>
-</ds:datastoreItem>
-</file>
-
-<file path=customXml/itemProps23.xml><?xml version="1.0" encoding="utf-8"?>
+<file path=customXml/itemProps29.xml><?xml version="1.0" encoding="utf-8"?>
 <ds:datastoreItem xmlns:ds="http://schemas.openxmlformats.org/officeDocument/2006/customXml" ds:itemID="{43E4F016-3020-48A6-B99F-C1871B414E02}">
   <ds:schemaRefs>
     <ds:schemaRef ds:uri="http://schemas.microsoft.com/office/2006/metadata/contentType"/>
@@ -15067,39 +15114,16 @@
 </ds:datastoreItem>
 </file>
 
-<file path=customXml/itemProps24.xml><?xml version="1.0" encoding="utf-8"?>
-<ds:datastoreItem xmlns:ds="http://schemas.openxmlformats.org/officeDocument/2006/customXml" ds:itemID="{79ABC63F-3EAA-44E1-9363-B5F7F5B74EC9}">
+<file path=customXml/itemProps3.xml><?xml version="1.0" encoding="utf-8"?>
+<ds:datastoreItem xmlns:ds="http://schemas.openxmlformats.org/officeDocument/2006/customXml" ds:itemID="{01FACDDE-CC9D-43DE-9246-E5E31693925D}">
   <ds:schemaRefs>
-    <ds:schemaRef ds:uri="http://schemas.microsoft.com/VisualStudio/2011/storyboarding/control"/>
+    <ds:schemaRef ds:uri="http://schemas.microsoft.com/office/2006/metadata/properties"/>
+    <ds:schemaRef ds:uri="http://schemas.microsoft.com/office/infopath/2007/PartnerControls"/>
   </ds:schemaRefs>
 </ds:datastoreItem>
 </file>
 
-<file path=customXml/itemProps25.xml><?xml version="1.0" encoding="utf-8"?>
-<ds:datastoreItem xmlns:ds="http://schemas.openxmlformats.org/officeDocument/2006/customXml" ds:itemID="{5F8B743C-58C9-496B-861D-37CFDCB689D2}">
-  <ds:schemaRefs>
-    <ds:schemaRef ds:uri="http://schemas.microsoft.com/VisualStudio/2011/storyboarding/control"/>
-  </ds:schemaRefs>
-</ds:datastoreItem>
-</file>
-
-<file path=customXml/itemProps26.xml><?xml version="1.0" encoding="utf-8"?>
-<ds:datastoreItem xmlns:ds="http://schemas.openxmlformats.org/officeDocument/2006/customXml" ds:itemID="{E8DB5CDF-21ED-4D61-A992-0396D3107474}">
-  <ds:schemaRefs>
-    <ds:schemaRef ds:uri="http://schemas.microsoft.com/VisualStudio/2011/storyboarding/control"/>
-  </ds:schemaRefs>
-</ds:datastoreItem>
-</file>
-
-<file path=customXml/itemProps27.xml><?xml version="1.0" encoding="utf-8"?>
-<ds:datastoreItem xmlns:ds="http://schemas.openxmlformats.org/officeDocument/2006/customXml" ds:itemID="{06521DAB-AB54-4417-9A3F-680FC2005034}">
-  <ds:schemaRefs>
-    <ds:schemaRef ds:uri="http://schemas.microsoft.com/VisualStudio/2011/storyboarding/control"/>
-  </ds:schemaRefs>
-</ds:datastoreItem>
-</file>
-
-<file path=customXml/itemProps28.xml><?xml version="1.0" encoding="utf-8"?>
+<file path=customXml/itemProps30.xml><?xml version="1.0" encoding="utf-8"?>
 <ds:datastoreItem xmlns:ds="http://schemas.openxmlformats.org/officeDocument/2006/customXml" ds:itemID="{A56E7BBF-4AD1-4BAB-BB90-656BC303E394}">
   <ds:schemaRefs>
     <ds:schemaRef ds:uri="http://schemas.microsoft.com/VisualStudio/2011/storyboarding/control"/>
@@ -15107,31 +15131,23 @@
 </ds:datastoreItem>
 </file>
 
-<file path=customXml/itemProps29.xml><?xml version="1.0" encoding="utf-8"?>
-<ds:datastoreItem xmlns:ds="http://schemas.openxmlformats.org/officeDocument/2006/customXml" ds:itemID="{D876FCC0-9E7A-48B1-8E50-1A0759F74E0A}">
+<file path=customXml/itemProps31.xml><?xml version="1.0" encoding="utf-8"?>
+<ds:datastoreItem xmlns:ds="http://schemas.openxmlformats.org/officeDocument/2006/customXml" ds:itemID="{E83CE332-ECC5-4BAC-A734-C260BE747A0D}">
   <ds:schemaRefs>
     <ds:schemaRef ds:uri="http://schemas.microsoft.com/VisualStudio/2011/storyboarding/control/v1.0"/>
   </ds:schemaRefs>
 </ds:datastoreItem>
 </file>
 
-<file path=customXml/itemProps3.xml><?xml version="1.0" encoding="utf-8"?>
-<ds:datastoreItem xmlns:ds="http://schemas.openxmlformats.org/officeDocument/2006/customXml" ds:itemID="{07B4B1F0-46E6-4525-908E-6C21720ECF79}">
+<file path=customXml/itemProps32.xml><?xml version="1.0" encoding="utf-8"?>
+<ds:datastoreItem xmlns:ds="http://schemas.openxmlformats.org/officeDocument/2006/customXml" ds:itemID="{ADE73E15-4A4C-4609-9E53-44984B8EC6DA}">
   <ds:schemaRefs>
     <ds:schemaRef ds:uri="http://schemas.microsoft.com/VisualStudio/2011/storyboarding/control"/>
   </ds:schemaRefs>
 </ds:datastoreItem>
 </file>
 
-<file path=customXml/itemProps30.xml><?xml version="1.0" encoding="utf-8"?>
-<ds:datastoreItem xmlns:ds="http://schemas.openxmlformats.org/officeDocument/2006/customXml" ds:itemID="{4475BC4D-1BB3-42EE-94C9-1B162D8BAFED}">
-  <ds:schemaRefs>
-    <ds:schemaRef ds:uri="http://schemas.microsoft.com/VisualStudio/2011/storyboarding/control/v1.0"/>
-  </ds:schemaRefs>
-</ds:datastoreItem>
-</file>
-
-<file path=customXml/itemProps31.xml><?xml version="1.0" encoding="utf-8"?>
+<file path=customXml/itemProps33.xml><?xml version="1.0" encoding="utf-8"?>
 <ds:datastoreItem xmlns:ds="http://schemas.openxmlformats.org/officeDocument/2006/customXml" ds:itemID="{AB8AF5A6-FA45-4246-A67D-74215671FBEF}">
   <ds:schemaRefs>
     <ds:schemaRef ds:uri="http://schemas.microsoft.com/VisualStudio/2011/storyboarding/control/v1.0"/>
@@ -15139,24 +15155,8 @@
 </ds:datastoreItem>
 </file>
 
-<file path=customXml/itemProps32.xml><?xml version="1.0" encoding="utf-8"?>
-<ds:datastoreItem xmlns:ds="http://schemas.openxmlformats.org/officeDocument/2006/customXml" ds:itemID="{626AF6F4-D651-4697-8F4E-2A177121AC0B}">
-  <ds:schemaRefs>
-    <ds:schemaRef ds:uri="http://schemas.microsoft.com/VisualStudio/2011/storyboarding/control"/>
-  </ds:schemaRefs>
-</ds:datastoreItem>
-</file>
-
-<file path=customXml/itemProps33.xml><?xml version="1.0" encoding="utf-8"?>
-<ds:datastoreItem xmlns:ds="http://schemas.openxmlformats.org/officeDocument/2006/customXml" ds:itemID="{6089AD14-2AFF-487A-A99A-106B05215CC5}">
-  <ds:schemaRefs>
-    <ds:schemaRef ds:uri="http://schemas.microsoft.com/VisualStudio/2011/storyboarding/control/v1.0"/>
-  </ds:schemaRefs>
-</ds:datastoreItem>
-</file>
-
 <file path=customXml/itemProps34.xml><?xml version="1.0" encoding="utf-8"?>
-<ds:datastoreItem xmlns:ds="http://schemas.openxmlformats.org/officeDocument/2006/customXml" ds:itemID="{0A0B0AB4-528F-45D0-9477-351EBE4AC7B5}">
+<ds:datastoreItem xmlns:ds="http://schemas.openxmlformats.org/officeDocument/2006/customXml" ds:itemID="{65F8EF8D-4BAC-4081-A49F-1FB3D0F236FC}">
   <ds:schemaRefs>
     <ds:schemaRef ds:uri="http://schemas.microsoft.com/VisualStudio/2011/storyboarding/control"/>
   </ds:schemaRefs>
@@ -15164,33 +15164,33 @@
 </file>
 
 <file path=customXml/itemProps35.xml><?xml version="1.0" encoding="utf-8"?>
-<ds:datastoreItem xmlns:ds="http://schemas.openxmlformats.org/officeDocument/2006/customXml" ds:itemID="{80B57552-8ED6-4DB9-AC14-7622A986B75D}">
+<ds:datastoreItem xmlns:ds="http://schemas.openxmlformats.org/officeDocument/2006/customXml" ds:itemID="{E8B65369-76D4-44B9-8CEB-D454AC76CCEB}">
+  <ds:schemaRefs>
+    <ds:schemaRef ds:uri="http://schemas.microsoft.com/VisualStudio/2011/storyboarding/control/v1.0"/>
+  </ds:schemaRefs>
+</ds:datastoreItem>
+</file>
+
+<file path=customXml/itemProps36.xml><?xml version="1.0" encoding="utf-8"?>
+<ds:datastoreItem xmlns:ds="http://schemas.openxmlformats.org/officeDocument/2006/customXml" ds:itemID="{1AE11140-FDC2-4D5B-A243-B14FB96F23E0}">
   <ds:schemaRefs>
     <ds:schemaRef ds:uri="http://schemas.microsoft.com/VisualStudio/2011/storyboarding/control"/>
   </ds:schemaRefs>
 </ds:datastoreItem>
 </file>
 
-<file path=customXml/itemProps36.xml><?xml version="1.0" encoding="utf-8"?>
-<ds:datastoreItem xmlns:ds="http://schemas.openxmlformats.org/officeDocument/2006/customXml" ds:itemID="{E83CE332-ECC5-4BAC-A734-C260BE747A0D}">
+<file path=customXml/itemProps37.xml><?xml version="1.0" encoding="utf-8"?>
+<ds:datastoreItem xmlns:ds="http://schemas.openxmlformats.org/officeDocument/2006/customXml" ds:itemID="{B945FD6A-04E9-4DD2-94EC-104268517FC4}">
   <ds:schemaRefs>
-    <ds:schemaRef ds:uri="http://schemas.microsoft.com/VisualStudio/2011/storyboarding/control/v1.0"/>
-  </ds:schemaRefs>
-</ds:datastoreItem>
-</file>
-
-<file path=customXml/itemProps37.xml><?xml version="1.0" encoding="utf-8"?>
-<ds:datastoreItem xmlns:ds="http://schemas.openxmlformats.org/officeDocument/2006/customXml" ds:itemID="{A4C88D0F-33F8-4BFF-A62E-630D09631C51}">
-  <ds:schemaRefs>
-    <ds:schemaRef ds:uri="http://schemas.microsoft.com/sharepoint/v3/contenttype/forms"/>
+    <ds:schemaRef ds:uri="http://schemas.microsoft.com/VisualStudio/2011/storyboarding/control"/>
   </ds:schemaRefs>
 </ds:datastoreItem>
 </file>
 
 <file path=customXml/itemProps38.xml><?xml version="1.0" encoding="utf-8"?>
-<ds:datastoreItem xmlns:ds="http://schemas.openxmlformats.org/officeDocument/2006/customXml" ds:itemID="{5A225238-AABA-45A9-AC2D-060623C679CD}">
+<ds:datastoreItem xmlns:ds="http://schemas.openxmlformats.org/officeDocument/2006/customXml" ds:itemID="{2ED57B16-65F0-4D88-8FC8-86653DF414F3}">
   <ds:schemaRefs>
-    <ds:schemaRef ds:uri="http://schemas.microsoft.com/VisualStudio/2011/storyboarding/control"/>
+    <ds:schemaRef ds:uri="http://schemas.microsoft.com/VisualStudio/2011/storyboarding/control/v1.0"/>
   </ds:schemaRefs>
 </ds:datastoreItem>
 </file>
@@ -15204,14 +15204,78 @@
 </file>
 
 <file path=customXml/itemProps4.xml><?xml version="1.0" encoding="utf-8"?>
-<ds:datastoreItem xmlns:ds="http://schemas.openxmlformats.org/officeDocument/2006/customXml" ds:itemID="{E8B65369-76D4-44B9-8CEB-D454AC76CCEB}">
+<ds:datastoreItem xmlns:ds="http://schemas.openxmlformats.org/officeDocument/2006/customXml" ds:itemID="{79ABC63F-3EAA-44E1-9363-B5F7F5B74EC9}">
+  <ds:schemaRefs>
+    <ds:schemaRef ds:uri="http://schemas.microsoft.com/VisualStudio/2011/storyboarding/control"/>
+  </ds:schemaRefs>
+</ds:datastoreItem>
+</file>
+
+<file path=customXml/itemProps40.xml><?xml version="1.0" encoding="utf-8"?>
+<ds:datastoreItem xmlns:ds="http://schemas.openxmlformats.org/officeDocument/2006/customXml" ds:itemID="{E8DB5CDF-21ED-4D61-A992-0396D3107474}">
+  <ds:schemaRefs>
+    <ds:schemaRef ds:uri="http://schemas.microsoft.com/VisualStudio/2011/storyboarding/control"/>
+  </ds:schemaRefs>
+</ds:datastoreItem>
+</file>
+
+<file path=customXml/itemProps41.xml><?xml version="1.0" encoding="utf-8"?>
+<ds:datastoreItem xmlns:ds="http://schemas.openxmlformats.org/officeDocument/2006/customXml" ds:itemID="{22BBB2FA-F8D8-485D-82A6-F1C443370B32}">
+  <ds:schemaRefs>
+    <ds:schemaRef ds:uri="http://schemas.microsoft.com/VisualStudio/2011/storyboarding/control"/>
+  </ds:schemaRefs>
+</ds:datastoreItem>
+</file>
+
+<file path=customXml/itemProps42.xml><?xml version="1.0" encoding="utf-8"?>
+<ds:datastoreItem xmlns:ds="http://schemas.openxmlformats.org/officeDocument/2006/customXml" ds:itemID="{0A0B0AB4-528F-45D0-9477-351EBE4AC7B5}">
+  <ds:schemaRefs>
+    <ds:schemaRef ds:uri="http://schemas.microsoft.com/VisualStudio/2011/storyboarding/control"/>
+  </ds:schemaRefs>
+</ds:datastoreItem>
+</file>
+
+<file path=customXml/itemProps43.xml><?xml version="1.0" encoding="utf-8"?>
+<ds:datastoreItem xmlns:ds="http://schemas.openxmlformats.org/officeDocument/2006/customXml" ds:itemID="{5792F4C1-F673-48AF-9180-27DAB8429A56}">
+  <ds:schemaRefs>
+    <ds:schemaRef ds:uri="http://schemas.microsoft.com/VisualStudio/2011/storyboarding/control"/>
+  </ds:schemaRefs>
+</ds:datastoreItem>
+</file>
+
+<file path=customXml/itemProps44.xml><?xml version="1.0" encoding="utf-8"?>
+<ds:datastoreItem xmlns:ds="http://schemas.openxmlformats.org/officeDocument/2006/customXml" ds:itemID="{41DBEBA3-14A1-4E49-8002-F47304C3BF31}">
+  <ds:schemaRefs>
+    <ds:schemaRef ds:uri="http://schemas.microsoft.com/VisualStudio/2011/storyboarding/control"/>
+  </ds:schemaRefs>
+</ds:datastoreItem>
+</file>
+
+<file path=customXml/itemProps45.xml><?xml version="1.0" encoding="utf-8"?>
+<ds:datastoreItem xmlns:ds="http://schemas.openxmlformats.org/officeDocument/2006/customXml" ds:itemID="{366DA436-CE30-453F-9CC1-28AD3B50F144}">
   <ds:schemaRefs>
     <ds:schemaRef ds:uri="http://schemas.microsoft.com/VisualStudio/2011/storyboarding/control/v1.0"/>
   </ds:schemaRefs>
 </ds:datastoreItem>
 </file>
 
-<file path=customXml/itemProps40.xml><?xml version="1.0" encoding="utf-8"?>
+<file path=customXml/itemProps5.xml><?xml version="1.0" encoding="utf-8"?>
+<ds:datastoreItem xmlns:ds="http://schemas.openxmlformats.org/officeDocument/2006/customXml" ds:itemID="{626AF6F4-D651-4697-8F4E-2A177121AC0B}">
+  <ds:schemaRefs>
+    <ds:schemaRef ds:uri="http://schemas.microsoft.com/VisualStudio/2011/storyboarding/control"/>
+  </ds:schemaRefs>
+</ds:datastoreItem>
+</file>
+
+<file path=customXml/itemProps6.xml><?xml version="1.0" encoding="utf-8"?>
+<ds:datastoreItem xmlns:ds="http://schemas.openxmlformats.org/officeDocument/2006/customXml" ds:itemID="{A4C88D0F-33F8-4BFF-A62E-630D09631C51}">
+  <ds:schemaRefs>
+    <ds:schemaRef ds:uri="http://schemas.microsoft.com/sharepoint/v3/contenttype/forms"/>
+  </ds:schemaRefs>
+</ds:datastoreItem>
+</file>
+
+<file path=customXml/itemProps7.xml><?xml version="1.0" encoding="utf-8"?>
 <ds:datastoreItem xmlns:ds="http://schemas.openxmlformats.org/officeDocument/2006/customXml" ds:itemID="{1C0C511F-E67D-4D4A-9A7B-6E9F2916E4D8}">
   <ds:schemaRefs>
     <ds:schemaRef ds:uri="http://schemas.microsoft.com/VisualStudio/2011/storyboarding/control"/>
@@ -15219,39 +15283,7 @@
 </ds:datastoreItem>
 </file>
 
-<file path=customXml/itemProps41.xml><?xml version="1.0" encoding="utf-8"?>
-<ds:datastoreItem xmlns:ds="http://schemas.openxmlformats.org/officeDocument/2006/customXml" ds:itemID="{2A351D3C-E1D0-4BEF-A94F-4308047B2C74}">
-  <ds:schemaRefs>
-    <ds:schemaRef ds:uri="http://schemas.microsoft.com/VisualStudio/2011/storyboarding/control"/>
-  </ds:schemaRefs>
-</ds:datastoreItem>
-</file>
-
-<file path=customXml/itemProps42.xml><?xml version="1.0" encoding="utf-8"?>
-<ds:datastoreItem xmlns:ds="http://schemas.openxmlformats.org/officeDocument/2006/customXml" ds:itemID="{5792F4C1-F673-48AF-9180-27DAB8429A56}">
-  <ds:schemaRefs>
-    <ds:schemaRef ds:uri="http://schemas.microsoft.com/VisualStudio/2011/storyboarding/control"/>
-  </ds:schemaRefs>
-</ds:datastoreItem>
-</file>
-
-<file path=customXml/itemProps43.xml><?xml version="1.0" encoding="utf-8"?>
-<ds:datastoreItem xmlns:ds="http://schemas.openxmlformats.org/officeDocument/2006/customXml" ds:itemID="{EF7ABAC1-700C-45E5-BC18-4E0BD9D11B10}">
-  <ds:schemaRefs>
-    <ds:schemaRef ds:uri="http://schemas.microsoft.com/VisualStudio/2011/storyboarding/control"/>
-  </ds:schemaRefs>
-</ds:datastoreItem>
-</file>
-
-<file path=customXml/itemProps44.xml><?xml version="1.0" encoding="utf-8"?>
-<ds:datastoreItem xmlns:ds="http://schemas.openxmlformats.org/officeDocument/2006/customXml" ds:itemID="{65F8EF8D-4BAC-4081-A49F-1FB3D0F236FC}">
-  <ds:schemaRefs>
-    <ds:schemaRef ds:uri="http://schemas.microsoft.com/VisualStudio/2011/storyboarding/control"/>
-  </ds:schemaRefs>
-</ds:datastoreItem>
-</file>
-
-<file path=customXml/itemProps45.xml><?xml version="1.0" encoding="utf-8"?>
+<file path=customXml/itemProps8.xml><?xml version="1.0" encoding="utf-8"?>
 <ds:datastoreItem xmlns:ds="http://schemas.openxmlformats.org/officeDocument/2006/customXml" ds:itemID="{4C59C856-0773-4CC4-9D11-59CDAB2C93D8}">
   <ds:schemaRefs>
     <ds:schemaRef ds:uri="http://schemas.microsoft.com/VisualStudio/2011/storyboarding/control"/>
@@ -15259,42 +15291,10 @@
 </ds:datastoreItem>
 </file>
 
-<file path=customXml/itemProps5.xml><?xml version="1.0" encoding="utf-8"?>
+<file path=customXml/itemProps9.xml><?xml version="1.0" encoding="utf-8"?>
 <ds:datastoreItem xmlns:ds="http://schemas.openxmlformats.org/officeDocument/2006/customXml" ds:itemID="{51555E5B-9572-4B7C-AB35-3DC0CE4FB3EA}">
   <ds:schemaRefs>
     <ds:schemaRef ds:uri="http://schemas.microsoft.com/VisualStudio/2011/storyboarding/control"/>
   </ds:schemaRefs>
 </ds:datastoreItem>
-</file>
-
-<file path=customXml/itemProps6.xml><?xml version="1.0" encoding="utf-8"?>
-<ds:datastoreItem xmlns:ds="http://schemas.openxmlformats.org/officeDocument/2006/customXml" ds:itemID="{6CA1E503-3BE5-48F9-8903-1F5A0E5B53FA}">
-  <ds:schemaRefs>
-    <ds:schemaRef ds:uri="http://schemas.microsoft.com/VisualStudio/2011/storyboarding/control/v1.0"/>
-  </ds:schemaRefs>
-</ds:datastoreItem>
-</file>
-
-<file path=customXml/itemProps7.xml><?xml version="1.0" encoding="utf-8"?>
-<ds:datastoreItem xmlns:ds="http://schemas.openxmlformats.org/officeDocument/2006/customXml" ds:itemID="{41DBEBA3-14A1-4E49-8002-F47304C3BF31}">
-  <ds:schemaRefs>
-    <ds:schemaRef ds:uri="http://schemas.microsoft.com/VisualStudio/2011/storyboarding/control"/>
-  </ds:schemaRefs>
-</ds:datastoreItem>
-</file>
-
-<file path=customXml/itemProps8.xml><?xml version="1.0" encoding="utf-8"?>
-<ds:datastoreItem xmlns:ds="http://schemas.openxmlformats.org/officeDocument/2006/customXml" ds:itemID="{A27AAB3D-F37E-4B34-B90F-D9F3A1FF566D}">
-  <ds:schemaRefs>
-    <ds:schemaRef ds:uri="http://schemas.microsoft.com/VisualStudio/2011/storyboarding/control"/>
-  </ds:schemaRefs>
-</ds:datastoreItem>
-</file>
-
-<file path=customXml/itemProps9.xml><?xml version="1.0" encoding="utf-8"?>
-<ds:datastoreItem xmlns:ds="http://schemas.openxmlformats.org/officeDocument/2006/customXml" ds:itemID="{1AE11140-FDC2-4D5B-A243-B14FB96F23E0}">
-  <ds:schemaRefs>
-    <ds:schemaRef ds:uri="http://schemas.microsoft.com/VisualStudio/2011/storyboarding/control"/>
-  </ds:schemaRefs>
-</ds:datastoreItem>
 </file>
--- a/Documentação/MOCKUP - BESTSTREAMING.pptx
+++ b/Documentação/MOCKUP - BESTSTREAMING.pptx
@@ -5,7 +5,7 @@
     <p:sldMasterId id="2147483648" r:id="rId46"/>
   </p:sldMasterIdLst>
   <p:notesMasterIdLst>
-    <p:notesMasterId r:id="rId59"/>
+    <p:notesMasterId r:id="rId60"/>
   </p:notesMasterIdLst>
   <p:sldIdLst>
     <p:sldId id="257" r:id="rId47"/>
@@ -16,10 +16,11 @@
     <p:sldId id="264" r:id="rId52"/>
     <p:sldId id="265" r:id="rId53"/>
     <p:sldId id="272" r:id="rId54"/>
-    <p:sldId id="266" r:id="rId55"/>
-    <p:sldId id="267" r:id="rId56"/>
-    <p:sldId id="268" r:id="rId57"/>
-    <p:sldId id="271" r:id="rId58"/>
+    <p:sldId id="273" r:id="rId55"/>
+    <p:sldId id="266" r:id="rId56"/>
+    <p:sldId id="267" r:id="rId57"/>
+    <p:sldId id="268" r:id="rId58"/>
+    <p:sldId id="271" r:id="rId59"/>
   </p:sldIdLst>
   <p:sldSz cx="12192000" cy="6858000"/>
   <p:notesSz cx="6858000" cy="9144000"/>
@@ -241,7 +242,7 @@
 </file>
 
 <file path=ppt/charts/chart1.xml><?xml version="1.0" encoding="utf-8"?>
-<c:chartSpace xmlns:c="http://schemas.openxmlformats.org/drawingml/2006/chart" xmlns:a="http://schemas.openxmlformats.org/drawingml/2006/main" xmlns:r="http://schemas.openxmlformats.org/officeDocument/2006/relationships" xmlns:c16r2="http://schemas.microsoft.com/office/drawing/2015/06/chart">
+<c:chartSpace xmlns:c="http://schemas.openxmlformats.org/drawingml/2006/chart" xmlns:a="http://schemas.openxmlformats.org/drawingml/2006/main" xmlns:r="http://schemas.openxmlformats.org/officeDocument/2006/relationships">
   <c:date1904 val="0"/>
   <c:lang val="pt-BR"/>
   <c:roundedCorners val="0"/>
@@ -338,7 +339,7 @@
               </c:numCache>
             </c:numRef>
           </c:val>
-          <c:extLst>
+          <c:extLst xmlns:c16r2="http://schemas.microsoft.com/office/drawing/2015/06/chart">
             <c:ext xmlns:c16="http://schemas.microsoft.com/office/drawing/2014/chart" uri="{C3380CC4-5D6E-409C-BE32-E72D297353CC}">
               <c16:uniqueId val="{00000000-4836-42CF-88B6-1BB539061AF8}"/>
             </c:ext>
@@ -409,7 +410,7 @@
               </c:numCache>
             </c:numRef>
           </c:val>
-          <c:extLst>
+          <c:extLst xmlns:c16r2="http://schemas.microsoft.com/office/drawing/2015/06/chart">
             <c:ext xmlns:c16="http://schemas.microsoft.com/office/drawing/2014/chart" uri="{C3380CC4-5D6E-409C-BE32-E72D297353CC}">
               <c16:uniqueId val="{00000001-4836-42CF-88B6-1BB539061AF8}"/>
             </c:ext>
@@ -482,7 +483,7 @@
               </c:numCache>
             </c:numRef>
           </c:val>
-          <c:extLst>
+          <c:extLst xmlns:c16r2="http://schemas.microsoft.com/office/drawing/2015/06/chart">
             <c:ext xmlns:c16="http://schemas.microsoft.com/office/drawing/2014/chart" uri="{C3380CC4-5D6E-409C-BE32-E72D297353CC}">
               <c16:uniqueId val="{00000002-4836-42CF-88B6-1BB539061AF8}"/>
             </c:ext>
@@ -498,11 +499,11 @@
         </c:dLbls>
         <c:gapWidth val="219"/>
         <c:overlap val="-27"/>
-        <c:axId val="820394344"/>
-        <c:axId val="820394672"/>
+        <c:axId val="327207048"/>
+        <c:axId val="327207440"/>
       </c:barChart>
       <c:catAx>
-        <c:axId val="820394344"/>
+        <c:axId val="327207048"/>
         <c:scaling>
           <c:orientation val="minMax"/>
         </c:scaling>
@@ -512,7 +513,7 @@
         <c:majorTickMark val="none"/>
         <c:minorTickMark val="none"/>
         <c:tickLblPos val="nextTo"/>
-        <c:crossAx val="820394672"/>
+        <c:crossAx val="327207440"/>
         <c:crosses val="autoZero"/>
         <c:auto val="1"/>
         <c:lblAlgn val="ctr"/>
@@ -520,7 +521,7 @@
         <c:noMultiLvlLbl val="0"/>
       </c:catAx>
       <c:valAx>
-        <c:axId val="820394672"/>
+        <c:axId val="327207440"/>
         <c:scaling>
           <c:orientation val="minMax"/>
         </c:scaling>
@@ -571,7 +572,7 @@
             <a:endParaRPr lang="pt-BR"/>
           </a:p>
         </c:txPr>
-        <c:crossAx val="820394344"/>
+        <c:crossAx val="327207048"/>
         <c:crosses val="autoZero"/>
         <c:crossBetween val="between"/>
       </c:valAx>
@@ -585,14 +586,14 @@
     </c:plotArea>
     <c:plotVisOnly val="1"/>
     <c:dispBlanksAs val="gap"/>
-    <c:extLst>
+    <c:showDLblsOverMax val="0"/>
+    <c:extLst xmlns:c16r2="http://schemas.microsoft.com/office/drawing/2015/06/chart">
       <c:ext xmlns:c16r3="http://schemas.microsoft.com/office/drawing/2017/03/chart" uri="{56B9EC1D-385E-4148-901F-78D8002777C0}">
         <c16r3:dataDisplayOptions16>
           <c16r3:dispNaAsBlank val="1"/>
         </c16r3:dataDisplayOptions16>
       </c:ext>
     </c:extLst>
-    <c:showDLblsOverMax val="0"/>
   </c:chart>
   <c:spPr>
     <a:noFill/>
@@ -618,7 +619,7 @@
 </file>
 
 <file path=ppt/charts/chart2.xml><?xml version="1.0" encoding="utf-8"?>
-<c:chartSpace xmlns:c="http://schemas.openxmlformats.org/drawingml/2006/chart" xmlns:a="http://schemas.openxmlformats.org/drawingml/2006/main" xmlns:r="http://schemas.openxmlformats.org/officeDocument/2006/relationships" xmlns:c16r2="http://schemas.microsoft.com/office/drawing/2015/06/chart">
+<c:chartSpace xmlns:c="http://schemas.openxmlformats.org/drawingml/2006/chart" xmlns:a="http://schemas.openxmlformats.org/drawingml/2006/main" xmlns:r="http://schemas.openxmlformats.org/officeDocument/2006/relationships">
   <c:date1904 val="0"/>
   <c:lang val="pt-BR"/>
   <c:roundedCorners val="0"/>
@@ -710,7 +711,7 @@
               </c:numCache>
             </c:numRef>
           </c:val>
-          <c:extLst>
+          <c:extLst xmlns:c16r2="http://schemas.microsoft.com/office/drawing/2015/06/chart">
             <c:ext xmlns:c16="http://schemas.microsoft.com/office/drawing/2014/chart" uri="{C3380CC4-5D6E-409C-BE32-E72D297353CC}">
               <c16:uniqueId val="{00000000-1938-426D-A419-ABC93BE2FE8B}"/>
             </c:ext>
@@ -789,7 +790,7 @@
               </c:numCache>
             </c:numRef>
           </c:val>
-          <c:extLst>
+          <c:extLst xmlns:c16r2="http://schemas.microsoft.com/office/drawing/2015/06/chart">
             <c:ext xmlns:c16="http://schemas.microsoft.com/office/drawing/2014/chart" uri="{C3380CC4-5D6E-409C-BE32-E72D297353CC}">
               <c16:uniqueId val="{00000001-1938-426D-A419-ABC93BE2FE8B}"/>
             </c:ext>
@@ -803,11 +804,11 @@
           <c:showPercent val="0"/>
           <c:showBubbleSize val="0"/>
         </c:dLbls>
-        <c:axId val="820340904"/>
-        <c:axId val="820337624"/>
+        <c:axId val="327208224"/>
+        <c:axId val="326162416"/>
       </c:areaChart>
       <c:dateAx>
-        <c:axId val="820340904"/>
+        <c:axId val="327208224"/>
         <c:scaling>
           <c:orientation val="minMax"/>
         </c:scaling>
@@ -817,14 +818,14 @@
         <c:majorTickMark val="out"/>
         <c:minorTickMark val="none"/>
         <c:tickLblPos val="nextTo"/>
-        <c:crossAx val="820337624"/>
+        <c:crossAx val="326162416"/>
         <c:crosses val="autoZero"/>
         <c:auto val="1"/>
         <c:lblOffset val="100"/>
         <c:baseTimeUnit val="days"/>
       </c:dateAx>
       <c:valAx>
-        <c:axId val="820337624"/>
+        <c:axId val="326162416"/>
         <c:scaling>
           <c:orientation val="minMax"/>
         </c:scaling>
@@ -875,7 +876,7 @@
             <a:endParaRPr lang="pt-BR"/>
           </a:p>
         </c:txPr>
-        <c:crossAx val="820340904"/>
+        <c:crossAx val="327208224"/>
         <c:crosses val="autoZero"/>
         <c:crossBetween val="midCat"/>
       </c:valAx>
@@ -889,14 +890,14 @@
     </c:plotArea>
     <c:plotVisOnly val="1"/>
     <c:dispBlanksAs val="zero"/>
-    <c:extLst>
+    <c:showDLblsOverMax val="0"/>
+    <c:extLst xmlns:c16r2="http://schemas.microsoft.com/office/drawing/2015/06/chart">
       <c:ext xmlns:c16r3="http://schemas.microsoft.com/office/drawing/2017/03/chart" uri="{56B9EC1D-385E-4148-901F-78D8002777C0}">
         <c16r3:dataDisplayOptions16>
           <c16r3:dispNaAsBlank val="1"/>
         </c16r3:dataDisplayOptions16>
       </c:ext>
     </c:extLst>
-    <c:showDLblsOverMax val="0"/>
   </c:chart>
   <c:spPr>
     <a:noFill/>
@@ -922,7 +923,7 @@
 </file>
 
 <file path=ppt/charts/chart3.xml><?xml version="1.0" encoding="utf-8"?>
-<c:chartSpace xmlns:c="http://schemas.openxmlformats.org/drawingml/2006/chart" xmlns:a="http://schemas.openxmlformats.org/drawingml/2006/main" xmlns:r="http://schemas.openxmlformats.org/officeDocument/2006/relationships" xmlns:c16r2="http://schemas.microsoft.com/office/drawing/2015/06/chart">
+<c:chartSpace xmlns:c="http://schemas.openxmlformats.org/drawingml/2006/chart" xmlns:a="http://schemas.openxmlformats.org/drawingml/2006/main" xmlns:r="http://schemas.openxmlformats.org/officeDocument/2006/relationships">
   <c:date1904 val="0"/>
   <c:lang val="pt-BR"/>
   <c:roundedCorners val="0"/>
@@ -1019,7 +1020,7 @@
               </c:numCache>
             </c:numRef>
           </c:val>
-          <c:extLst>
+          <c:extLst xmlns:c16r2="http://schemas.microsoft.com/office/drawing/2015/06/chart">
             <c:ext xmlns:c16="http://schemas.microsoft.com/office/drawing/2014/chart" uri="{C3380CC4-5D6E-409C-BE32-E72D297353CC}">
               <c16:uniqueId val="{00000000-4836-42CF-88B6-1BB539061AF8}"/>
             </c:ext>
@@ -1090,7 +1091,7 @@
               </c:numCache>
             </c:numRef>
           </c:val>
-          <c:extLst>
+          <c:extLst xmlns:c16r2="http://schemas.microsoft.com/office/drawing/2015/06/chart">
             <c:ext xmlns:c16="http://schemas.microsoft.com/office/drawing/2014/chart" uri="{C3380CC4-5D6E-409C-BE32-E72D297353CC}">
               <c16:uniqueId val="{00000001-4836-42CF-88B6-1BB539061AF8}"/>
             </c:ext>
@@ -1163,7 +1164,7 @@
               </c:numCache>
             </c:numRef>
           </c:val>
-          <c:extLst>
+          <c:extLst xmlns:c16r2="http://schemas.microsoft.com/office/drawing/2015/06/chart">
             <c:ext xmlns:c16="http://schemas.microsoft.com/office/drawing/2014/chart" uri="{C3380CC4-5D6E-409C-BE32-E72D297353CC}">
               <c16:uniqueId val="{00000002-4836-42CF-88B6-1BB539061AF8}"/>
             </c:ext>
@@ -1179,11 +1180,11 @@
         </c:dLbls>
         <c:gapWidth val="219"/>
         <c:overlap val="-27"/>
-        <c:axId val="820394344"/>
-        <c:axId val="820394672"/>
+        <c:axId val="326163200"/>
+        <c:axId val="326163592"/>
       </c:barChart>
       <c:catAx>
-        <c:axId val="820394344"/>
+        <c:axId val="326163200"/>
         <c:scaling>
           <c:orientation val="minMax"/>
         </c:scaling>
@@ -1193,7 +1194,7 @@
         <c:majorTickMark val="none"/>
         <c:minorTickMark val="none"/>
         <c:tickLblPos val="nextTo"/>
-        <c:crossAx val="820394672"/>
+        <c:crossAx val="326163592"/>
         <c:crosses val="autoZero"/>
         <c:auto val="1"/>
         <c:lblAlgn val="ctr"/>
@@ -1201,7 +1202,7 @@
         <c:noMultiLvlLbl val="0"/>
       </c:catAx>
       <c:valAx>
-        <c:axId val="820394672"/>
+        <c:axId val="326163592"/>
         <c:scaling>
           <c:orientation val="minMax"/>
         </c:scaling>
@@ -1252,7 +1253,7 @@
             <a:endParaRPr lang="pt-BR"/>
           </a:p>
         </c:txPr>
-        <c:crossAx val="820394344"/>
+        <c:crossAx val="326163200"/>
         <c:crosses val="autoZero"/>
         <c:crossBetween val="between"/>
       </c:valAx>
@@ -1266,14 +1267,14 @@
     </c:plotArea>
     <c:plotVisOnly val="1"/>
     <c:dispBlanksAs val="gap"/>
-    <c:extLst>
+    <c:showDLblsOverMax val="0"/>
+    <c:extLst xmlns:c16r2="http://schemas.microsoft.com/office/drawing/2015/06/chart">
       <c:ext xmlns:c16r3="http://schemas.microsoft.com/office/drawing/2017/03/chart" uri="{56B9EC1D-385E-4148-901F-78D8002777C0}">
         <c16r3:dataDisplayOptions16>
           <c16r3:dispNaAsBlank val="1"/>
         </c16r3:dataDisplayOptions16>
       </c:ext>
     </c:extLst>
-    <c:showDLblsOverMax val="0"/>
   </c:chart>
   <c:spPr>
     <a:noFill/>
@@ -1299,7 +1300,7 @@
 </file>
 
 <file path=ppt/charts/chart4.xml><?xml version="1.0" encoding="utf-8"?>
-<c:chartSpace xmlns:c="http://schemas.openxmlformats.org/drawingml/2006/chart" xmlns:a="http://schemas.openxmlformats.org/drawingml/2006/main" xmlns:r="http://schemas.openxmlformats.org/officeDocument/2006/relationships" xmlns:c16r2="http://schemas.microsoft.com/office/drawing/2015/06/chart">
+<c:chartSpace xmlns:c="http://schemas.openxmlformats.org/drawingml/2006/chart" xmlns:a="http://schemas.openxmlformats.org/drawingml/2006/main" xmlns:r="http://schemas.openxmlformats.org/officeDocument/2006/relationships">
   <c:date1904 val="0"/>
   <c:lang val="pt-BR"/>
   <c:roundedCorners val="0"/>
@@ -1391,7 +1392,7 @@
               </c:numCache>
             </c:numRef>
           </c:val>
-          <c:extLst>
+          <c:extLst xmlns:c16r2="http://schemas.microsoft.com/office/drawing/2015/06/chart">
             <c:ext xmlns:c16="http://schemas.microsoft.com/office/drawing/2014/chart" uri="{C3380CC4-5D6E-409C-BE32-E72D297353CC}">
               <c16:uniqueId val="{00000000-1938-426D-A419-ABC93BE2FE8B}"/>
             </c:ext>
@@ -1470,7 +1471,7 @@
               </c:numCache>
             </c:numRef>
           </c:val>
-          <c:extLst>
+          <c:extLst xmlns:c16r2="http://schemas.microsoft.com/office/drawing/2015/06/chart">
             <c:ext xmlns:c16="http://schemas.microsoft.com/office/drawing/2014/chart" uri="{C3380CC4-5D6E-409C-BE32-E72D297353CC}">
               <c16:uniqueId val="{00000001-1938-426D-A419-ABC93BE2FE8B}"/>
             </c:ext>
@@ -1484,11 +1485,11 @@
           <c:showPercent val="0"/>
           <c:showBubbleSize val="0"/>
         </c:dLbls>
-        <c:axId val="820340904"/>
-        <c:axId val="820337624"/>
+        <c:axId val="326164376"/>
+        <c:axId val="326164768"/>
       </c:areaChart>
       <c:dateAx>
-        <c:axId val="820340904"/>
+        <c:axId val="326164376"/>
         <c:scaling>
           <c:orientation val="minMax"/>
         </c:scaling>
@@ -1498,14 +1499,14 @@
         <c:majorTickMark val="out"/>
         <c:minorTickMark val="none"/>
         <c:tickLblPos val="nextTo"/>
-        <c:crossAx val="820337624"/>
+        <c:crossAx val="326164768"/>
         <c:crosses val="autoZero"/>
         <c:auto val="1"/>
         <c:lblOffset val="100"/>
         <c:baseTimeUnit val="days"/>
       </c:dateAx>
       <c:valAx>
-        <c:axId val="820337624"/>
+        <c:axId val="326164768"/>
         <c:scaling>
           <c:orientation val="minMax"/>
         </c:scaling>
@@ -1556,7 +1557,7 @@
             <a:endParaRPr lang="pt-BR"/>
           </a:p>
         </c:txPr>
-        <c:crossAx val="820340904"/>
+        <c:crossAx val="326164376"/>
         <c:crosses val="autoZero"/>
         <c:crossBetween val="midCat"/>
       </c:valAx>
@@ -1570,14 +1571,14 @@
     </c:plotArea>
     <c:plotVisOnly val="1"/>
     <c:dispBlanksAs val="zero"/>
-    <c:extLst>
+    <c:showDLblsOverMax val="0"/>
+    <c:extLst xmlns:c16r2="http://schemas.microsoft.com/office/drawing/2015/06/chart">
       <c:ext xmlns:c16r3="http://schemas.microsoft.com/office/drawing/2017/03/chart" uri="{56B9EC1D-385E-4148-901F-78D8002777C0}">
         <c16r3:dataDisplayOptions16>
           <c16r3:dispNaAsBlank val="1"/>
         </c16r3:dataDisplayOptions16>
       </c:ext>
     </c:extLst>
-    <c:showDLblsOverMax val="0"/>
   </c:chart>
   <c:spPr>
     <a:noFill/>
@@ -3756,7 +3757,7 @@
           <a:p>
             <a:fld id="{B1124A03-34C5-4CDE-8F9A-618265BC3B27}" type="datetimeFigureOut">
               <a:rPr lang="pt-BR" smtClean="0"/>
-              <a:t>23/10/2019</a:t>
+              <a:t>06/11/2019</a:t>
             </a:fld>
             <a:endParaRPr lang="pt-BR"/>
           </a:p>
@@ -4299,7 +4300,7 @@
           <a:p>
             <a:fld id="{B5604CF9-0A92-47FD-8264-622093F4E1D3}" type="datetimeFigureOut">
               <a:rPr lang="pt-BR" smtClean="0"/>
-              <a:t>23/10/2019</a:t>
+              <a:t>06/11/2019</a:t>
             </a:fld>
             <a:endParaRPr lang="pt-BR"/>
           </a:p>
@@ -4467,7 +4468,7 @@
           <a:p>
             <a:fld id="{B5604CF9-0A92-47FD-8264-622093F4E1D3}" type="datetimeFigureOut">
               <a:rPr lang="pt-BR" smtClean="0"/>
-              <a:t>23/10/2019</a:t>
+              <a:t>06/11/2019</a:t>
             </a:fld>
             <a:endParaRPr lang="pt-BR"/>
           </a:p>
@@ -4645,7 +4646,7 @@
           <a:p>
             <a:fld id="{B5604CF9-0A92-47FD-8264-622093F4E1D3}" type="datetimeFigureOut">
               <a:rPr lang="pt-BR" smtClean="0"/>
-              <a:t>23/10/2019</a:t>
+              <a:t>06/11/2019</a:t>
             </a:fld>
             <a:endParaRPr lang="pt-BR"/>
           </a:p>
@@ -4813,7 +4814,7 @@
           <a:p>
             <a:fld id="{B5604CF9-0A92-47FD-8264-622093F4E1D3}" type="datetimeFigureOut">
               <a:rPr lang="pt-BR" smtClean="0"/>
-              <a:t>23/10/2019</a:t>
+              <a:t>06/11/2019</a:t>
             </a:fld>
             <a:endParaRPr lang="pt-BR"/>
           </a:p>
@@ -5058,7 +5059,7 @@
           <a:p>
             <a:fld id="{B5604CF9-0A92-47FD-8264-622093F4E1D3}" type="datetimeFigureOut">
               <a:rPr lang="pt-BR" smtClean="0"/>
-              <a:t>23/10/2019</a:t>
+              <a:t>06/11/2019</a:t>
             </a:fld>
             <a:endParaRPr lang="pt-BR"/>
           </a:p>
@@ -5287,7 +5288,7 @@
           <a:p>
             <a:fld id="{B5604CF9-0A92-47FD-8264-622093F4E1D3}" type="datetimeFigureOut">
               <a:rPr lang="pt-BR" smtClean="0"/>
-              <a:t>23/10/2019</a:t>
+              <a:t>06/11/2019</a:t>
             </a:fld>
             <a:endParaRPr lang="pt-BR"/>
           </a:p>
@@ -5651,7 +5652,7 @@
           <a:p>
             <a:fld id="{B5604CF9-0A92-47FD-8264-622093F4E1D3}" type="datetimeFigureOut">
               <a:rPr lang="pt-BR" smtClean="0"/>
-              <a:t>23/10/2019</a:t>
+              <a:t>06/11/2019</a:t>
             </a:fld>
             <a:endParaRPr lang="pt-BR"/>
           </a:p>
@@ -5768,7 +5769,7 @@
           <a:p>
             <a:fld id="{B5604CF9-0A92-47FD-8264-622093F4E1D3}" type="datetimeFigureOut">
               <a:rPr lang="pt-BR" smtClean="0"/>
-              <a:t>23/10/2019</a:t>
+              <a:t>06/11/2019</a:t>
             </a:fld>
             <a:endParaRPr lang="pt-BR"/>
           </a:p>
@@ -5863,7 +5864,7 @@
           <a:p>
             <a:fld id="{B5604CF9-0A92-47FD-8264-622093F4E1D3}" type="datetimeFigureOut">
               <a:rPr lang="pt-BR" smtClean="0"/>
-              <a:t>23/10/2019</a:t>
+              <a:t>06/11/2019</a:t>
             </a:fld>
             <a:endParaRPr lang="pt-BR"/>
           </a:p>
@@ -6138,7 +6139,7 @@
           <a:p>
             <a:fld id="{B5604CF9-0A92-47FD-8264-622093F4E1D3}" type="datetimeFigureOut">
               <a:rPr lang="pt-BR" smtClean="0"/>
-              <a:t>23/10/2019</a:t>
+              <a:t>06/11/2019</a:t>
             </a:fld>
             <a:endParaRPr lang="pt-BR"/>
           </a:p>
@@ -6390,7 +6391,7 @@
           <a:p>
             <a:fld id="{B5604CF9-0A92-47FD-8264-622093F4E1D3}" type="datetimeFigureOut">
               <a:rPr lang="pt-BR" smtClean="0"/>
-              <a:t>23/10/2019</a:t>
+              <a:t>06/11/2019</a:t>
             </a:fld>
             <a:endParaRPr lang="pt-BR"/>
           </a:p>
@@ -6601,7 +6602,7 @@
           <a:p>
             <a:fld id="{B5604CF9-0A92-47FD-8264-622093F4E1D3}" type="datetimeFigureOut">
               <a:rPr lang="pt-BR" smtClean="0"/>
-              <a:t>23/10/2019</a:t>
+              <a:t>06/11/2019</a:t>
             </a:fld>
             <a:endParaRPr lang="pt-BR"/>
           </a:p>
@@ -7011,7 +7012,7 @@
           <p:cNvPr id="13" name="Freeform: Shape 9">
             <a:extLst>
               <a:ext uri="{FF2B5EF4-FFF2-40B4-BE49-F238E27FC236}">
-                <a16:creationId xmlns:a16="http://schemas.microsoft.com/office/drawing/2014/main" id="{C4E78D5E-F8F9-4189-AF8F-26C8017E14AB}"/>
+                <a16:creationId xmlns:a16="http://schemas.microsoft.com/office/drawing/2014/main" xmlns="" id="{C4E78D5E-F8F9-4189-AF8F-26C8017E14AB}"/>
               </a:ext>
             </a:extLst>
           </p:cNvPr>
@@ -7142,7 +7143,7 @@
           <p:cNvPr id="8" name="Rectangle 7">
             <a:extLst>
               <a:ext uri="{FF2B5EF4-FFF2-40B4-BE49-F238E27FC236}">
-                <a16:creationId xmlns:a16="http://schemas.microsoft.com/office/drawing/2014/main" id="{6DEF12BA-19DC-4489-B1C2-1D52190CF075}"/>
+                <a16:creationId xmlns:a16="http://schemas.microsoft.com/office/drawing/2014/main" xmlns="" id="{6DEF12BA-19DC-4489-B1C2-1D52190CF075}"/>
               </a:ext>
             </a:extLst>
           </p:cNvPr>
@@ -7194,7 +7195,7 @@
           <p:cNvPr id="10" name="Freeform: Shape 9">
             <a:extLst>
               <a:ext uri="{FF2B5EF4-FFF2-40B4-BE49-F238E27FC236}">
-                <a16:creationId xmlns:a16="http://schemas.microsoft.com/office/drawing/2014/main" id="{0A5F9CF6-3736-4527-8A39-1D992826271B}"/>
+                <a16:creationId xmlns:a16="http://schemas.microsoft.com/office/drawing/2014/main" xmlns="" id="{0A5F9CF6-3736-4527-8A39-1D992826271B}"/>
               </a:ext>
             </a:extLst>
           </p:cNvPr>
@@ -7320,7 +7321,7 @@
           <p:cNvPr id="9" name="Straight Connector 8">
             <a:extLst>
               <a:ext uri="{FF2B5EF4-FFF2-40B4-BE49-F238E27FC236}">
-                <a16:creationId xmlns:a16="http://schemas.microsoft.com/office/drawing/2014/main" id="{DF066533-FFF0-4BD3-8A0A-BB091AF37621}"/>
+                <a16:creationId xmlns:a16="http://schemas.microsoft.com/office/drawing/2014/main" xmlns="" id="{DF066533-FFF0-4BD3-8A0A-BB091AF37621}"/>
               </a:ext>
             </a:extLst>
           </p:cNvPr>
@@ -7365,7 +7366,7 @@
           <p:cNvPr id="6" name="Picture 5">
             <a:extLst>
               <a:ext uri="{FF2B5EF4-FFF2-40B4-BE49-F238E27FC236}">
-                <a16:creationId xmlns:a16="http://schemas.microsoft.com/office/drawing/2014/main" id="{4B8CF10D-499A-4AB9-A5FF-E3811554675A}"/>
+                <a16:creationId xmlns:a16="http://schemas.microsoft.com/office/drawing/2014/main" xmlns="" id="{4B8CF10D-499A-4AB9-A5FF-E3811554675A}"/>
               </a:ext>
             </a:extLst>
           </p:cNvPr>
@@ -7461,7 +7462,7 @@
           <p:cNvPr id="7" name="Freeform: Shape 6">
             <a:extLst>
               <a:ext uri="{FF2B5EF4-FFF2-40B4-BE49-F238E27FC236}">
-                <a16:creationId xmlns:a16="http://schemas.microsoft.com/office/drawing/2014/main" id="{9AC209C1-ECA6-41CB-B527-BC08CFF444CD}"/>
+                <a16:creationId xmlns:a16="http://schemas.microsoft.com/office/drawing/2014/main" xmlns="" id="{9AC209C1-ECA6-41CB-B527-BC08CFF444CD}"/>
               </a:ext>
             </a:extLst>
           </p:cNvPr>
@@ -7581,7 +7582,7 @@
           <p:cNvPr id="2" name="Title 1">
             <a:extLst>
               <a:ext uri="{FF2B5EF4-FFF2-40B4-BE49-F238E27FC236}">
-                <a16:creationId xmlns:a16="http://schemas.microsoft.com/office/drawing/2014/main" id="{40BF301D-D463-4042-AB07-D0DDFDABB685}"/>
+                <a16:creationId xmlns:a16="http://schemas.microsoft.com/office/drawing/2014/main" xmlns="" id="{40BF301D-D463-4042-AB07-D0DDFDABB685}"/>
               </a:ext>
             </a:extLst>
           </p:cNvPr>
@@ -7655,7 +7656,7 @@
           <p:cNvPr id="15" name="Oval 14">
             <a:extLst>
               <a:ext uri="{FF2B5EF4-FFF2-40B4-BE49-F238E27FC236}">
-                <a16:creationId xmlns:a16="http://schemas.microsoft.com/office/drawing/2014/main" id="{E8061928-B35E-4EF5-84D5-39AE0FC5F514}"/>
+                <a16:creationId xmlns:a16="http://schemas.microsoft.com/office/drawing/2014/main" xmlns="" id="{E8061928-B35E-4EF5-84D5-39AE0FC5F514}"/>
               </a:ext>
             </a:extLst>
           </p:cNvPr>
@@ -7704,7 +7705,7 @@
           <p:cNvPr id="16" name="Oval 15">
             <a:extLst>
               <a:ext uri="{FF2B5EF4-FFF2-40B4-BE49-F238E27FC236}">
-                <a16:creationId xmlns:a16="http://schemas.microsoft.com/office/drawing/2014/main" id="{B9DF4973-603F-48E8-AF45-692D4D8FD5AE}"/>
+                <a16:creationId xmlns:a16="http://schemas.microsoft.com/office/drawing/2014/main" xmlns="" id="{B9DF4973-603F-48E8-AF45-692D4D8FD5AE}"/>
               </a:ext>
             </a:extLst>
           </p:cNvPr>
@@ -7765,7 +7766,7 @@
           <p:cNvPr id="17" name="Oval 16">
             <a:extLst>
               <a:ext uri="{FF2B5EF4-FFF2-40B4-BE49-F238E27FC236}">
-                <a16:creationId xmlns:a16="http://schemas.microsoft.com/office/drawing/2014/main" id="{7E92C71A-F3D7-4587-A725-55A36EBB0116}"/>
+                <a16:creationId xmlns:a16="http://schemas.microsoft.com/office/drawing/2014/main" xmlns="" id="{7E92C71A-F3D7-4587-A725-55A36EBB0116}"/>
               </a:ext>
             </a:extLst>
           </p:cNvPr>
@@ -7817,7 +7818,7 @@
           <p:cNvPr id="3" name="Slide Number Placeholder 2">
             <a:extLst>
               <a:ext uri="{FF2B5EF4-FFF2-40B4-BE49-F238E27FC236}">
-                <a16:creationId xmlns:a16="http://schemas.microsoft.com/office/drawing/2014/main" id="{6CA84616-937D-47EB-8F88-63C411D451CC}"/>
+                <a16:creationId xmlns:a16="http://schemas.microsoft.com/office/drawing/2014/main" xmlns="" id="{6CA84616-937D-47EB-8F88-63C411D451CC}"/>
               </a:ext>
             </a:extLst>
           </p:cNvPr>
@@ -7955,7 +7956,7 @@
           <p:cNvPr id="146" name="Window">
             <a:extLst>
               <a:ext uri="{FF2B5EF4-FFF2-40B4-BE49-F238E27FC236}">
-                <a16:creationId xmlns:a16="http://schemas.microsoft.com/office/drawing/2014/main" id="{E4B544D0-2191-4905-852A-BA206D416694}"/>
+                <a16:creationId xmlns:a16="http://schemas.microsoft.com/office/drawing/2014/main" xmlns="" id="{E4B544D0-2191-4905-852A-BA206D416694}"/>
               </a:ext>
             </a:extLst>
           </p:cNvPr>
@@ -7979,7 +7980,7 @@
             <p:cNvPr id="147" name="Group 2">
               <a:extLst>
                 <a:ext uri="{FF2B5EF4-FFF2-40B4-BE49-F238E27FC236}">
-                  <a16:creationId xmlns:a16="http://schemas.microsoft.com/office/drawing/2014/main" id="{1AEF0781-E99B-4E1B-9B80-AE3E876B7AAC}"/>
+                  <a16:creationId xmlns:a16="http://schemas.microsoft.com/office/drawing/2014/main" xmlns="" id="{1AEF0781-E99B-4E1B-9B80-AE3E876B7AAC}"/>
                 </a:ext>
               </a:extLst>
             </p:cNvPr>
@@ -7999,7 +8000,7 @@
               <p:cNvPr id="155" name="Rectangle 10">
                 <a:extLst>
                   <a:ext uri="{FF2B5EF4-FFF2-40B4-BE49-F238E27FC236}">
-                    <a16:creationId xmlns:a16="http://schemas.microsoft.com/office/drawing/2014/main" id="{FC2EE137-310F-4872-9082-541463F0AAB8}"/>
+                    <a16:creationId xmlns:a16="http://schemas.microsoft.com/office/drawing/2014/main" xmlns="" id="{FC2EE137-310F-4872-9082-541463F0AAB8}"/>
                   </a:ext>
                 </a:extLst>
               </p:cNvPr>
@@ -8049,7 +8050,7 @@
               <p:cNvPr id="156" name="Rectangle 11">
                 <a:extLst>
                   <a:ext uri="{FF2B5EF4-FFF2-40B4-BE49-F238E27FC236}">
-                    <a16:creationId xmlns:a16="http://schemas.microsoft.com/office/drawing/2014/main" id="{E9A9D393-3F22-4A57-8913-26E012AF2C6E}"/>
+                    <a16:creationId xmlns:a16="http://schemas.microsoft.com/office/drawing/2014/main" xmlns="" id="{E9A9D393-3F22-4A57-8913-26E012AF2C6E}"/>
                   </a:ext>
                 </a:extLst>
               </p:cNvPr>
@@ -8097,7 +8098,7 @@
               <p:cNvPr id="157" name="WindowTitle">
                 <a:extLst>
                   <a:ext uri="{FF2B5EF4-FFF2-40B4-BE49-F238E27FC236}">
-                    <a16:creationId xmlns:a16="http://schemas.microsoft.com/office/drawing/2014/main" id="{6A9068D2-8329-41DC-982F-F32A19FD5FBC}"/>
+                    <a16:creationId xmlns:a16="http://schemas.microsoft.com/office/drawing/2014/main" xmlns="" id="{6A9068D2-8329-41DC-982F-F32A19FD5FBC}"/>
                   </a:ext>
                 </a:extLst>
               </p:cNvPr>
@@ -8140,7 +8141,7 @@
             <p:cNvPr id="148" name="Minimize - Maximize - Close">
               <a:extLst>
                 <a:ext uri="{FF2B5EF4-FFF2-40B4-BE49-F238E27FC236}">
-                  <a16:creationId xmlns:a16="http://schemas.microsoft.com/office/drawing/2014/main" id="{60B7AE88-F70A-4FDE-9F5C-7BF9DDDE1BC5}"/>
+                  <a16:creationId xmlns:a16="http://schemas.microsoft.com/office/drawing/2014/main" xmlns="" id="{60B7AE88-F70A-4FDE-9F5C-7BF9DDDE1BC5}"/>
                 </a:ext>
               </a:extLst>
             </p:cNvPr>
@@ -8160,7 +8161,7 @@
               <p:cNvPr id="150" name="Line">
                 <a:extLst>
                   <a:ext uri="{FF2B5EF4-FFF2-40B4-BE49-F238E27FC236}">
-                    <a16:creationId xmlns:a16="http://schemas.microsoft.com/office/drawing/2014/main" id="{384D8638-29BC-41FB-9CDC-13650D9EE834}"/>
+                    <a16:creationId xmlns:a16="http://schemas.microsoft.com/office/drawing/2014/main" xmlns="" id="{384D8638-29BC-41FB-9CDC-13650D9EE834}"/>
                   </a:ext>
                 </a:extLst>
               </p:cNvPr>
@@ -8201,7 +8202,7 @@
               <p:cNvPr id="151" name="Line">
                 <a:extLst>
                   <a:ext uri="{FF2B5EF4-FFF2-40B4-BE49-F238E27FC236}">
-                    <a16:creationId xmlns:a16="http://schemas.microsoft.com/office/drawing/2014/main" id="{392DF0B1-48CF-4E36-A4C4-C54AF8AC39CE}"/>
+                    <a16:creationId xmlns:a16="http://schemas.microsoft.com/office/drawing/2014/main" xmlns="" id="{392DF0B1-48CF-4E36-A4C4-C54AF8AC39CE}"/>
                   </a:ext>
                 </a:extLst>
               </p:cNvPr>
@@ -8242,7 +8243,7 @@
               <p:cNvPr id="152" name="Line">
                 <a:extLst>
                   <a:ext uri="{FF2B5EF4-FFF2-40B4-BE49-F238E27FC236}">
-                    <a16:creationId xmlns:a16="http://schemas.microsoft.com/office/drawing/2014/main" id="{DB45F6F9-C133-430F-865C-3DB272A5113C}"/>
+                    <a16:creationId xmlns:a16="http://schemas.microsoft.com/office/drawing/2014/main" xmlns="" id="{DB45F6F9-C133-430F-865C-3DB272A5113C}"/>
                   </a:ext>
                 </a:extLst>
               </p:cNvPr>
@@ -8300,7 +8301,7 @@
               <p:cNvPr id="153" name="Line">
                 <a:extLst>
                   <a:ext uri="{FF2B5EF4-FFF2-40B4-BE49-F238E27FC236}">
-                    <a16:creationId xmlns:a16="http://schemas.microsoft.com/office/drawing/2014/main" id="{0B33DE5D-E871-4812-92D9-41A920778711}"/>
+                    <a16:creationId xmlns:a16="http://schemas.microsoft.com/office/drawing/2014/main" xmlns="" id="{0B33DE5D-E871-4812-92D9-41A920778711}"/>
                   </a:ext>
                 </a:extLst>
               </p:cNvPr>
@@ -8356,7 +8357,7 @@
               <p:cNvPr id="154" name="Line">
                 <a:extLst>
                   <a:ext uri="{FF2B5EF4-FFF2-40B4-BE49-F238E27FC236}">
-                    <a16:creationId xmlns:a16="http://schemas.microsoft.com/office/drawing/2014/main" id="{2523006F-1C9B-4EBF-ADFB-29FB24F312B1}"/>
+                    <a16:creationId xmlns:a16="http://schemas.microsoft.com/office/drawing/2014/main" xmlns="" id="{2523006F-1C9B-4EBF-ADFB-29FB24F312B1}"/>
                   </a:ext>
                 </a:extLst>
               </p:cNvPr>
@@ -8415,7 +8416,936 @@
             <p:cNvPr id="149" name="Oval 4">
               <a:extLst>
                 <a:ext uri="{FF2B5EF4-FFF2-40B4-BE49-F238E27FC236}">
-                  <a16:creationId xmlns:a16="http://schemas.microsoft.com/office/drawing/2014/main" id="{E4962547-6FBC-4667-B25E-C9C6FC34BEF8}"/>
+                  <a16:creationId xmlns:a16="http://schemas.microsoft.com/office/drawing/2014/main" xmlns="" id="{E4962547-6FBC-4667-B25E-C9C6FC34BEF8}"/>
+                </a:ext>
+              </a:extLst>
+            </p:cNvPr>
+            <p:cNvSpPr/>
+            <p:nvPr/>
+          </p:nvSpPr>
+          <p:spPr>
+            <a:xfrm>
+              <a:off x="83477" y="80065"/>
+              <a:ext cx="145536" cy="150875"/>
+            </a:xfrm>
+            <a:prstGeom prst="ellipse">
+              <a:avLst/>
+            </a:prstGeom>
+            <a:gradFill flip="none" rotWithShape="1">
+              <a:gsLst>
+                <a:gs pos="91000">
+                  <a:srgbClr val="FFFFFF">
+                    <a:lumMod val="85000"/>
+                  </a:srgbClr>
+                </a:gs>
+                <a:gs pos="36000">
+                  <a:srgbClr val="FFFFFF">
+                    <a:lumMod val="95000"/>
+                  </a:srgbClr>
+                </a:gs>
+                <a:gs pos="100000">
+                  <a:srgbClr val="FFFFFF">
+                    <a:lumMod val="95000"/>
+                  </a:srgbClr>
+                </a:gs>
+              </a:gsLst>
+              <a:lin ang="5400000" scaled="0"/>
+              <a:tileRect/>
+            </a:gradFill>
+            <a:ln w="3175">
+              <a:solidFill>
+                <a:srgbClr val="000000">
+                  <a:lumMod val="50000"/>
+                  <a:lumOff val="50000"/>
+                </a:srgbClr>
+              </a:solidFill>
+            </a:ln>
+            <a:effectLst/>
+          </p:spPr>
+          <p:style>
+            <a:lnRef idx="2">
+              <a:srgbClr val="4F81BD">
+                <a:shade val="50000"/>
+              </a:srgbClr>
+            </a:lnRef>
+            <a:fillRef idx="1">
+              <a:srgbClr val="4F81BD"/>
+            </a:fillRef>
+            <a:effectRef idx="0">
+              <a:srgbClr val="4F81BD"/>
+            </a:effectRef>
+            <a:fontRef idx="minor">
+              <a:srgbClr val="000000"/>
+            </a:fontRef>
+          </p:style>
+          <p:txBody>
+            <a:bodyPr lIns="97531" tIns="48766" rIns="97531" bIns="48766" rtlCol="0" anchor="ctr"/>
+            <a:lstStyle/>
+            <a:p>
+              <a:pPr algn="ctr"/>
+              <a:endParaRPr lang="en-US">
+                <a:solidFill>
+                  <a:prstClr val="white"/>
+                </a:solidFill>
+              </a:endParaRPr>
+            </a:p>
+          </p:txBody>
+        </p:sp>
+      </p:grpSp>
+      <p:sp>
+        <p:nvSpPr>
+          <p:cNvPr id="159" name="Content">
+            <a:extLst>
+              <a:ext uri="{FF2B5EF4-FFF2-40B4-BE49-F238E27FC236}">
+                <a16:creationId xmlns:a16="http://schemas.microsoft.com/office/drawing/2014/main" xmlns="" id="{F6992210-CD23-46E6-9FDC-874977E5EC91}"/>
+              </a:ext>
+            </a:extLst>
+          </p:cNvPr>
+          <p:cNvSpPr/>
+          <p:nvPr>
+            <p:custDataLst>
+              <p:custData r:id="rId2"/>
+            </p:custDataLst>
+          </p:nvPr>
+        </p:nvSpPr>
+        <p:spPr>
+          <a:xfrm>
+            <a:off x="7818349" y="3694684"/>
+            <a:ext cx="2058670" cy="584548"/>
+          </a:xfrm>
+          <a:prstGeom prst="roundRect">
+            <a:avLst/>
+          </a:prstGeom>
+          <a:solidFill>
+            <a:srgbClr val="FFFFFF">
+              <a:lumMod val="95000"/>
+            </a:srgbClr>
+          </a:solidFill>
+          <a:ln w="3175">
+            <a:solidFill>
+              <a:srgbClr val="000000">
+                <a:lumMod val="50000"/>
+                <a:lumOff val="50000"/>
+              </a:srgbClr>
+            </a:solidFill>
+          </a:ln>
+          <a:effectLst/>
+        </p:spPr>
+        <p:style>
+          <a:lnRef idx="2">
+            <a:srgbClr val="4F81BD">
+              <a:shade val="50000"/>
+            </a:srgbClr>
+          </a:lnRef>
+          <a:fillRef idx="1">
+            <a:srgbClr val="4F81BD"/>
+          </a:fillRef>
+          <a:effectRef idx="0">
+            <a:srgbClr val="4F81BD"/>
+          </a:effectRef>
+          <a:fontRef idx="minor">
+            <a:srgbClr val="000000"/>
+          </a:fontRef>
+        </p:style>
+        <p:txBody>
+          <a:bodyPr wrap="square" lIns="91440" tIns="0" rIns="91440" bIns="9144" rtlCol="0" anchor="ctr">
+            <a:noAutofit/>
+          </a:bodyPr>
+          <a:lstStyle/>
+          <a:p>
+            <a:pPr algn="ctr"/>
+            <a:r>
+              <a:rPr lang="en-US" dirty="0">
+                <a:solidFill>
+                  <a:srgbClr val="000000"/>
+                </a:solidFill>
+                <a:latin typeface="Segoe UI" pitchFamily="34" charset="0"/>
+                <a:cs typeface="Segoe UI" pitchFamily="34" charset="0"/>
+              </a:rPr>
+              <a:t>Entrar</a:t>
+            </a:r>
+            <a:endParaRPr lang="en-US" sz="1200" dirty="0">
+              <a:solidFill>
+                <a:srgbClr val="000000"/>
+              </a:solidFill>
+              <a:latin typeface="Segoe UI" pitchFamily="34" charset="0"/>
+              <a:cs typeface="Segoe UI" pitchFamily="34" charset="0"/>
+            </a:endParaRPr>
+          </a:p>
+        </p:txBody>
+      </p:sp>
+      <p:sp>
+        <p:nvSpPr>
+          <p:cNvPr id="197" name="Content">
+            <a:extLst>
+              <a:ext uri="{FF2B5EF4-FFF2-40B4-BE49-F238E27FC236}">
+                <a16:creationId xmlns:a16="http://schemas.microsoft.com/office/drawing/2014/main" xmlns="" id="{3F5C806E-E580-44B4-B02C-F8F6ABE3FE4B}"/>
+              </a:ext>
+            </a:extLst>
+          </p:cNvPr>
+          <p:cNvSpPr/>
+          <p:nvPr>
+            <p:custDataLst>
+              <p:custData r:id="rId3"/>
+            </p:custDataLst>
+          </p:nvPr>
+        </p:nvSpPr>
+        <p:spPr>
+          <a:xfrm>
+            <a:off x="6296660" y="1621299"/>
+            <a:ext cx="5102048" cy="476543"/>
+          </a:xfrm>
+          <a:prstGeom prst="rect">
+            <a:avLst/>
+          </a:prstGeom>
+          <a:solidFill>
+            <a:sysClr val="window" lastClr="FFFFFF"/>
+          </a:solidFill>
+          <a:ln w="3175">
+            <a:solidFill>
+              <a:srgbClr val="000000">
+                <a:lumMod val="50000"/>
+                <a:lumOff val="50000"/>
+              </a:srgbClr>
+            </a:solidFill>
+          </a:ln>
+          <a:effectLst/>
+        </p:spPr>
+        <p:style>
+          <a:lnRef idx="2">
+            <a:srgbClr val="4F81BD">
+              <a:shade val="50000"/>
+            </a:srgbClr>
+          </a:lnRef>
+          <a:fillRef idx="1">
+            <a:srgbClr val="4F81BD"/>
+          </a:fillRef>
+          <a:effectRef idx="0">
+            <a:srgbClr val="4F81BD"/>
+          </a:effectRef>
+          <a:fontRef idx="minor">
+            <a:srgbClr val="000000"/>
+          </a:fontRef>
+        </p:style>
+        <p:txBody>
+          <a:bodyPr wrap="none" lIns="45720" tIns="18288" rIns="45720" bIns="18288" rtlCol="0" anchor="ctr">
+            <a:noAutofit/>
+          </a:bodyPr>
+          <a:lstStyle/>
+          <a:p>
+            <a:r>
+              <a:rPr lang="en-US" sz="1600" dirty="0">
+                <a:solidFill>
+                  <a:srgbClr val="000000"/>
+                </a:solidFill>
+                <a:latin typeface="Segoe UI" pitchFamily="34" charset="0"/>
+                <a:cs typeface="Segoe UI" pitchFamily="34" charset="0"/>
+              </a:rPr>
+              <a:t>   Login</a:t>
+            </a:r>
+            <a:endParaRPr lang="en-US" sz="1200" dirty="0">
+              <a:solidFill>
+                <a:srgbClr val="000000"/>
+              </a:solidFill>
+              <a:latin typeface="Segoe UI" pitchFamily="34" charset="0"/>
+              <a:cs typeface="Segoe UI" pitchFamily="34" charset="0"/>
+            </a:endParaRPr>
+          </a:p>
+        </p:txBody>
+      </p:sp>
+      <p:sp>
+        <p:nvSpPr>
+          <p:cNvPr id="198" name="Content">
+            <a:extLst>
+              <a:ext uri="{FF2B5EF4-FFF2-40B4-BE49-F238E27FC236}">
+                <a16:creationId xmlns:a16="http://schemas.microsoft.com/office/drawing/2014/main" xmlns="" id="{0338B31C-1336-438B-82FD-C32CD6EB707F}"/>
+              </a:ext>
+            </a:extLst>
+          </p:cNvPr>
+          <p:cNvSpPr/>
+          <p:nvPr>
+            <p:custDataLst>
+              <p:custData r:id="rId4"/>
+            </p:custDataLst>
+          </p:nvPr>
+        </p:nvSpPr>
+        <p:spPr>
+          <a:xfrm>
+            <a:off x="6296660" y="2686774"/>
+            <a:ext cx="5213088" cy="476543"/>
+          </a:xfrm>
+          <a:prstGeom prst="rect">
+            <a:avLst/>
+          </a:prstGeom>
+          <a:solidFill>
+            <a:sysClr val="window" lastClr="FFFFFF"/>
+          </a:solidFill>
+          <a:ln w="3175">
+            <a:solidFill>
+              <a:srgbClr val="000000">
+                <a:lumMod val="50000"/>
+                <a:lumOff val="50000"/>
+              </a:srgbClr>
+            </a:solidFill>
+          </a:ln>
+          <a:effectLst/>
+        </p:spPr>
+        <p:style>
+          <a:lnRef idx="2">
+            <a:srgbClr val="4F81BD">
+              <a:shade val="50000"/>
+            </a:srgbClr>
+          </a:lnRef>
+          <a:fillRef idx="1">
+            <a:srgbClr val="4F81BD"/>
+          </a:fillRef>
+          <a:effectRef idx="0">
+            <a:srgbClr val="4F81BD"/>
+          </a:effectRef>
+          <a:fontRef idx="minor">
+            <a:srgbClr val="000000"/>
+          </a:fontRef>
+        </p:style>
+        <p:txBody>
+          <a:bodyPr wrap="none" lIns="45720" tIns="18288" rIns="45720" bIns="18288" rtlCol="0" anchor="ctr">
+            <a:noAutofit/>
+          </a:bodyPr>
+          <a:lstStyle/>
+          <a:p>
+            <a:r>
+              <a:rPr lang="en-US" sz="1200" dirty="0">
+                <a:solidFill>
+                  <a:srgbClr val="000000"/>
+                </a:solidFill>
+                <a:latin typeface="Segoe UI" pitchFamily="34" charset="0"/>
+                <a:cs typeface="Segoe UI" pitchFamily="34" charset="0"/>
+              </a:rPr>
+              <a:t>  </a:t>
+            </a:r>
+            <a:r>
+              <a:rPr lang="en-US" sz="1600" dirty="0">
+                <a:solidFill>
+                  <a:srgbClr val="000000"/>
+                </a:solidFill>
+                <a:latin typeface="Segoe UI" pitchFamily="34" charset="0"/>
+                <a:cs typeface="Segoe UI" pitchFamily="34" charset="0"/>
+              </a:rPr>
+              <a:t>Senha</a:t>
+            </a:r>
+            <a:endParaRPr lang="en-US" sz="1200" dirty="0">
+              <a:solidFill>
+                <a:srgbClr val="000000"/>
+              </a:solidFill>
+              <a:latin typeface="Segoe UI" pitchFamily="34" charset="0"/>
+              <a:cs typeface="Segoe UI" pitchFamily="34" charset="0"/>
+            </a:endParaRPr>
+          </a:p>
+        </p:txBody>
+      </p:sp>
+      <p:sp>
+        <p:nvSpPr>
+          <p:cNvPr id="201" name="CaixaDeTexto 200">
+            <a:extLst>
+              <a:ext uri="{FF2B5EF4-FFF2-40B4-BE49-F238E27FC236}">
+                <a16:creationId xmlns:a16="http://schemas.microsoft.com/office/drawing/2014/main" xmlns="" id="{899A7D86-FA40-4D56-8C97-D118E845D033}"/>
+              </a:ext>
+            </a:extLst>
+          </p:cNvPr>
+          <p:cNvSpPr txBox="1"/>
+          <p:nvPr/>
+        </p:nvSpPr>
+        <p:spPr>
+          <a:xfrm>
+            <a:off x="7818349" y="4625933"/>
+            <a:ext cx="2529840" cy="369332"/>
+          </a:xfrm>
+          <a:prstGeom prst="rect">
+            <a:avLst/>
+          </a:prstGeom>
+          <a:noFill/>
+        </p:spPr>
+        <p:txBody>
+          <a:bodyPr wrap="square" rtlCol="0">
+            <a:spAutoFit/>
+          </a:bodyPr>
+          <a:lstStyle/>
+          <a:p>
+            <a:r>
+              <a:rPr lang="pt-BR" dirty="0"/>
+              <a:t>Esqueci minha senha</a:t>
+            </a:r>
+          </a:p>
+        </p:txBody>
+      </p:sp>
+      <p:sp>
+        <p:nvSpPr>
+          <p:cNvPr id="205" name="CaixaDeTexto 204">
+            <a:extLst>
+              <a:ext uri="{FF2B5EF4-FFF2-40B4-BE49-F238E27FC236}">
+                <a16:creationId xmlns:a16="http://schemas.microsoft.com/office/drawing/2014/main" xmlns="" id="{D52F5A84-8E06-4D84-A256-F95467B379C3}"/>
+              </a:ext>
+            </a:extLst>
+          </p:cNvPr>
+          <p:cNvSpPr txBox="1"/>
+          <p:nvPr/>
+        </p:nvSpPr>
+        <p:spPr>
+          <a:xfrm>
+            <a:off x="7406640" y="547136"/>
+            <a:ext cx="2682240" cy="769441"/>
+          </a:xfrm>
+          <a:prstGeom prst="rect">
+            <a:avLst/>
+          </a:prstGeom>
+          <a:noFill/>
+        </p:spPr>
+        <p:txBody>
+          <a:bodyPr wrap="square" rtlCol="0">
+            <a:spAutoFit/>
+          </a:bodyPr>
+          <a:lstStyle/>
+          <a:p>
+            <a:pPr algn="ctr"/>
+            <a:r>
+              <a:rPr lang="pt-BR" sz="4400" b="1" dirty="0"/>
+              <a:t>Login</a:t>
+            </a:r>
+            <a:endParaRPr lang="pt-BR" b="1" dirty="0"/>
+          </a:p>
+        </p:txBody>
+      </p:sp>
+      <p:pic>
+        <p:nvPicPr>
+          <p:cNvPr id="207" name="Imagem 206" descr="Uma imagem contendo desenho&#10;&#10;Descrição gerada automaticamente">
+            <a:extLst>
+              <a:ext uri="{FF2B5EF4-FFF2-40B4-BE49-F238E27FC236}">
+                <a16:creationId xmlns:a16="http://schemas.microsoft.com/office/drawing/2014/main" xmlns="" id="{A11DF68C-EAFB-4581-AE98-F975777F9C33}"/>
+              </a:ext>
+            </a:extLst>
+          </p:cNvPr>
+          <p:cNvPicPr>
+            <a:picLocks noChangeAspect="1"/>
+          </p:cNvPicPr>
+          <p:nvPr/>
+        </p:nvPicPr>
+        <p:blipFill>
+          <a:blip r:embed="rId6">
+            <a:extLst>
+              <a:ext uri="{28A0092B-C50C-407E-A947-70E740481C1C}">
+                <a14:useLocalDpi xmlns:a14="http://schemas.microsoft.com/office/drawing/2010/main" val="0"/>
+              </a:ext>
+            </a:extLst>
+          </a:blip>
+          <a:stretch>
+            <a:fillRect/>
+          </a:stretch>
+        </p:blipFill>
+        <p:spPr>
+          <a:xfrm>
+            <a:off x="111304" y="316304"/>
+            <a:ext cx="5493664" cy="6430913"/>
+          </a:xfrm>
+          <a:prstGeom prst="rect">
+            <a:avLst/>
+          </a:prstGeom>
+        </p:spPr>
+      </p:pic>
+    </p:spTree>
+    <p:extLst>
+      <p:ext uri="{BB962C8B-B14F-4D97-AF65-F5344CB8AC3E}">
+        <p14:creationId xmlns:p14="http://schemas.microsoft.com/office/powerpoint/2010/main" val="3388317226"/>
+      </p:ext>
+    </p:extLst>
+  </p:cSld>
+  <p:clrMapOvr>
+    <a:masterClrMapping/>
+  </p:clrMapOvr>
+</p:sld>
+</file>
+
+<file path=ppt/slides/slide11.xml><?xml version="1.0" encoding="utf-8"?>
+<p:sld xmlns:a="http://schemas.openxmlformats.org/drawingml/2006/main" xmlns:r="http://schemas.openxmlformats.org/officeDocument/2006/relationships" xmlns:p="http://schemas.openxmlformats.org/presentationml/2006/main">
+  <p:cSld>
+    <p:spTree>
+      <p:nvGrpSpPr>
+        <p:cNvPr id="1" name=""/>
+        <p:cNvGrpSpPr/>
+        <p:nvPr/>
+      </p:nvGrpSpPr>
+      <p:grpSpPr>
+        <a:xfrm>
+          <a:off x="0" y="0"/>
+          <a:ext cx="0" cy="0"/>
+          <a:chOff x="0" y="0"/>
+          <a:chExt cx="0" cy="0"/>
+        </a:xfrm>
+      </p:grpSpPr>
+      <p:grpSp>
+        <p:nvGrpSpPr>
+          <p:cNvPr id="146" name="Window">
+            <a:extLst>
+              <a:ext uri="{FF2B5EF4-FFF2-40B4-BE49-F238E27FC236}">
+                <a16:creationId xmlns:a16="http://schemas.microsoft.com/office/drawing/2014/main" xmlns="" id="{E4B544D0-2191-4905-852A-BA206D416694}"/>
+              </a:ext>
+            </a:extLst>
+          </p:cNvPr>
+          <p:cNvGrpSpPr/>
+          <p:nvPr>
+            <p:custDataLst>
+              <p:custData r:id="rId1"/>
+            </p:custDataLst>
+          </p:nvPr>
+        </p:nvGrpSpPr>
+        <p:grpSpPr>
+          <a:xfrm>
+            <a:off x="0" y="0"/>
+            <a:ext cx="12192000" cy="6858000"/>
+            <a:chOff x="0" y="0"/>
+            <a:chExt cx="9144000" cy="6858000"/>
+          </a:xfrm>
+        </p:grpSpPr>
+        <p:grpSp>
+          <p:nvGrpSpPr>
+            <p:cNvPr id="147" name="Group 2">
+              <a:extLst>
+                <a:ext uri="{FF2B5EF4-FFF2-40B4-BE49-F238E27FC236}">
+                  <a16:creationId xmlns:a16="http://schemas.microsoft.com/office/drawing/2014/main" xmlns="" id="{1AEF0781-E99B-4E1B-9B80-AE3E876B7AAC}"/>
+                </a:ext>
+              </a:extLst>
+            </p:cNvPr>
+            <p:cNvGrpSpPr/>
+            <p:nvPr/>
+          </p:nvGrpSpPr>
+          <p:grpSpPr>
+            <a:xfrm>
+              <a:off x="0" y="0"/>
+              <a:ext cx="9144000" cy="6858000"/>
+              <a:chOff x="0" y="0"/>
+              <a:chExt cx="9144000" cy="6858000"/>
+            </a:xfrm>
+          </p:grpSpPr>
+          <p:sp>
+            <p:nvSpPr>
+              <p:cNvPr id="155" name="Rectangle 10">
+                <a:extLst>
+                  <a:ext uri="{FF2B5EF4-FFF2-40B4-BE49-F238E27FC236}">
+                    <a16:creationId xmlns:a16="http://schemas.microsoft.com/office/drawing/2014/main" xmlns="" id="{FC2EE137-310F-4872-9082-541463F0AAB8}"/>
+                  </a:ext>
+                </a:extLst>
+              </p:cNvPr>
+              <p:cNvSpPr/>
+              <p:nvPr/>
+            </p:nvSpPr>
+            <p:spPr>
+              <a:xfrm>
+                <a:off x="0" y="0"/>
+                <a:ext cx="9144000" cy="6858000"/>
+              </a:xfrm>
+              <a:prstGeom prst="rect">
+                <a:avLst/>
+              </a:prstGeom>
+              <a:solidFill>
+                <a:srgbClr val="FFFFFF">
+                  <a:lumMod val="65000"/>
+                </a:srgbClr>
+              </a:solidFill>
+              <a:ln w="3175" cap="flat" cmpd="sng" algn="ctr">
+                <a:solidFill>
+                  <a:srgbClr val="000000">
+                    <a:lumMod val="50000"/>
+                    <a:lumOff val="50000"/>
+                  </a:srgbClr>
+                </a:solidFill>
+                <a:prstDash val="solid"/>
+              </a:ln>
+              <a:effectLst/>
+            </p:spPr>
+            <p:txBody>
+              <a:bodyPr rtlCol="0" anchor="ctr"/>
+              <a:lstStyle/>
+              <a:p>
+                <a:pPr algn="ctr"/>
+                <a:endParaRPr lang="en-US" sz="800" kern="0">
+                  <a:solidFill>
+                    <a:prstClr val="white"/>
+                  </a:solidFill>
+                  <a:latin typeface="Segoe UI"/>
+                </a:endParaRPr>
+              </a:p>
+            </p:txBody>
+          </p:sp>
+          <p:sp>
+            <p:nvSpPr>
+              <p:cNvPr id="156" name="Rectangle 11">
+                <a:extLst>
+                  <a:ext uri="{FF2B5EF4-FFF2-40B4-BE49-F238E27FC236}">
+                    <a16:creationId xmlns:a16="http://schemas.microsoft.com/office/drawing/2014/main" xmlns="" id="{E9A9D393-3F22-4A57-8913-26E012AF2C6E}"/>
+                  </a:ext>
+                </a:extLst>
+              </p:cNvPr>
+              <p:cNvSpPr/>
+              <p:nvPr/>
+            </p:nvSpPr>
+            <p:spPr>
+              <a:xfrm>
+                <a:off x="76200" y="309484"/>
+                <a:ext cx="8991600" cy="6437733"/>
+              </a:xfrm>
+              <a:prstGeom prst="rect">
+                <a:avLst/>
+              </a:prstGeom>
+              <a:solidFill>
+                <a:sysClr val="window" lastClr="FFFFFF"/>
+              </a:solidFill>
+              <a:ln w="3175" cap="flat" cmpd="sng" algn="ctr">
+                <a:solidFill>
+                  <a:srgbClr val="000000">
+                    <a:lumMod val="50000"/>
+                    <a:lumOff val="50000"/>
+                  </a:srgbClr>
+                </a:solidFill>
+                <a:prstDash val="solid"/>
+              </a:ln>
+              <a:effectLst/>
+            </p:spPr>
+            <p:txBody>
+              <a:bodyPr rtlCol="0" anchor="ctr"/>
+              <a:lstStyle/>
+              <a:p>
+                <a:pPr algn="ctr"/>
+                <a:endParaRPr lang="en-US" sz="800" kern="0">
+                  <a:solidFill>
+                    <a:prstClr val="white"/>
+                  </a:solidFill>
+                  <a:latin typeface="Segoe UI"/>
+                </a:endParaRPr>
+              </a:p>
+            </p:txBody>
+          </p:sp>
+          <p:sp>
+            <p:nvSpPr>
+              <p:cNvPr id="157" name="WindowTitle">
+                <a:extLst>
+                  <a:ext uri="{FF2B5EF4-FFF2-40B4-BE49-F238E27FC236}">
+                    <a16:creationId xmlns:a16="http://schemas.microsoft.com/office/drawing/2014/main" xmlns="" id="{6A9068D2-8329-41DC-982F-F32A19FD5FBC}"/>
+                  </a:ext>
+                </a:extLst>
+              </p:cNvPr>
+              <p:cNvSpPr txBox="1"/>
+              <p:nvPr/>
+            </p:nvSpPr>
+            <p:spPr>
+              <a:xfrm>
+                <a:off x="240976" y="42736"/>
+                <a:ext cx="999313" cy="230832"/>
+              </a:xfrm>
+              <a:prstGeom prst="rect">
+                <a:avLst/>
+              </a:prstGeom>
+              <a:noFill/>
+            </p:spPr>
+            <p:txBody>
+              <a:bodyPr wrap="none" lIns="45720" tIns="18288" rIns="91440" bIns="27432" rtlCol="0" anchor="ctr" anchorCtr="0">
+                <a:spAutoFit/>
+              </a:bodyPr>
+              <a:lstStyle/>
+              <a:p>
+                <a:r>
+                  <a:rPr lang="en-US" sz="1200" dirty="0">
+                    <a:solidFill>
+                      <a:prstClr val="white"/>
+                    </a:solidFill>
+                    <a:latin typeface="Segoe UI" pitchFamily="34" charset="0"/>
+                    <a:ea typeface="Segoe UI" pitchFamily="34" charset="0"/>
+                    <a:cs typeface="Segoe UI" pitchFamily="34" charset="0"/>
+                  </a:rPr>
+                  <a:t>Window title</a:t>
+                </a:r>
+              </a:p>
+            </p:txBody>
+          </p:sp>
+        </p:grpSp>
+        <p:grpSp>
+          <p:nvGrpSpPr>
+            <p:cNvPr id="148" name="Minimize - Maximize - Close">
+              <a:extLst>
+                <a:ext uri="{FF2B5EF4-FFF2-40B4-BE49-F238E27FC236}">
+                  <a16:creationId xmlns:a16="http://schemas.microsoft.com/office/drawing/2014/main" xmlns="" id="{60B7AE88-F70A-4FDE-9F5C-7BF9DDDE1BC5}"/>
+                </a:ext>
+              </a:extLst>
+            </p:cNvPr>
+            <p:cNvGrpSpPr/>
+            <p:nvPr/>
+          </p:nvGrpSpPr>
+          <p:grpSpPr>
+            <a:xfrm>
+              <a:off x="8632311" y="92599"/>
+              <a:ext cx="384527" cy="78032"/>
+              <a:chOff x="9347642" y="131588"/>
+              <a:chExt cx="384527" cy="78032"/>
+            </a:xfrm>
+          </p:grpSpPr>
+          <p:cxnSp>
+            <p:nvCxnSpPr>
+              <p:cNvPr id="150" name="Line">
+                <a:extLst>
+                  <a:ext uri="{FF2B5EF4-FFF2-40B4-BE49-F238E27FC236}">
+                    <a16:creationId xmlns:a16="http://schemas.microsoft.com/office/drawing/2014/main" xmlns="" id="{384D8638-29BC-41FB-9CDC-13650D9EE834}"/>
+                  </a:ext>
+                </a:extLst>
+              </p:cNvPr>
+              <p:cNvCxnSpPr/>
+              <p:nvPr/>
+            </p:nvCxnSpPr>
+            <p:spPr>
+              <a:xfrm>
+                <a:off x="9661396" y="131588"/>
+                <a:ext cx="70773" cy="76200"/>
+              </a:xfrm>
+              <a:prstGeom prst="line">
+                <a:avLst/>
+              </a:prstGeom>
+              <a:ln w="12700">
+                <a:solidFill>
+                  <a:srgbClr val="FFFFFF"/>
+                </a:solidFill>
+              </a:ln>
+            </p:spPr>
+            <p:style>
+              <a:lnRef idx="1">
+                <a:srgbClr val="4F81BD"/>
+              </a:lnRef>
+              <a:fillRef idx="0">
+                <a:srgbClr val="4F81BD"/>
+              </a:fillRef>
+              <a:effectRef idx="0">
+                <a:srgbClr val="4F81BD"/>
+              </a:effectRef>
+              <a:fontRef idx="minor">
+                <a:srgbClr val="000000"/>
+              </a:fontRef>
+            </p:style>
+          </p:cxnSp>
+          <p:cxnSp>
+            <p:nvCxnSpPr>
+              <p:cNvPr id="151" name="Line">
+                <a:extLst>
+                  <a:ext uri="{FF2B5EF4-FFF2-40B4-BE49-F238E27FC236}">
+                    <a16:creationId xmlns:a16="http://schemas.microsoft.com/office/drawing/2014/main" xmlns="" id="{392DF0B1-48CF-4E36-A4C4-C54AF8AC39CE}"/>
+                  </a:ext>
+                </a:extLst>
+              </p:cNvPr>
+              <p:cNvCxnSpPr/>
+              <p:nvPr/>
+            </p:nvCxnSpPr>
+            <p:spPr>
+              <a:xfrm flipH="1">
+                <a:off x="9661395" y="131588"/>
+                <a:ext cx="70773" cy="76200"/>
+              </a:xfrm>
+              <a:prstGeom prst="line">
+                <a:avLst/>
+              </a:prstGeom>
+              <a:ln w="12700">
+                <a:solidFill>
+                  <a:srgbClr val="FFFFFF"/>
+                </a:solidFill>
+              </a:ln>
+            </p:spPr>
+            <p:style>
+              <a:lnRef idx="1">
+                <a:srgbClr val="4F81BD"/>
+              </a:lnRef>
+              <a:fillRef idx="0">
+                <a:srgbClr val="4F81BD"/>
+              </a:fillRef>
+              <a:effectRef idx="0">
+                <a:srgbClr val="4F81BD"/>
+              </a:effectRef>
+              <a:fontRef idx="minor">
+                <a:srgbClr val="000000"/>
+              </a:fontRef>
+            </p:style>
+          </p:cxnSp>
+          <p:sp>
+            <p:nvSpPr>
+              <p:cNvPr id="152" name="Line">
+                <a:extLst>
+                  <a:ext uri="{FF2B5EF4-FFF2-40B4-BE49-F238E27FC236}">
+                    <a16:creationId xmlns:a16="http://schemas.microsoft.com/office/drawing/2014/main" xmlns="" id="{DB45F6F9-C133-430F-865C-3DB272A5113C}"/>
+                  </a:ext>
+                </a:extLst>
+              </p:cNvPr>
+              <p:cNvSpPr/>
+              <p:nvPr/>
+            </p:nvSpPr>
+            <p:spPr>
+              <a:xfrm rot="10800000" flipV="1">
+                <a:off x="9499472" y="143255"/>
+                <a:ext cx="91440" cy="9144"/>
+              </a:xfrm>
+              <a:prstGeom prst="rect">
+                <a:avLst/>
+              </a:prstGeom>
+              <a:solidFill>
+                <a:srgbClr val="919191"/>
+              </a:solidFill>
+              <a:ln w="3175">
+                <a:solidFill>
+                  <a:srgbClr val="FFFFFF"/>
+                </a:solidFill>
+              </a:ln>
+            </p:spPr>
+            <p:style>
+              <a:lnRef idx="2">
+                <a:srgbClr val="4F81BD">
+                  <a:shade val="50000"/>
+                </a:srgbClr>
+              </a:lnRef>
+              <a:fillRef idx="1001">
+                <a:srgbClr val="000000"/>
+              </a:fillRef>
+              <a:effectRef idx="0">
+                <a:srgbClr val="4F81BD"/>
+              </a:effectRef>
+              <a:fontRef idx="minor">
+                <a:srgbClr val="000000"/>
+              </a:fontRef>
+            </p:style>
+            <p:txBody>
+              <a:bodyPr rtlCol="0" anchor="ctr"/>
+              <a:lstStyle/>
+              <a:p>
+                <a:pPr algn="ctr"/>
+                <a:endParaRPr lang="en-US" dirty="0">
+                  <a:solidFill>
+                    <a:prstClr val="white"/>
+                  </a:solidFill>
+                </a:endParaRPr>
+              </a:p>
+            </p:txBody>
+          </p:sp>
+          <p:sp>
+            <p:nvSpPr>
+              <p:cNvPr id="153" name="Line">
+                <a:extLst>
+                  <a:ext uri="{FF2B5EF4-FFF2-40B4-BE49-F238E27FC236}">
+                    <a16:creationId xmlns:a16="http://schemas.microsoft.com/office/drawing/2014/main" xmlns="" id="{0B33DE5D-E871-4812-92D9-41A920778711}"/>
+                  </a:ext>
+                </a:extLst>
+              </p:cNvPr>
+              <p:cNvSpPr/>
+              <p:nvPr/>
+            </p:nvSpPr>
+            <p:spPr>
+              <a:xfrm rot="10800000" flipV="1">
+                <a:off x="9498658" y="135261"/>
+                <a:ext cx="91440" cy="72527"/>
+              </a:xfrm>
+              <a:prstGeom prst="rect">
+                <a:avLst/>
+              </a:prstGeom>
+              <a:noFill/>
+              <a:ln w="12700">
+                <a:solidFill>
+                  <a:srgbClr val="FFFFFF"/>
+                </a:solidFill>
+              </a:ln>
+            </p:spPr>
+            <p:style>
+              <a:lnRef idx="2">
+                <a:srgbClr val="4F81BD">
+                  <a:shade val="50000"/>
+                </a:srgbClr>
+              </a:lnRef>
+              <a:fillRef idx="1001">
+                <a:srgbClr val="000000"/>
+              </a:fillRef>
+              <a:effectRef idx="0">
+                <a:srgbClr val="4F81BD"/>
+              </a:effectRef>
+              <a:fontRef idx="minor">
+                <a:srgbClr val="000000"/>
+              </a:fontRef>
+            </p:style>
+            <p:txBody>
+              <a:bodyPr rtlCol="0" anchor="ctr"/>
+              <a:lstStyle/>
+              <a:p>
+                <a:pPr algn="ctr"/>
+                <a:endParaRPr lang="en-US" dirty="0">
+                  <a:solidFill>
+                    <a:prstClr val="white"/>
+                  </a:solidFill>
+                </a:endParaRPr>
+              </a:p>
+            </p:txBody>
+          </p:sp>
+          <p:sp>
+            <p:nvSpPr>
+              <p:cNvPr id="154" name="Line">
+                <a:extLst>
+                  <a:ext uri="{FF2B5EF4-FFF2-40B4-BE49-F238E27FC236}">
+                    <a16:creationId xmlns:a16="http://schemas.microsoft.com/office/drawing/2014/main" xmlns="" id="{2523006F-1C9B-4EBF-ADFB-29FB24F312B1}"/>
+                  </a:ext>
+                </a:extLst>
+              </p:cNvPr>
+              <p:cNvSpPr/>
+              <p:nvPr/>
+            </p:nvSpPr>
+            <p:spPr>
+              <a:xfrm rot="10800000" flipV="1">
+                <a:off x="9347642" y="200476"/>
+                <a:ext cx="91440" cy="9144"/>
+              </a:xfrm>
+              <a:prstGeom prst="rect">
+                <a:avLst/>
+              </a:prstGeom>
+              <a:solidFill>
+                <a:srgbClr val="919191"/>
+              </a:solidFill>
+              <a:ln w="3175">
+                <a:solidFill>
+                  <a:srgbClr val="FFFFFF"/>
+                </a:solidFill>
+              </a:ln>
+            </p:spPr>
+            <p:style>
+              <a:lnRef idx="2">
+                <a:srgbClr val="4F81BD">
+                  <a:shade val="50000"/>
+                </a:srgbClr>
+              </a:lnRef>
+              <a:fillRef idx="1001">
+                <a:srgbClr val="000000"/>
+              </a:fillRef>
+              <a:effectRef idx="0">
+                <a:srgbClr val="4F81BD"/>
+              </a:effectRef>
+              <a:fontRef idx="minor">
+                <a:srgbClr val="000000"/>
+              </a:fontRef>
+            </p:style>
+            <p:txBody>
+              <a:bodyPr rtlCol="0" anchor="ctr"/>
+              <a:lstStyle/>
+              <a:p>
+                <a:pPr algn="ctr"/>
+                <a:endParaRPr lang="en-US" dirty="0">
+                  <a:solidFill>
+                    <a:prstClr val="white"/>
+                  </a:solidFill>
+                </a:endParaRPr>
+              </a:p>
+            </p:txBody>
+          </p:sp>
+        </p:grpSp>
+        <p:sp>
+          <p:nvSpPr>
+            <p:cNvPr id="149" name="Oval 4">
+              <a:extLst>
+                <a:ext uri="{FF2B5EF4-FFF2-40B4-BE49-F238E27FC236}">
+                  <a16:creationId xmlns:a16="http://schemas.microsoft.com/office/drawing/2014/main" xmlns="" id="{E4962547-6FBC-4667-B25E-C9C6FC34BEF8}"/>
                 </a:ext>
               </a:extLst>
             </p:cNvPr>
@@ -8496,7 +9426,7 @@
           <p:cNvPr id="3" name="Imagem 2" descr="Uma imagem contendo desenho&#10;&#10;Descrição gerada automaticamente">
             <a:extLst>
               <a:ext uri="{FF2B5EF4-FFF2-40B4-BE49-F238E27FC236}">
-                <a16:creationId xmlns:a16="http://schemas.microsoft.com/office/drawing/2014/main" id="{6751F7B6-9109-43C8-B068-517DDB7169E0}"/>
+                <a16:creationId xmlns:a16="http://schemas.microsoft.com/office/drawing/2014/main" xmlns="" id="{6751F7B6-9109-43C8-B068-517DDB7169E0}"/>
               </a:ext>
             </a:extLst>
           </p:cNvPr>
@@ -8532,7 +9462,7 @@
           <p:cNvPr id="11" name="Fluxograma: Conector 10">
             <a:extLst>
               <a:ext uri="{FF2B5EF4-FFF2-40B4-BE49-F238E27FC236}">
-                <a16:creationId xmlns:a16="http://schemas.microsoft.com/office/drawing/2014/main" id="{37C36A2C-F749-4E4F-8810-DDBB2B6EC857}"/>
+                <a16:creationId xmlns:a16="http://schemas.microsoft.com/office/drawing/2014/main" xmlns="" id="{37C36A2C-F749-4E4F-8810-DDBB2B6EC857}"/>
               </a:ext>
             </a:extLst>
           </p:cNvPr>
@@ -8578,7 +9508,7 @@
           <p:cNvPr id="30" name="Gráfico 29" descr="Marca de seleção">
             <a:extLst>
               <a:ext uri="{FF2B5EF4-FFF2-40B4-BE49-F238E27FC236}">
-                <a16:creationId xmlns:a16="http://schemas.microsoft.com/office/drawing/2014/main" id="{239DFE16-AE1A-4220-8484-1BBD309668FC}"/>
+                <a16:creationId xmlns:a16="http://schemas.microsoft.com/office/drawing/2014/main" xmlns="" id="{239DFE16-AE1A-4220-8484-1BBD309668FC}"/>
               </a:ext>
             </a:extLst>
           </p:cNvPr>
@@ -8594,7 +9524,7 @@
                 <a14:useLocalDpi xmlns:a14="http://schemas.microsoft.com/office/drawing/2010/main" val="0"/>
               </a:ext>
               <a:ext uri="{96DAC541-7B7A-43D3-8B79-37D633B846F1}">
-                <asvg:svgBlip xmlns:asvg="http://schemas.microsoft.com/office/drawing/2016/SVG/main" r:embed="rId5"/>
+                <asvg:svgBlip xmlns:asvg="http://schemas.microsoft.com/office/drawing/2016/SVG/main" xmlns="" r:embed="rId5"/>
               </a:ext>
             </a:extLst>
           </a:blip>
@@ -8617,7 +9547,7 @@
           <p:cNvPr id="14" name="CaixaDeTexto 13">
             <a:extLst>
               <a:ext uri="{FF2B5EF4-FFF2-40B4-BE49-F238E27FC236}">
-                <a16:creationId xmlns:a16="http://schemas.microsoft.com/office/drawing/2014/main" id="{003431BD-88CD-4BB4-A2CC-6C48C10457B4}"/>
+                <a16:creationId xmlns:a16="http://schemas.microsoft.com/office/drawing/2014/main" xmlns="" id="{003431BD-88CD-4BB4-A2CC-6C48C10457B4}"/>
               </a:ext>
             </a:extLst>
           </p:cNvPr>
@@ -8673,7 +9603,7 @@
           <p:cNvPr id="15" name="CaixaDeTexto 14">
             <a:extLst>
               <a:ext uri="{FF2B5EF4-FFF2-40B4-BE49-F238E27FC236}">
-                <a16:creationId xmlns:a16="http://schemas.microsoft.com/office/drawing/2014/main" id="{A69C7E24-5186-48CC-90E8-1B2677BDBD15}"/>
+                <a16:creationId xmlns:a16="http://schemas.microsoft.com/office/drawing/2014/main" xmlns="" id="{A69C7E24-5186-48CC-90E8-1B2677BDBD15}"/>
               </a:ext>
             </a:extLst>
           </p:cNvPr>
@@ -8721,7 +9651,7 @@
 </p:sld>
 </file>
 
-<file path=ppt/slides/slide11.xml><?xml version="1.0" encoding="utf-8"?>
+<file path=ppt/slides/slide12.xml><?xml version="1.0" encoding="utf-8"?>
 <p:sld xmlns:a="http://schemas.openxmlformats.org/drawingml/2006/main" xmlns:r="http://schemas.openxmlformats.org/officeDocument/2006/relationships" xmlns:p="http://schemas.openxmlformats.org/presentationml/2006/main">
   <p:cSld>
     <p:spTree>
@@ -8743,7 +9673,7 @@
           <p:cNvPr id="146" name="Window">
             <a:extLst>
               <a:ext uri="{FF2B5EF4-FFF2-40B4-BE49-F238E27FC236}">
-                <a16:creationId xmlns:a16="http://schemas.microsoft.com/office/drawing/2014/main" id="{E4B544D0-2191-4905-852A-BA206D416694}"/>
+                <a16:creationId xmlns:a16="http://schemas.microsoft.com/office/drawing/2014/main" xmlns="" id="{E4B544D0-2191-4905-852A-BA206D416694}"/>
               </a:ext>
             </a:extLst>
           </p:cNvPr>
@@ -8767,7 +9697,7 @@
             <p:cNvPr id="147" name="Group 2">
               <a:extLst>
                 <a:ext uri="{FF2B5EF4-FFF2-40B4-BE49-F238E27FC236}">
-                  <a16:creationId xmlns:a16="http://schemas.microsoft.com/office/drawing/2014/main" id="{1AEF0781-E99B-4E1B-9B80-AE3E876B7AAC}"/>
+                  <a16:creationId xmlns:a16="http://schemas.microsoft.com/office/drawing/2014/main" xmlns="" id="{1AEF0781-E99B-4E1B-9B80-AE3E876B7AAC}"/>
                 </a:ext>
               </a:extLst>
             </p:cNvPr>
@@ -8787,7 +9717,7 @@
               <p:cNvPr id="155" name="Rectangle 10">
                 <a:extLst>
                   <a:ext uri="{FF2B5EF4-FFF2-40B4-BE49-F238E27FC236}">
-                    <a16:creationId xmlns:a16="http://schemas.microsoft.com/office/drawing/2014/main" id="{FC2EE137-310F-4872-9082-541463F0AAB8}"/>
+                    <a16:creationId xmlns:a16="http://schemas.microsoft.com/office/drawing/2014/main" xmlns="" id="{FC2EE137-310F-4872-9082-541463F0AAB8}"/>
                   </a:ext>
                 </a:extLst>
               </p:cNvPr>
@@ -8837,7 +9767,7 @@
               <p:cNvPr id="156" name="Rectangle 11">
                 <a:extLst>
                   <a:ext uri="{FF2B5EF4-FFF2-40B4-BE49-F238E27FC236}">
-                    <a16:creationId xmlns:a16="http://schemas.microsoft.com/office/drawing/2014/main" id="{E9A9D393-3F22-4A57-8913-26E012AF2C6E}"/>
+                    <a16:creationId xmlns:a16="http://schemas.microsoft.com/office/drawing/2014/main" xmlns="" id="{E9A9D393-3F22-4A57-8913-26E012AF2C6E}"/>
                   </a:ext>
                 </a:extLst>
               </p:cNvPr>
@@ -8885,7 +9815,7 @@
               <p:cNvPr id="157" name="WindowTitle">
                 <a:extLst>
                   <a:ext uri="{FF2B5EF4-FFF2-40B4-BE49-F238E27FC236}">
-                    <a16:creationId xmlns:a16="http://schemas.microsoft.com/office/drawing/2014/main" id="{6A9068D2-8329-41DC-982F-F32A19FD5FBC}"/>
+                    <a16:creationId xmlns:a16="http://schemas.microsoft.com/office/drawing/2014/main" xmlns="" id="{6A9068D2-8329-41DC-982F-F32A19FD5FBC}"/>
                   </a:ext>
                 </a:extLst>
               </p:cNvPr>
@@ -8928,7 +9858,7 @@
             <p:cNvPr id="148" name="Minimize - Maximize - Close">
               <a:extLst>
                 <a:ext uri="{FF2B5EF4-FFF2-40B4-BE49-F238E27FC236}">
-                  <a16:creationId xmlns:a16="http://schemas.microsoft.com/office/drawing/2014/main" id="{60B7AE88-F70A-4FDE-9F5C-7BF9DDDE1BC5}"/>
+                  <a16:creationId xmlns:a16="http://schemas.microsoft.com/office/drawing/2014/main" xmlns="" id="{60B7AE88-F70A-4FDE-9F5C-7BF9DDDE1BC5}"/>
                 </a:ext>
               </a:extLst>
             </p:cNvPr>
@@ -8948,7 +9878,7 @@
               <p:cNvPr id="150" name="Line">
                 <a:extLst>
                   <a:ext uri="{FF2B5EF4-FFF2-40B4-BE49-F238E27FC236}">
-                    <a16:creationId xmlns:a16="http://schemas.microsoft.com/office/drawing/2014/main" id="{384D8638-29BC-41FB-9CDC-13650D9EE834}"/>
+                    <a16:creationId xmlns:a16="http://schemas.microsoft.com/office/drawing/2014/main" xmlns="" id="{384D8638-29BC-41FB-9CDC-13650D9EE834}"/>
                   </a:ext>
                 </a:extLst>
               </p:cNvPr>
@@ -8989,7 +9919,7 @@
               <p:cNvPr id="151" name="Line">
                 <a:extLst>
                   <a:ext uri="{FF2B5EF4-FFF2-40B4-BE49-F238E27FC236}">
-                    <a16:creationId xmlns:a16="http://schemas.microsoft.com/office/drawing/2014/main" id="{392DF0B1-48CF-4E36-A4C4-C54AF8AC39CE}"/>
+                    <a16:creationId xmlns:a16="http://schemas.microsoft.com/office/drawing/2014/main" xmlns="" id="{392DF0B1-48CF-4E36-A4C4-C54AF8AC39CE}"/>
                   </a:ext>
                 </a:extLst>
               </p:cNvPr>
@@ -9030,7 +9960,7 @@
               <p:cNvPr id="152" name="Line">
                 <a:extLst>
                   <a:ext uri="{FF2B5EF4-FFF2-40B4-BE49-F238E27FC236}">
-                    <a16:creationId xmlns:a16="http://schemas.microsoft.com/office/drawing/2014/main" id="{DB45F6F9-C133-430F-865C-3DB272A5113C}"/>
+                    <a16:creationId xmlns:a16="http://schemas.microsoft.com/office/drawing/2014/main" xmlns="" id="{DB45F6F9-C133-430F-865C-3DB272A5113C}"/>
                   </a:ext>
                 </a:extLst>
               </p:cNvPr>
@@ -9088,7 +10018,7 @@
               <p:cNvPr id="153" name="Line">
                 <a:extLst>
                   <a:ext uri="{FF2B5EF4-FFF2-40B4-BE49-F238E27FC236}">
-                    <a16:creationId xmlns:a16="http://schemas.microsoft.com/office/drawing/2014/main" id="{0B33DE5D-E871-4812-92D9-41A920778711}"/>
+                    <a16:creationId xmlns:a16="http://schemas.microsoft.com/office/drawing/2014/main" xmlns="" id="{0B33DE5D-E871-4812-92D9-41A920778711}"/>
                   </a:ext>
                 </a:extLst>
               </p:cNvPr>
@@ -9144,7 +10074,7 @@
               <p:cNvPr id="154" name="Line">
                 <a:extLst>
                   <a:ext uri="{FF2B5EF4-FFF2-40B4-BE49-F238E27FC236}">
-                    <a16:creationId xmlns:a16="http://schemas.microsoft.com/office/drawing/2014/main" id="{2523006F-1C9B-4EBF-ADFB-29FB24F312B1}"/>
+                    <a16:creationId xmlns:a16="http://schemas.microsoft.com/office/drawing/2014/main" xmlns="" id="{2523006F-1C9B-4EBF-ADFB-29FB24F312B1}"/>
                   </a:ext>
                 </a:extLst>
               </p:cNvPr>
@@ -9203,7 +10133,7 @@
             <p:cNvPr id="149" name="Oval 4">
               <a:extLst>
                 <a:ext uri="{FF2B5EF4-FFF2-40B4-BE49-F238E27FC236}">
-                  <a16:creationId xmlns:a16="http://schemas.microsoft.com/office/drawing/2014/main" id="{E4962547-6FBC-4667-B25E-C9C6FC34BEF8}"/>
+                  <a16:creationId xmlns:a16="http://schemas.microsoft.com/office/drawing/2014/main" xmlns="" id="{E4962547-6FBC-4667-B25E-C9C6FC34BEF8}"/>
                 </a:ext>
               </a:extLst>
             </p:cNvPr>
@@ -9284,7 +10214,7 @@
           <p:cNvPr id="20" name="Imagem 19" descr="Uma imagem contendo desenho&#10;&#10;Descrição gerada automaticamente">
             <a:extLst>
               <a:ext uri="{FF2B5EF4-FFF2-40B4-BE49-F238E27FC236}">
-                <a16:creationId xmlns:a16="http://schemas.microsoft.com/office/drawing/2014/main" id="{A30E8BBA-642B-44B5-81DA-6AF395A1C26F}"/>
+                <a16:creationId xmlns:a16="http://schemas.microsoft.com/office/drawing/2014/main" xmlns="" id="{A30E8BBA-642B-44B5-81DA-6AF395A1C26F}"/>
               </a:ext>
             </a:extLst>
           </p:cNvPr>
@@ -9320,7 +10250,7 @@
           <p:cNvPr id="2" name="Sinal de Subtração 1">
             <a:extLst>
               <a:ext uri="{FF2B5EF4-FFF2-40B4-BE49-F238E27FC236}">
-                <a16:creationId xmlns:a16="http://schemas.microsoft.com/office/drawing/2014/main" id="{F0A3A827-F224-4362-8C47-270FDDDF17EB}"/>
+                <a16:creationId xmlns:a16="http://schemas.microsoft.com/office/drawing/2014/main" xmlns="" id="{F0A3A827-F224-4362-8C47-270FDDDF17EB}"/>
               </a:ext>
             </a:extLst>
           </p:cNvPr>
@@ -9364,7 +10294,7 @@
           <p:cNvPr id="25" name="Sinal de Subtração 24">
             <a:extLst>
               <a:ext uri="{FF2B5EF4-FFF2-40B4-BE49-F238E27FC236}">
-                <a16:creationId xmlns:a16="http://schemas.microsoft.com/office/drawing/2014/main" id="{BE3BDBA2-3640-49BB-B164-40206DA99792}"/>
+                <a16:creationId xmlns:a16="http://schemas.microsoft.com/office/drawing/2014/main" xmlns="" id="{BE3BDBA2-3640-49BB-B164-40206DA99792}"/>
               </a:ext>
             </a:extLst>
           </p:cNvPr>
@@ -9408,7 +10338,7 @@
           <p:cNvPr id="27" name="Sinal de Subtração 26">
             <a:extLst>
               <a:ext uri="{FF2B5EF4-FFF2-40B4-BE49-F238E27FC236}">
-                <a16:creationId xmlns:a16="http://schemas.microsoft.com/office/drawing/2014/main" id="{6C3FD7EB-9F85-4820-9FFF-1B8B955A26AA}"/>
+                <a16:creationId xmlns:a16="http://schemas.microsoft.com/office/drawing/2014/main" xmlns="" id="{6C3FD7EB-9F85-4820-9FFF-1B8B955A26AA}"/>
               </a:ext>
             </a:extLst>
           </p:cNvPr>
@@ -9454,7 +10384,7 @@
           <p:cNvPr id="6" name="Gráfico 5" descr="Casa">
             <a:extLst>
               <a:ext uri="{FF2B5EF4-FFF2-40B4-BE49-F238E27FC236}">
-                <a16:creationId xmlns:a16="http://schemas.microsoft.com/office/drawing/2014/main" id="{1A60D6A2-79C6-4602-9148-D19D6790596B}"/>
+                <a16:creationId xmlns:a16="http://schemas.microsoft.com/office/drawing/2014/main" xmlns="" id="{1A60D6A2-79C6-4602-9148-D19D6790596B}"/>
               </a:ext>
             </a:extLst>
           </p:cNvPr>
@@ -9464,13 +10394,13 @@
           <p:nvPr/>
         </p:nvPicPr>
         <p:blipFill>
-          <a:blip r:embed="rId4">
+          <a:blip r:embed="rId4" cstate="print">
             <a:extLst>
               <a:ext uri="{28A0092B-C50C-407E-A947-70E740481C1C}">
                 <a14:useLocalDpi xmlns:a14="http://schemas.microsoft.com/office/drawing/2010/main" val="0"/>
               </a:ext>
               <a:ext uri="{96DAC541-7B7A-43D3-8B79-37D633B846F1}">
-                <asvg:svgBlip xmlns:asvg="http://schemas.microsoft.com/office/drawing/2016/SVG/main" r:embed="rId5"/>
+                <asvg:svgBlip xmlns:asvg="http://schemas.microsoft.com/office/drawing/2016/SVG/main" xmlns="" r:embed="rId5"/>
               </a:ext>
             </a:extLst>
           </a:blip>
@@ -9493,7 +10423,7 @@
           <p:cNvPr id="7" name="CaixaDeTexto 6">
             <a:extLst>
               <a:ext uri="{FF2B5EF4-FFF2-40B4-BE49-F238E27FC236}">
-                <a16:creationId xmlns:a16="http://schemas.microsoft.com/office/drawing/2014/main" id="{7EFE299F-DE95-41D1-860E-8850D41BAAA2}"/>
+                <a16:creationId xmlns:a16="http://schemas.microsoft.com/office/drawing/2014/main" xmlns="" id="{7EFE299F-DE95-41D1-860E-8850D41BAAA2}"/>
               </a:ext>
             </a:extLst>
           </p:cNvPr>
@@ -9532,7 +10462,7 @@
           <p:cNvPr id="9" name="Gráfico 8" descr="Usuário">
             <a:extLst>
               <a:ext uri="{FF2B5EF4-FFF2-40B4-BE49-F238E27FC236}">
-                <a16:creationId xmlns:a16="http://schemas.microsoft.com/office/drawing/2014/main" id="{4B361ED4-D344-4BF4-8773-64885EA12882}"/>
+                <a16:creationId xmlns:a16="http://schemas.microsoft.com/office/drawing/2014/main" xmlns="" id="{4B361ED4-D344-4BF4-8773-64885EA12882}"/>
               </a:ext>
             </a:extLst>
           </p:cNvPr>
@@ -9542,13 +10472,13 @@
           <p:nvPr/>
         </p:nvPicPr>
         <p:blipFill>
-          <a:blip r:embed="rId6">
+          <a:blip r:embed="rId6" cstate="print">
             <a:extLst>
               <a:ext uri="{28A0092B-C50C-407E-A947-70E740481C1C}">
                 <a14:useLocalDpi xmlns:a14="http://schemas.microsoft.com/office/drawing/2010/main" val="0"/>
               </a:ext>
               <a:ext uri="{96DAC541-7B7A-43D3-8B79-37D633B846F1}">
-                <asvg:svgBlip xmlns:asvg="http://schemas.microsoft.com/office/drawing/2016/SVG/main" r:embed="rId7"/>
+                <asvg:svgBlip xmlns:asvg="http://schemas.microsoft.com/office/drawing/2016/SVG/main" xmlns="" r:embed="rId7"/>
               </a:ext>
             </a:extLst>
           </a:blip>
@@ -9571,7 +10501,7 @@
           <p:cNvPr id="11" name="Gráfico 10" descr="Gráfico de barras DPE">
             <a:extLst>
               <a:ext uri="{FF2B5EF4-FFF2-40B4-BE49-F238E27FC236}">
-                <a16:creationId xmlns:a16="http://schemas.microsoft.com/office/drawing/2014/main" id="{6BB3CB94-D993-4030-8BE4-C87C81F36FF1}"/>
+                <a16:creationId xmlns:a16="http://schemas.microsoft.com/office/drawing/2014/main" xmlns="" id="{6BB3CB94-D993-4030-8BE4-C87C81F36FF1}"/>
               </a:ext>
             </a:extLst>
           </p:cNvPr>
@@ -9581,13 +10511,13 @@
           <p:nvPr/>
         </p:nvPicPr>
         <p:blipFill>
-          <a:blip r:embed="rId8">
+          <a:blip r:embed="rId8" cstate="print">
             <a:extLst>
               <a:ext uri="{28A0092B-C50C-407E-A947-70E740481C1C}">
                 <a14:useLocalDpi xmlns:a14="http://schemas.microsoft.com/office/drawing/2010/main" val="0"/>
               </a:ext>
               <a:ext uri="{96DAC541-7B7A-43D3-8B79-37D633B846F1}">
-                <asvg:svgBlip xmlns:asvg="http://schemas.microsoft.com/office/drawing/2016/SVG/main" r:embed="rId9"/>
+                <asvg:svgBlip xmlns:asvg="http://schemas.microsoft.com/office/drawing/2016/SVG/main" xmlns="" r:embed="rId9"/>
               </a:ext>
             </a:extLst>
           </a:blip>
@@ -9610,7 +10540,7 @@
           <p:cNvPr id="15" name="Gráfico 14" descr="Documento">
             <a:extLst>
               <a:ext uri="{FF2B5EF4-FFF2-40B4-BE49-F238E27FC236}">
-                <a16:creationId xmlns:a16="http://schemas.microsoft.com/office/drawing/2014/main" id="{AAE4F48C-595A-4C11-8E63-0C6FA9E734CC}"/>
+                <a16:creationId xmlns:a16="http://schemas.microsoft.com/office/drawing/2014/main" xmlns="" id="{AAE4F48C-595A-4C11-8E63-0C6FA9E734CC}"/>
               </a:ext>
             </a:extLst>
           </p:cNvPr>
@@ -9620,13 +10550,13 @@
           <p:nvPr/>
         </p:nvPicPr>
         <p:blipFill>
-          <a:blip r:embed="rId10">
+          <a:blip r:embed="rId10" cstate="print">
             <a:extLst>
               <a:ext uri="{28A0092B-C50C-407E-A947-70E740481C1C}">
                 <a14:useLocalDpi xmlns:a14="http://schemas.microsoft.com/office/drawing/2010/main" val="0"/>
               </a:ext>
               <a:ext uri="{96DAC541-7B7A-43D3-8B79-37D633B846F1}">
-                <asvg:svgBlip xmlns:asvg="http://schemas.microsoft.com/office/drawing/2016/SVG/main" r:embed="rId11"/>
+                <asvg:svgBlip xmlns:asvg="http://schemas.microsoft.com/office/drawing/2016/SVG/main" xmlns="" r:embed="rId11"/>
               </a:ext>
             </a:extLst>
           </a:blip>
@@ -9649,7 +10579,7 @@
           <p:cNvPr id="17" name="Gráfico 16" descr="Campainha">
             <a:extLst>
               <a:ext uri="{FF2B5EF4-FFF2-40B4-BE49-F238E27FC236}">
-                <a16:creationId xmlns:a16="http://schemas.microsoft.com/office/drawing/2014/main" id="{0006797E-7B64-4A94-B102-46F5D48AA908}"/>
+                <a16:creationId xmlns:a16="http://schemas.microsoft.com/office/drawing/2014/main" xmlns="" id="{0006797E-7B64-4A94-B102-46F5D48AA908}"/>
               </a:ext>
             </a:extLst>
           </p:cNvPr>
@@ -9659,13 +10589,13 @@
           <p:nvPr/>
         </p:nvPicPr>
         <p:blipFill>
-          <a:blip r:embed="rId12">
+          <a:blip r:embed="rId12" cstate="print">
             <a:extLst>
               <a:ext uri="{28A0092B-C50C-407E-A947-70E740481C1C}">
                 <a14:useLocalDpi xmlns:a14="http://schemas.microsoft.com/office/drawing/2010/main" val="0"/>
               </a:ext>
               <a:ext uri="{96DAC541-7B7A-43D3-8B79-37D633B846F1}">
-                <asvg:svgBlip xmlns:asvg="http://schemas.microsoft.com/office/drawing/2016/SVG/main" r:embed="rId13"/>
+                <asvg:svgBlip xmlns:asvg="http://schemas.microsoft.com/office/drawing/2016/SVG/main" xmlns="" r:embed="rId13"/>
               </a:ext>
             </a:extLst>
           </a:blip>
@@ -9688,7 +10618,7 @@
           <p:cNvPr id="18" name="CaixaDeTexto 17">
             <a:extLst>
               <a:ext uri="{FF2B5EF4-FFF2-40B4-BE49-F238E27FC236}">
-                <a16:creationId xmlns:a16="http://schemas.microsoft.com/office/drawing/2014/main" id="{C14BF0D4-A2AD-43E3-95AD-3F69FE836100}"/>
+                <a16:creationId xmlns:a16="http://schemas.microsoft.com/office/drawing/2014/main" xmlns="" id="{C14BF0D4-A2AD-43E3-95AD-3F69FE836100}"/>
               </a:ext>
             </a:extLst>
           </p:cNvPr>
@@ -9727,7 +10657,7 @@
           <p:cNvPr id="24" name="Conector reto 23">
             <a:extLst>
               <a:ext uri="{FF2B5EF4-FFF2-40B4-BE49-F238E27FC236}">
-                <a16:creationId xmlns:a16="http://schemas.microsoft.com/office/drawing/2014/main" id="{0D844396-F946-4E56-8648-D1D2718F5C53}"/>
+                <a16:creationId xmlns:a16="http://schemas.microsoft.com/office/drawing/2014/main" xmlns="" id="{0D844396-F946-4E56-8648-D1D2718F5C53}"/>
               </a:ext>
             </a:extLst>
           </p:cNvPr>
@@ -9765,7 +10695,7 @@
           <p:cNvPr id="49" name="Conector reto 48">
             <a:extLst>
               <a:ext uri="{FF2B5EF4-FFF2-40B4-BE49-F238E27FC236}">
-                <a16:creationId xmlns:a16="http://schemas.microsoft.com/office/drawing/2014/main" id="{5CF38BB3-8AFA-423A-92D5-45EE870CB5BA}"/>
+                <a16:creationId xmlns:a16="http://schemas.microsoft.com/office/drawing/2014/main" xmlns="" id="{5CF38BB3-8AFA-423A-92D5-45EE870CB5BA}"/>
               </a:ext>
             </a:extLst>
           </p:cNvPr>
@@ -9803,7 +10733,7 @@
           <p:cNvPr id="50" name="CaixaDeTexto 49">
             <a:extLst>
               <a:ext uri="{FF2B5EF4-FFF2-40B4-BE49-F238E27FC236}">
-                <a16:creationId xmlns:a16="http://schemas.microsoft.com/office/drawing/2014/main" id="{66FB4123-E708-403E-8BF8-90D4B6EB2D15}"/>
+                <a16:creationId xmlns:a16="http://schemas.microsoft.com/office/drawing/2014/main" xmlns="" id="{66FB4123-E708-403E-8BF8-90D4B6EB2D15}"/>
               </a:ext>
             </a:extLst>
           </p:cNvPr>
@@ -9842,7 +10772,7 @@
           <p:cNvPr id="51" name="Conector reto 50">
             <a:extLst>
               <a:ext uri="{FF2B5EF4-FFF2-40B4-BE49-F238E27FC236}">
-                <a16:creationId xmlns:a16="http://schemas.microsoft.com/office/drawing/2014/main" id="{75F264C3-6C3D-4963-A963-19DC5C0CF9CA}"/>
+                <a16:creationId xmlns:a16="http://schemas.microsoft.com/office/drawing/2014/main" xmlns="" id="{75F264C3-6C3D-4963-A963-19DC5C0CF9CA}"/>
               </a:ext>
             </a:extLst>
           </p:cNvPr>
@@ -9880,7 +10810,7 @@
           <p:cNvPr id="52" name="CaixaDeTexto 51">
             <a:extLst>
               <a:ext uri="{FF2B5EF4-FFF2-40B4-BE49-F238E27FC236}">
-                <a16:creationId xmlns:a16="http://schemas.microsoft.com/office/drawing/2014/main" id="{848A1A23-4612-4768-997C-8C6F1F157E82}"/>
+                <a16:creationId xmlns:a16="http://schemas.microsoft.com/office/drawing/2014/main" xmlns="" id="{848A1A23-4612-4768-997C-8C6F1F157E82}"/>
               </a:ext>
             </a:extLst>
           </p:cNvPr>
@@ -9919,7 +10849,7 @@
           <p:cNvPr id="55" name="Gráfico 54" descr="Lápis">
             <a:extLst>
               <a:ext uri="{FF2B5EF4-FFF2-40B4-BE49-F238E27FC236}">
-                <a16:creationId xmlns:a16="http://schemas.microsoft.com/office/drawing/2014/main" id="{C5C2EBDB-EB58-409E-93DD-7C2BD6755A6B}"/>
+                <a16:creationId xmlns:a16="http://schemas.microsoft.com/office/drawing/2014/main" xmlns="" id="{C5C2EBDB-EB58-409E-93DD-7C2BD6755A6B}"/>
               </a:ext>
             </a:extLst>
           </p:cNvPr>
@@ -9929,13 +10859,13 @@
           <p:nvPr/>
         </p:nvPicPr>
         <p:blipFill>
-          <a:blip r:embed="rId14">
+          <a:blip r:embed="rId14" cstate="print">
             <a:extLst>
               <a:ext uri="{28A0092B-C50C-407E-A947-70E740481C1C}">
                 <a14:useLocalDpi xmlns:a14="http://schemas.microsoft.com/office/drawing/2010/main" val="0"/>
               </a:ext>
               <a:ext uri="{96DAC541-7B7A-43D3-8B79-37D633B846F1}">
-                <asvg:svgBlip xmlns:asvg="http://schemas.microsoft.com/office/drawing/2016/SVG/main" r:embed="rId15"/>
+                <asvg:svgBlip xmlns:asvg="http://schemas.microsoft.com/office/drawing/2016/SVG/main" xmlns="" r:embed="rId15"/>
               </a:ext>
             </a:extLst>
           </a:blip>
@@ -9958,7 +10888,7 @@
           <p:cNvPr id="56" name="CaixaDeTexto 55">
             <a:extLst>
               <a:ext uri="{FF2B5EF4-FFF2-40B4-BE49-F238E27FC236}">
-                <a16:creationId xmlns:a16="http://schemas.microsoft.com/office/drawing/2014/main" id="{2C2FE01F-CE4C-4943-B711-F366E7870A30}"/>
+                <a16:creationId xmlns:a16="http://schemas.microsoft.com/office/drawing/2014/main" xmlns="" id="{2C2FE01F-CE4C-4943-B711-F366E7870A30}"/>
               </a:ext>
             </a:extLst>
           </p:cNvPr>
@@ -9997,7 +10927,7 @@
           <p:cNvPr id="57" name="Conector reto 56">
             <a:extLst>
               <a:ext uri="{FF2B5EF4-FFF2-40B4-BE49-F238E27FC236}">
-                <a16:creationId xmlns:a16="http://schemas.microsoft.com/office/drawing/2014/main" id="{897A4396-AD85-497A-965B-C2653F47EA1F}"/>
+                <a16:creationId xmlns:a16="http://schemas.microsoft.com/office/drawing/2014/main" xmlns="" id="{897A4396-AD85-497A-965B-C2653F47EA1F}"/>
               </a:ext>
             </a:extLst>
           </p:cNvPr>
@@ -10035,7 +10965,7 @@
           <p:cNvPr id="33" name="CaixaDeTexto 32">
             <a:extLst>
               <a:ext uri="{FF2B5EF4-FFF2-40B4-BE49-F238E27FC236}">
-                <a16:creationId xmlns:a16="http://schemas.microsoft.com/office/drawing/2014/main" id="{3CD6435B-C8D9-41A0-8E2A-B86E84A7AAC3}"/>
+                <a16:creationId xmlns:a16="http://schemas.microsoft.com/office/drawing/2014/main" xmlns="" id="{3CD6435B-C8D9-41A0-8E2A-B86E84A7AAC3}"/>
               </a:ext>
             </a:extLst>
           </p:cNvPr>
@@ -10074,7 +11004,7 @@
           <p:cNvPr id="38" name="Gráfico 37" descr="Usuário">
             <a:extLst>
               <a:ext uri="{FF2B5EF4-FFF2-40B4-BE49-F238E27FC236}">
-                <a16:creationId xmlns:a16="http://schemas.microsoft.com/office/drawing/2014/main" id="{BE2DC6B1-14CF-48C5-9734-361581013160}"/>
+                <a16:creationId xmlns:a16="http://schemas.microsoft.com/office/drawing/2014/main" xmlns="" id="{BE2DC6B1-14CF-48C5-9734-361581013160}"/>
               </a:ext>
             </a:extLst>
           </p:cNvPr>
@@ -10084,13 +11014,13 @@
           <p:nvPr/>
         </p:nvPicPr>
         <p:blipFill>
-          <a:blip r:embed="rId16">
+          <a:blip r:embed="rId16" cstate="print">
             <a:extLst>
               <a:ext uri="{28A0092B-C50C-407E-A947-70E740481C1C}">
                 <a14:useLocalDpi xmlns:a14="http://schemas.microsoft.com/office/drawing/2010/main" val="0"/>
               </a:ext>
               <a:ext uri="{96DAC541-7B7A-43D3-8B79-37D633B846F1}">
-                <asvg:svgBlip xmlns:asvg="http://schemas.microsoft.com/office/drawing/2016/SVG/main" r:embed="rId17"/>
+                <asvg:svgBlip xmlns:asvg="http://schemas.microsoft.com/office/drawing/2016/SVG/main" xmlns="" r:embed="rId17"/>
               </a:ext>
             </a:extLst>
           </a:blip>
@@ -10113,7 +11043,7 @@
           <p:cNvPr id="64" name="CaixaDeTexto 63">
             <a:extLst>
               <a:ext uri="{FF2B5EF4-FFF2-40B4-BE49-F238E27FC236}">
-                <a16:creationId xmlns:a16="http://schemas.microsoft.com/office/drawing/2014/main" id="{052FCC92-29E9-46D9-A0A3-D0EA152596D6}"/>
+                <a16:creationId xmlns:a16="http://schemas.microsoft.com/office/drawing/2014/main" xmlns="" id="{052FCC92-29E9-46D9-A0A3-D0EA152596D6}"/>
               </a:ext>
             </a:extLst>
           </p:cNvPr>
@@ -10157,7 +11087,7 @@
           <p:cNvPr id="39" name="CaixaDeTexto 38">
             <a:extLst>
               <a:ext uri="{FF2B5EF4-FFF2-40B4-BE49-F238E27FC236}">
-                <a16:creationId xmlns:a16="http://schemas.microsoft.com/office/drawing/2014/main" id="{5BE273A4-FC49-45EB-A980-E3DCC8CF6F07}"/>
+                <a16:creationId xmlns:a16="http://schemas.microsoft.com/office/drawing/2014/main" xmlns="" id="{5BE273A4-FC49-45EB-A980-E3DCC8CF6F07}"/>
               </a:ext>
             </a:extLst>
           </p:cNvPr>
@@ -10197,7 +11127,7 @@
           <p:cNvPr id="42" name="Gráfico 41">
             <a:extLst>
               <a:ext uri="{FF2B5EF4-FFF2-40B4-BE49-F238E27FC236}">
-                <a16:creationId xmlns:a16="http://schemas.microsoft.com/office/drawing/2014/main" id="{5F64C9B7-B84E-4408-A313-60F494C75F77}"/>
+                <a16:creationId xmlns:a16="http://schemas.microsoft.com/office/drawing/2014/main" xmlns="" id="{5F64C9B7-B84E-4408-A313-60F494C75F77}"/>
               </a:ext>
             </a:extLst>
           </p:cNvPr>
@@ -10225,7 +11155,7 @@
           <p:cNvPr id="48" name="Gráfico 47">
             <a:extLst>
               <a:ext uri="{FF2B5EF4-FFF2-40B4-BE49-F238E27FC236}">
-                <a16:creationId xmlns:a16="http://schemas.microsoft.com/office/drawing/2014/main" id="{F7E826BB-ACE4-4E05-A06D-26725C740E75}"/>
+                <a16:creationId xmlns:a16="http://schemas.microsoft.com/office/drawing/2014/main" xmlns="" id="{F7E826BB-ACE4-4E05-A06D-26725C740E75}"/>
               </a:ext>
             </a:extLst>
           </p:cNvPr>
@@ -10253,7 +11183,7 @@
           <p:cNvPr id="53" name="CaixaDeTexto 52">
             <a:extLst>
               <a:ext uri="{FF2B5EF4-FFF2-40B4-BE49-F238E27FC236}">
-                <a16:creationId xmlns:a16="http://schemas.microsoft.com/office/drawing/2014/main" id="{F57C8CF2-B1FF-4275-9485-89E66B95EA2E}"/>
+                <a16:creationId xmlns:a16="http://schemas.microsoft.com/office/drawing/2014/main" xmlns="" id="{F57C8CF2-B1FF-4275-9485-89E66B95EA2E}"/>
               </a:ext>
             </a:extLst>
           </p:cNvPr>
@@ -10288,7 +11218,7 @@
           <p:cNvPr id="58" name="Gráfico 57" descr="Usuário">
             <a:extLst>
               <a:ext uri="{FF2B5EF4-FFF2-40B4-BE49-F238E27FC236}">
-                <a16:creationId xmlns:a16="http://schemas.microsoft.com/office/drawing/2014/main" id="{D4358DED-7619-47B3-830D-FE3BBAE6B6AF}"/>
+                <a16:creationId xmlns:a16="http://schemas.microsoft.com/office/drawing/2014/main" xmlns="" id="{D4358DED-7619-47B3-830D-FE3BBAE6B6AF}"/>
               </a:ext>
             </a:extLst>
           </p:cNvPr>
@@ -10298,13 +11228,13 @@
           <p:nvPr/>
         </p:nvPicPr>
         <p:blipFill>
-          <a:blip r:embed="rId20">
+          <a:blip r:embed="rId20" cstate="print">
             <a:extLst>
               <a:ext uri="{28A0092B-C50C-407E-A947-70E740481C1C}">
                 <a14:useLocalDpi xmlns:a14="http://schemas.microsoft.com/office/drawing/2010/main" val="0"/>
               </a:ext>
               <a:ext uri="{96DAC541-7B7A-43D3-8B79-37D633B846F1}">
-                <asvg:svgBlip xmlns:asvg="http://schemas.microsoft.com/office/drawing/2016/SVG/main" r:embed="rId21"/>
+                <asvg:svgBlip xmlns:asvg="http://schemas.microsoft.com/office/drawing/2016/SVG/main" xmlns="" r:embed="rId21"/>
               </a:ext>
             </a:extLst>
           </a:blip>
@@ -10327,7 +11257,7 @@
           <p:cNvPr id="59" name="CaixaDeTexto 58">
             <a:extLst>
               <a:ext uri="{FF2B5EF4-FFF2-40B4-BE49-F238E27FC236}">
-                <a16:creationId xmlns:a16="http://schemas.microsoft.com/office/drawing/2014/main" id="{17B02C98-0713-4C57-B4B1-0A07F962DB24}"/>
+                <a16:creationId xmlns:a16="http://schemas.microsoft.com/office/drawing/2014/main" xmlns="" id="{17B02C98-0713-4C57-B4B1-0A07F962DB24}"/>
               </a:ext>
             </a:extLst>
           </p:cNvPr>
@@ -10375,7 +11305,7 @@
           <p:cNvPr id="61" name="Gráfico 60" descr="Área de Transferência">
             <a:extLst>
               <a:ext uri="{FF2B5EF4-FFF2-40B4-BE49-F238E27FC236}">
-                <a16:creationId xmlns:a16="http://schemas.microsoft.com/office/drawing/2014/main" id="{A9DC9805-C887-45B9-A10B-B172AA35B7C5}"/>
+                <a16:creationId xmlns:a16="http://schemas.microsoft.com/office/drawing/2014/main" xmlns="" id="{A9DC9805-C887-45B9-A10B-B172AA35B7C5}"/>
               </a:ext>
             </a:extLst>
           </p:cNvPr>
@@ -10391,7 +11321,7 @@
                 <a14:useLocalDpi xmlns:a14="http://schemas.microsoft.com/office/drawing/2010/main" val="0"/>
               </a:ext>
               <a:ext uri="{96DAC541-7B7A-43D3-8B79-37D633B846F1}">
-                <asvg:svgBlip xmlns:asvg="http://schemas.microsoft.com/office/drawing/2016/SVG/main" r:embed="rId23"/>
+                <asvg:svgBlip xmlns:asvg="http://schemas.microsoft.com/office/drawing/2016/SVG/main" xmlns="" r:embed="rId23"/>
               </a:ext>
             </a:extLst>
           </a:blip>
@@ -10414,7 +11344,7 @@
           <p:cNvPr id="62" name="CaixaDeTexto 61">
             <a:extLst>
               <a:ext uri="{FF2B5EF4-FFF2-40B4-BE49-F238E27FC236}">
-                <a16:creationId xmlns:a16="http://schemas.microsoft.com/office/drawing/2014/main" id="{0A9C3182-7AC9-4F5D-8180-80CFF40C7E77}"/>
+                <a16:creationId xmlns:a16="http://schemas.microsoft.com/office/drawing/2014/main" xmlns="" id="{0A9C3182-7AC9-4F5D-8180-80CFF40C7E77}"/>
               </a:ext>
             </a:extLst>
           </p:cNvPr>
@@ -10455,7 +11385,7 @@
           <p:cNvPr id="65" name="Gráfico 64" descr="Computador">
             <a:extLst>
               <a:ext uri="{FF2B5EF4-FFF2-40B4-BE49-F238E27FC236}">
-                <a16:creationId xmlns:a16="http://schemas.microsoft.com/office/drawing/2014/main" id="{A9209AA7-CB6B-45FA-B7C3-F46DB9AD10CD}"/>
+                <a16:creationId xmlns:a16="http://schemas.microsoft.com/office/drawing/2014/main" xmlns="" id="{A9209AA7-CB6B-45FA-B7C3-F46DB9AD10CD}"/>
               </a:ext>
             </a:extLst>
           </p:cNvPr>
@@ -10465,13 +11395,13 @@
           <p:nvPr/>
         </p:nvPicPr>
         <p:blipFill>
-          <a:blip r:embed="rId24">
+          <a:blip r:embed="rId24" cstate="print">
             <a:extLst>
               <a:ext uri="{28A0092B-C50C-407E-A947-70E740481C1C}">
                 <a14:useLocalDpi xmlns:a14="http://schemas.microsoft.com/office/drawing/2010/main" val="0"/>
               </a:ext>
               <a:ext uri="{96DAC541-7B7A-43D3-8B79-37D633B846F1}">
-                <asvg:svgBlip xmlns:asvg="http://schemas.microsoft.com/office/drawing/2016/SVG/main" r:embed="rId25"/>
+                <asvg:svgBlip xmlns:asvg="http://schemas.microsoft.com/office/drawing/2016/SVG/main" xmlns="" r:embed="rId25"/>
               </a:ext>
             </a:extLst>
           </a:blip>
@@ -10494,7 +11424,7 @@
           <p:cNvPr id="85" name="Conector reto 84">
             <a:extLst>
               <a:ext uri="{FF2B5EF4-FFF2-40B4-BE49-F238E27FC236}">
-                <a16:creationId xmlns:a16="http://schemas.microsoft.com/office/drawing/2014/main" id="{3442E7BD-AFE8-4C09-844B-B4F6053C2E91}"/>
+                <a16:creationId xmlns:a16="http://schemas.microsoft.com/office/drawing/2014/main" xmlns="" id="{3442E7BD-AFE8-4C09-844B-B4F6053C2E91}"/>
               </a:ext>
             </a:extLst>
           </p:cNvPr>
@@ -10532,7 +11462,7 @@
           <p:cNvPr id="86" name="CaixaDeTexto 85">
             <a:extLst>
               <a:ext uri="{FF2B5EF4-FFF2-40B4-BE49-F238E27FC236}">
-                <a16:creationId xmlns:a16="http://schemas.microsoft.com/office/drawing/2014/main" id="{12A1D37F-2DD8-462F-BCEF-05E86BCBAFC2}"/>
+                <a16:creationId xmlns:a16="http://schemas.microsoft.com/office/drawing/2014/main" xmlns="" id="{12A1D37F-2DD8-462F-BCEF-05E86BCBAFC2}"/>
               </a:ext>
             </a:extLst>
           </p:cNvPr>
@@ -10584,7 +11514,7 @@
 </p:sld>
 </file>
 
-<file path=ppt/slides/slide12.xml><?xml version="1.0" encoding="utf-8"?>
+<file path=ppt/slides/slide13.xml><?xml version="1.0" encoding="utf-8"?>
 <p:sld xmlns:a="http://schemas.openxmlformats.org/drawingml/2006/main" xmlns:r="http://schemas.openxmlformats.org/officeDocument/2006/relationships" xmlns:p="http://schemas.openxmlformats.org/presentationml/2006/main">
   <p:cSld>
     <p:spTree>
@@ -10606,7 +11536,7 @@
           <p:cNvPr id="146" name="Window">
             <a:extLst>
               <a:ext uri="{FF2B5EF4-FFF2-40B4-BE49-F238E27FC236}">
-                <a16:creationId xmlns:a16="http://schemas.microsoft.com/office/drawing/2014/main" id="{E4B544D0-2191-4905-852A-BA206D416694}"/>
+                <a16:creationId xmlns:a16="http://schemas.microsoft.com/office/drawing/2014/main" xmlns="" id="{E4B544D0-2191-4905-852A-BA206D416694}"/>
               </a:ext>
             </a:extLst>
           </p:cNvPr>
@@ -10630,7 +11560,7 @@
             <p:cNvPr id="147" name="Group 2">
               <a:extLst>
                 <a:ext uri="{FF2B5EF4-FFF2-40B4-BE49-F238E27FC236}">
-                  <a16:creationId xmlns:a16="http://schemas.microsoft.com/office/drawing/2014/main" id="{1AEF0781-E99B-4E1B-9B80-AE3E876B7AAC}"/>
+                  <a16:creationId xmlns:a16="http://schemas.microsoft.com/office/drawing/2014/main" xmlns="" id="{1AEF0781-E99B-4E1B-9B80-AE3E876B7AAC}"/>
                 </a:ext>
               </a:extLst>
             </p:cNvPr>
@@ -10650,7 +11580,7 @@
               <p:cNvPr id="155" name="Rectangle 10">
                 <a:extLst>
                   <a:ext uri="{FF2B5EF4-FFF2-40B4-BE49-F238E27FC236}">
-                    <a16:creationId xmlns:a16="http://schemas.microsoft.com/office/drawing/2014/main" id="{FC2EE137-310F-4872-9082-541463F0AAB8}"/>
+                    <a16:creationId xmlns:a16="http://schemas.microsoft.com/office/drawing/2014/main" xmlns="" id="{FC2EE137-310F-4872-9082-541463F0AAB8}"/>
                   </a:ext>
                 </a:extLst>
               </p:cNvPr>
@@ -10700,7 +11630,7 @@
               <p:cNvPr id="156" name="Rectangle 11">
                 <a:extLst>
                   <a:ext uri="{FF2B5EF4-FFF2-40B4-BE49-F238E27FC236}">
-                    <a16:creationId xmlns:a16="http://schemas.microsoft.com/office/drawing/2014/main" id="{E9A9D393-3F22-4A57-8913-26E012AF2C6E}"/>
+                    <a16:creationId xmlns:a16="http://schemas.microsoft.com/office/drawing/2014/main" xmlns="" id="{E9A9D393-3F22-4A57-8913-26E012AF2C6E}"/>
                   </a:ext>
                 </a:extLst>
               </p:cNvPr>
@@ -10748,7 +11678,7 @@
               <p:cNvPr id="157" name="WindowTitle">
                 <a:extLst>
                   <a:ext uri="{FF2B5EF4-FFF2-40B4-BE49-F238E27FC236}">
-                    <a16:creationId xmlns:a16="http://schemas.microsoft.com/office/drawing/2014/main" id="{6A9068D2-8329-41DC-982F-F32A19FD5FBC}"/>
+                    <a16:creationId xmlns:a16="http://schemas.microsoft.com/office/drawing/2014/main" xmlns="" id="{6A9068D2-8329-41DC-982F-F32A19FD5FBC}"/>
                   </a:ext>
                 </a:extLst>
               </p:cNvPr>
@@ -10791,7 +11721,7 @@
             <p:cNvPr id="148" name="Minimize - Maximize - Close">
               <a:extLst>
                 <a:ext uri="{FF2B5EF4-FFF2-40B4-BE49-F238E27FC236}">
-                  <a16:creationId xmlns:a16="http://schemas.microsoft.com/office/drawing/2014/main" id="{60B7AE88-F70A-4FDE-9F5C-7BF9DDDE1BC5}"/>
+                  <a16:creationId xmlns:a16="http://schemas.microsoft.com/office/drawing/2014/main" xmlns="" id="{60B7AE88-F70A-4FDE-9F5C-7BF9DDDE1BC5}"/>
                 </a:ext>
               </a:extLst>
             </p:cNvPr>
@@ -10811,7 +11741,7 @@
               <p:cNvPr id="150" name="Line">
                 <a:extLst>
                   <a:ext uri="{FF2B5EF4-FFF2-40B4-BE49-F238E27FC236}">
-                    <a16:creationId xmlns:a16="http://schemas.microsoft.com/office/drawing/2014/main" id="{384D8638-29BC-41FB-9CDC-13650D9EE834}"/>
+                    <a16:creationId xmlns:a16="http://schemas.microsoft.com/office/drawing/2014/main" xmlns="" id="{384D8638-29BC-41FB-9CDC-13650D9EE834}"/>
                   </a:ext>
                 </a:extLst>
               </p:cNvPr>
@@ -10852,7 +11782,7 @@
               <p:cNvPr id="151" name="Line">
                 <a:extLst>
                   <a:ext uri="{FF2B5EF4-FFF2-40B4-BE49-F238E27FC236}">
-                    <a16:creationId xmlns:a16="http://schemas.microsoft.com/office/drawing/2014/main" id="{392DF0B1-48CF-4E36-A4C4-C54AF8AC39CE}"/>
+                    <a16:creationId xmlns:a16="http://schemas.microsoft.com/office/drawing/2014/main" xmlns="" id="{392DF0B1-48CF-4E36-A4C4-C54AF8AC39CE}"/>
                   </a:ext>
                 </a:extLst>
               </p:cNvPr>
@@ -10893,7 +11823,7 @@
               <p:cNvPr id="152" name="Line">
                 <a:extLst>
                   <a:ext uri="{FF2B5EF4-FFF2-40B4-BE49-F238E27FC236}">
-                    <a16:creationId xmlns:a16="http://schemas.microsoft.com/office/drawing/2014/main" id="{DB45F6F9-C133-430F-865C-3DB272A5113C}"/>
+                    <a16:creationId xmlns:a16="http://schemas.microsoft.com/office/drawing/2014/main" xmlns="" id="{DB45F6F9-C133-430F-865C-3DB272A5113C}"/>
                   </a:ext>
                 </a:extLst>
               </p:cNvPr>
@@ -10951,7 +11881,7 @@
               <p:cNvPr id="153" name="Line">
                 <a:extLst>
                   <a:ext uri="{FF2B5EF4-FFF2-40B4-BE49-F238E27FC236}">
-                    <a16:creationId xmlns:a16="http://schemas.microsoft.com/office/drawing/2014/main" id="{0B33DE5D-E871-4812-92D9-41A920778711}"/>
+                    <a16:creationId xmlns:a16="http://schemas.microsoft.com/office/drawing/2014/main" xmlns="" id="{0B33DE5D-E871-4812-92D9-41A920778711}"/>
                   </a:ext>
                 </a:extLst>
               </p:cNvPr>
@@ -11007,7 +11937,7 @@
               <p:cNvPr id="154" name="Line">
                 <a:extLst>
                   <a:ext uri="{FF2B5EF4-FFF2-40B4-BE49-F238E27FC236}">
-                    <a16:creationId xmlns:a16="http://schemas.microsoft.com/office/drawing/2014/main" id="{2523006F-1C9B-4EBF-ADFB-29FB24F312B1}"/>
+                    <a16:creationId xmlns:a16="http://schemas.microsoft.com/office/drawing/2014/main" xmlns="" id="{2523006F-1C9B-4EBF-ADFB-29FB24F312B1}"/>
                   </a:ext>
                 </a:extLst>
               </p:cNvPr>
@@ -11066,7 +11996,7 @@
             <p:cNvPr id="149" name="Oval 4">
               <a:extLst>
                 <a:ext uri="{FF2B5EF4-FFF2-40B4-BE49-F238E27FC236}">
-                  <a16:creationId xmlns:a16="http://schemas.microsoft.com/office/drawing/2014/main" id="{E4962547-6FBC-4667-B25E-C9C6FC34BEF8}"/>
+                  <a16:creationId xmlns:a16="http://schemas.microsoft.com/office/drawing/2014/main" xmlns="" id="{E4962547-6FBC-4667-B25E-C9C6FC34BEF8}"/>
                 </a:ext>
               </a:extLst>
             </p:cNvPr>
@@ -11147,7 +12077,7 @@
           <p:cNvPr id="20" name="Imagem 19" descr="Uma imagem contendo desenho&#10;&#10;Descrição gerada automaticamente">
             <a:extLst>
               <a:ext uri="{FF2B5EF4-FFF2-40B4-BE49-F238E27FC236}">
-                <a16:creationId xmlns:a16="http://schemas.microsoft.com/office/drawing/2014/main" id="{A30E8BBA-642B-44B5-81DA-6AF395A1C26F}"/>
+                <a16:creationId xmlns:a16="http://schemas.microsoft.com/office/drawing/2014/main" xmlns="" id="{A30E8BBA-642B-44B5-81DA-6AF395A1C26F}"/>
               </a:ext>
             </a:extLst>
           </p:cNvPr>
@@ -11183,7 +12113,7 @@
           <p:cNvPr id="2" name="Sinal de Subtração 1">
             <a:extLst>
               <a:ext uri="{FF2B5EF4-FFF2-40B4-BE49-F238E27FC236}">
-                <a16:creationId xmlns:a16="http://schemas.microsoft.com/office/drawing/2014/main" id="{F0A3A827-F224-4362-8C47-270FDDDF17EB}"/>
+                <a16:creationId xmlns:a16="http://schemas.microsoft.com/office/drawing/2014/main" xmlns="" id="{F0A3A827-F224-4362-8C47-270FDDDF17EB}"/>
               </a:ext>
             </a:extLst>
           </p:cNvPr>
@@ -11227,7 +12157,7 @@
           <p:cNvPr id="25" name="Sinal de Subtração 24">
             <a:extLst>
               <a:ext uri="{FF2B5EF4-FFF2-40B4-BE49-F238E27FC236}">
-                <a16:creationId xmlns:a16="http://schemas.microsoft.com/office/drawing/2014/main" id="{BE3BDBA2-3640-49BB-B164-40206DA99792}"/>
+                <a16:creationId xmlns:a16="http://schemas.microsoft.com/office/drawing/2014/main" xmlns="" id="{BE3BDBA2-3640-49BB-B164-40206DA99792}"/>
               </a:ext>
             </a:extLst>
           </p:cNvPr>
@@ -11271,7 +12201,7 @@
           <p:cNvPr id="27" name="Sinal de Subtração 26">
             <a:extLst>
               <a:ext uri="{FF2B5EF4-FFF2-40B4-BE49-F238E27FC236}">
-                <a16:creationId xmlns:a16="http://schemas.microsoft.com/office/drawing/2014/main" id="{6C3FD7EB-9F85-4820-9FFF-1B8B955A26AA}"/>
+                <a16:creationId xmlns:a16="http://schemas.microsoft.com/office/drawing/2014/main" xmlns="" id="{6C3FD7EB-9F85-4820-9FFF-1B8B955A26AA}"/>
               </a:ext>
             </a:extLst>
           </p:cNvPr>
@@ -11317,7 +12247,7 @@
           <p:cNvPr id="6" name="Gráfico 5" descr="Casa">
             <a:extLst>
               <a:ext uri="{FF2B5EF4-FFF2-40B4-BE49-F238E27FC236}">
-                <a16:creationId xmlns:a16="http://schemas.microsoft.com/office/drawing/2014/main" id="{1A60D6A2-79C6-4602-9148-D19D6790596B}"/>
+                <a16:creationId xmlns:a16="http://schemas.microsoft.com/office/drawing/2014/main" xmlns="" id="{1A60D6A2-79C6-4602-9148-D19D6790596B}"/>
               </a:ext>
             </a:extLst>
           </p:cNvPr>
@@ -11327,13 +12257,13 @@
           <p:nvPr/>
         </p:nvPicPr>
         <p:blipFill>
-          <a:blip r:embed="rId4">
+          <a:blip r:embed="rId4" cstate="print">
             <a:extLst>
               <a:ext uri="{28A0092B-C50C-407E-A947-70E740481C1C}">
                 <a14:useLocalDpi xmlns:a14="http://schemas.microsoft.com/office/drawing/2010/main" val="0"/>
               </a:ext>
               <a:ext uri="{96DAC541-7B7A-43D3-8B79-37D633B846F1}">
-                <asvg:svgBlip xmlns:asvg="http://schemas.microsoft.com/office/drawing/2016/SVG/main" r:embed="rId5"/>
+                <asvg:svgBlip xmlns:asvg="http://schemas.microsoft.com/office/drawing/2016/SVG/main" xmlns="" r:embed="rId5"/>
               </a:ext>
             </a:extLst>
           </a:blip>
@@ -11356,7 +12286,7 @@
           <p:cNvPr id="7" name="CaixaDeTexto 6">
             <a:extLst>
               <a:ext uri="{FF2B5EF4-FFF2-40B4-BE49-F238E27FC236}">
-                <a16:creationId xmlns:a16="http://schemas.microsoft.com/office/drawing/2014/main" id="{7EFE299F-DE95-41D1-860E-8850D41BAAA2}"/>
+                <a16:creationId xmlns:a16="http://schemas.microsoft.com/office/drawing/2014/main" xmlns="" id="{7EFE299F-DE95-41D1-860E-8850D41BAAA2}"/>
               </a:ext>
             </a:extLst>
           </p:cNvPr>
@@ -11395,7 +12325,7 @@
           <p:cNvPr id="9" name="Gráfico 8" descr="Usuário">
             <a:extLst>
               <a:ext uri="{FF2B5EF4-FFF2-40B4-BE49-F238E27FC236}">
-                <a16:creationId xmlns:a16="http://schemas.microsoft.com/office/drawing/2014/main" id="{4B361ED4-D344-4BF4-8773-64885EA12882}"/>
+                <a16:creationId xmlns:a16="http://schemas.microsoft.com/office/drawing/2014/main" xmlns="" id="{4B361ED4-D344-4BF4-8773-64885EA12882}"/>
               </a:ext>
             </a:extLst>
           </p:cNvPr>
@@ -11405,13 +12335,13 @@
           <p:nvPr/>
         </p:nvPicPr>
         <p:blipFill>
-          <a:blip r:embed="rId6">
+          <a:blip r:embed="rId6" cstate="print">
             <a:extLst>
               <a:ext uri="{28A0092B-C50C-407E-A947-70E740481C1C}">
                 <a14:useLocalDpi xmlns:a14="http://schemas.microsoft.com/office/drawing/2010/main" val="0"/>
               </a:ext>
               <a:ext uri="{96DAC541-7B7A-43D3-8B79-37D633B846F1}">
-                <asvg:svgBlip xmlns:asvg="http://schemas.microsoft.com/office/drawing/2016/SVG/main" r:embed="rId7"/>
+                <asvg:svgBlip xmlns:asvg="http://schemas.microsoft.com/office/drawing/2016/SVG/main" xmlns="" r:embed="rId7"/>
               </a:ext>
             </a:extLst>
           </a:blip>
@@ -11434,7 +12364,7 @@
           <p:cNvPr id="11" name="Gráfico 10" descr="Gráfico de barras DPE">
             <a:extLst>
               <a:ext uri="{FF2B5EF4-FFF2-40B4-BE49-F238E27FC236}">
-                <a16:creationId xmlns:a16="http://schemas.microsoft.com/office/drawing/2014/main" id="{6BB3CB94-D993-4030-8BE4-C87C81F36FF1}"/>
+                <a16:creationId xmlns:a16="http://schemas.microsoft.com/office/drawing/2014/main" xmlns="" id="{6BB3CB94-D993-4030-8BE4-C87C81F36FF1}"/>
               </a:ext>
             </a:extLst>
           </p:cNvPr>
@@ -11444,13 +12374,13 @@
           <p:nvPr/>
         </p:nvPicPr>
         <p:blipFill>
-          <a:blip r:embed="rId8">
+          <a:blip r:embed="rId8" cstate="print">
             <a:extLst>
               <a:ext uri="{28A0092B-C50C-407E-A947-70E740481C1C}">
                 <a14:useLocalDpi xmlns:a14="http://schemas.microsoft.com/office/drawing/2010/main" val="0"/>
               </a:ext>
               <a:ext uri="{96DAC541-7B7A-43D3-8B79-37D633B846F1}">
-                <asvg:svgBlip xmlns:asvg="http://schemas.microsoft.com/office/drawing/2016/SVG/main" r:embed="rId9"/>
+                <asvg:svgBlip xmlns:asvg="http://schemas.microsoft.com/office/drawing/2016/SVG/main" xmlns="" r:embed="rId9"/>
               </a:ext>
             </a:extLst>
           </a:blip>
@@ -11473,7 +12403,7 @@
           <p:cNvPr id="15" name="Gráfico 14" descr="Documento">
             <a:extLst>
               <a:ext uri="{FF2B5EF4-FFF2-40B4-BE49-F238E27FC236}">
-                <a16:creationId xmlns:a16="http://schemas.microsoft.com/office/drawing/2014/main" id="{AAE4F48C-595A-4C11-8E63-0C6FA9E734CC}"/>
+                <a16:creationId xmlns:a16="http://schemas.microsoft.com/office/drawing/2014/main" xmlns="" id="{AAE4F48C-595A-4C11-8E63-0C6FA9E734CC}"/>
               </a:ext>
             </a:extLst>
           </p:cNvPr>
@@ -11483,13 +12413,13 @@
           <p:nvPr/>
         </p:nvPicPr>
         <p:blipFill>
-          <a:blip r:embed="rId10">
+          <a:blip r:embed="rId10" cstate="print">
             <a:extLst>
               <a:ext uri="{28A0092B-C50C-407E-A947-70E740481C1C}">
                 <a14:useLocalDpi xmlns:a14="http://schemas.microsoft.com/office/drawing/2010/main" val="0"/>
               </a:ext>
               <a:ext uri="{96DAC541-7B7A-43D3-8B79-37D633B846F1}">
-                <asvg:svgBlip xmlns:asvg="http://schemas.microsoft.com/office/drawing/2016/SVG/main" r:embed="rId11"/>
+                <asvg:svgBlip xmlns:asvg="http://schemas.microsoft.com/office/drawing/2016/SVG/main" xmlns="" r:embed="rId11"/>
               </a:ext>
             </a:extLst>
           </a:blip>
@@ -11512,7 +12442,7 @@
           <p:cNvPr id="17" name="Gráfico 16" descr="Campainha">
             <a:extLst>
               <a:ext uri="{FF2B5EF4-FFF2-40B4-BE49-F238E27FC236}">
-                <a16:creationId xmlns:a16="http://schemas.microsoft.com/office/drawing/2014/main" id="{0006797E-7B64-4A94-B102-46F5D48AA908}"/>
+                <a16:creationId xmlns:a16="http://schemas.microsoft.com/office/drawing/2014/main" xmlns="" id="{0006797E-7B64-4A94-B102-46F5D48AA908}"/>
               </a:ext>
             </a:extLst>
           </p:cNvPr>
@@ -11522,13 +12452,13 @@
           <p:nvPr/>
         </p:nvPicPr>
         <p:blipFill>
-          <a:blip r:embed="rId12">
+          <a:blip r:embed="rId12" cstate="print">
             <a:extLst>
               <a:ext uri="{28A0092B-C50C-407E-A947-70E740481C1C}">
                 <a14:useLocalDpi xmlns:a14="http://schemas.microsoft.com/office/drawing/2010/main" val="0"/>
               </a:ext>
               <a:ext uri="{96DAC541-7B7A-43D3-8B79-37D633B846F1}">
-                <asvg:svgBlip xmlns:asvg="http://schemas.microsoft.com/office/drawing/2016/SVG/main" r:embed="rId13"/>
+                <asvg:svgBlip xmlns:asvg="http://schemas.microsoft.com/office/drawing/2016/SVG/main" xmlns="" r:embed="rId13"/>
               </a:ext>
             </a:extLst>
           </a:blip>
@@ -11551,7 +12481,7 @@
           <p:cNvPr id="18" name="CaixaDeTexto 17">
             <a:extLst>
               <a:ext uri="{FF2B5EF4-FFF2-40B4-BE49-F238E27FC236}">
-                <a16:creationId xmlns:a16="http://schemas.microsoft.com/office/drawing/2014/main" id="{C14BF0D4-A2AD-43E3-95AD-3F69FE836100}"/>
+                <a16:creationId xmlns:a16="http://schemas.microsoft.com/office/drawing/2014/main" xmlns="" id="{C14BF0D4-A2AD-43E3-95AD-3F69FE836100}"/>
               </a:ext>
             </a:extLst>
           </p:cNvPr>
@@ -11590,7 +12520,7 @@
           <p:cNvPr id="24" name="Conector reto 23">
             <a:extLst>
               <a:ext uri="{FF2B5EF4-FFF2-40B4-BE49-F238E27FC236}">
-                <a16:creationId xmlns:a16="http://schemas.microsoft.com/office/drawing/2014/main" id="{0D844396-F946-4E56-8648-D1D2718F5C53}"/>
+                <a16:creationId xmlns:a16="http://schemas.microsoft.com/office/drawing/2014/main" xmlns="" id="{0D844396-F946-4E56-8648-D1D2718F5C53}"/>
               </a:ext>
             </a:extLst>
           </p:cNvPr>
@@ -11628,7 +12558,7 @@
           <p:cNvPr id="49" name="Conector reto 48">
             <a:extLst>
               <a:ext uri="{FF2B5EF4-FFF2-40B4-BE49-F238E27FC236}">
-                <a16:creationId xmlns:a16="http://schemas.microsoft.com/office/drawing/2014/main" id="{5CF38BB3-8AFA-423A-92D5-45EE870CB5BA}"/>
+                <a16:creationId xmlns:a16="http://schemas.microsoft.com/office/drawing/2014/main" xmlns="" id="{5CF38BB3-8AFA-423A-92D5-45EE870CB5BA}"/>
               </a:ext>
             </a:extLst>
           </p:cNvPr>
@@ -11666,7 +12596,7 @@
           <p:cNvPr id="50" name="CaixaDeTexto 49">
             <a:extLst>
               <a:ext uri="{FF2B5EF4-FFF2-40B4-BE49-F238E27FC236}">
-                <a16:creationId xmlns:a16="http://schemas.microsoft.com/office/drawing/2014/main" id="{66FB4123-E708-403E-8BF8-90D4B6EB2D15}"/>
+                <a16:creationId xmlns:a16="http://schemas.microsoft.com/office/drawing/2014/main" xmlns="" id="{66FB4123-E708-403E-8BF8-90D4B6EB2D15}"/>
               </a:ext>
             </a:extLst>
           </p:cNvPr>
@@ -11705,7 +12635,7 @@
           <p:cNvPr id="51" name="Conector reto 50">
             <a:extLst>
               <a:ext uri="{FF2B5EF4-FFF2-40B4-BE49-F238E27FC236}">
-                <a16:creationId xmlns:a16="http://schemas.microsoft.com/office/drawing/2014/main" id="{75F264C3-6C3D-4963-A963-19DC5C0CF9CA}"/>
+                <a16:creationId xmlns:a16="http://schemas.microsoft.com/office/drawing/2014/main" xmlns="" id="{75F264C3-6C3D-4963-A963-19DC5C0CF9CA}"/>
               </a:ext>
             </a:extLst>
           </p:cNvPr>
@@ -11743,7 +12673,7 @@
           <p:cNvPr id="52" name="CaixaDeTexto 51">
             <a:extLst>
               <a:ext uri="{FF2B5EF4-FFF2-40B4-BE49-F238E27FC236}">
-                <a16:creationId xmlns:a16="http://schemas.microsoft.com/office/drawing/2014/main" id="{848A1A23-4612-4768-997C-8C6F1F157E82}"/>
+                <a16:creationId xmlns:a16="http://schemas.microsoft.com/office/drawing/2014/main" xmlns="" id="{848A1A23-4612-4768-997C-8C6F1F157E82}"/>
               </a:ext>
             </a:extLst>
           </p:cNvPr>
@@ -11782,7 +12712,7 @@
           <p:cNvPr id="55" name="Gráfico 54" descr="Lápis">
             <a:extLst>
               <a:ext uri="{FF2B5EF4-FFF2-40B4-BE49-F238E27FC236}">
-                <a16:creationId xmlns:a16="http://schemas.microsoft.com/office/drawing/2014/main" id="{C5C2EBDB-EB58-409E-93DD-7C2BD6755A6B}"/>
+                <a16:creationId xmlns:a16="http://schemas.microsoft.com/office/drawing/2014/main" xmlns="" id="{C5C2EBDB-EB58-409E-93DD-7C2BD6755A6B}"/>
               </a:ext>
             </a:extLst>
           </p:cNvPr>
@@ -11792,13 +12722,13 @@
           <p:nvPr/>
         </p:nvPicPr>
         <p:blipFill>
-          <a:blip r:embed="rId14">
+          <a:blip r:embed="rId14" cstate="print">
             <a:extLst>
               <a:ext uri="{28A0092B-C50C-407E-A947-70E740481C1C}">
                 <a14:useLocalDpi xmlns:a14="http://schemas.microsoft.com/office/drawing/2010/main" val="0"/>
               </a:ext>
               <a:ext uri="{96DAC541-7B7A-43D3-8B79-37D633B846F1}">
-                <asvg:svgBlip xmlns:asvg="http://schemas.microsoft.com/office/drawing/2016/SVG/main" r:embed="rId15"/>
+                <asvg:svgBlip xmlns:asvg="http://schemas.microsoft.com/office/drawing/2016/SVG/main" xmlns="" r:embed="rId15"/>
               </a:ext>
             </a:extLst>
           </a:blip>
@@ -11821,7 +12751,7 @@
           <p:cNvPr id="56" name="CaixaDeTexto 55">
             <a:extLst>
               <a:ext uri="{FF2B5EF4-FFF2-40B4-BE49-F238E27FC236}">
-                <a16:creationId xmlns:a16="http://schemas.microsoft.com/office/drawing/2014/main" id="{2C2FE01F-CE4C-4943-B711-F366E7870A30}"/>
+                <a16:creationId xmlns:a16="http://schemas.microsoft.com/office/drawing/2014/main" xmlns="" id="{2C2FE01F-CE4C-4943-B711-F366E7870A30}"/>
               </a:ext>
             </a:extLst>
           </p:cNvPr>
@@ -11860,7 +12790,7 @@
           <p:cNvPr id="57" name="Conector reto 56">
             <a:extLst>
               <a:ext uri="{FF2B5EF4-FFF2-40B4-BE49-F238E27FC236}">
-                <a16:creationId xmlns:a16="http://schemas.microsoft.com/office/drawing/2014/main" id="{897A4396-AD85-497A-965B-C2653F47EA1F}"/>
+                <a16:creationId xmlns:a16="http://schemas.microsoft.com/office/drawing/2014/main" xmlns="" id="{897A4396-AD85-497A-965B-C2653F47EA1F}"/>
               </a:ext>
             </a:extLst>
           </p:cNvPr>
@@ -11898,7 +12828,7 @@
           <p:cNvPr id="33" name="CaixaDeTexto 32">
             <a:extLst>
               <a:ext uri="{FF2B5EF4-FFF2-40B4-BE49-F238E27FC236}">
-                <a16:creationId xmlns:a16="http://schemas.microsoft.com/office/drawing/2014/main" id="{3CD6435B-C8D9-41A0-8E2A-B86E84A7AAC3}"/>
+                <a16:creationId xmlns:a16="http://schemas.microsoft.com/office/drawing/2014/main" xmlns="" id="{3CD6435B-C8D9-41A0-8E2A-B86E84A7AAC3}"/>
               </a:ext>
             </a:extLst>
           </p:cNvPr>
@@ -11937,7 +12867,7 @@
           <p:cNvPr id="38" name="Gráfico 37" descr="Usuário">
             <a:extLst>
               <a:ext uri="{FF2B5EF4-FFF2-40B4-BE49-F238E27FC236}">
-                <a16:creationId xmlns:a16="http://schemas.microsoft.com/office/drawing/2014/main" id="{BE2DC6B1-14CF-48C5-9734-361581013160}"/>
+                <a16:creationId xmlns:a16="http://schemas.microsoft.com/office/drawing/2014/main" xmlns="" id="{BE2DC6B1-14CF-48C5-9734-361581013160}"/>
               </a:ext>
             </a:extLst>
           </p:cNvPr>
@@ -11947,13 +12877,13 @@
           <p:nvPr/>
         </p:nvPicPr>
         <p:blipFill>
-          <a:blip r:embed="rId16">
+          <a:blip r:embed="rId16" cstate="print">
             <a:extLst>
               <a:ext uri="{28A0092B-C50C-407E-A947-70E740481C1C}">
                 <a14:useLocalDpi xmlns:a14="http://schemas.microsoft.com/office/drawing/2010/main" val="0"/>
               </a:ext>
               <a:ext uri="{96DAC541-7B7A-43D3-8B79-37D633B846F1}">
-                <asvg:svgBlip xmlns:asvg="http://schemas.microsoft.com/office/drawing/2016/SVG/main" r:embed="rId17"/>
+                <asvg:svgBlip xmlns:asvg="http://schemas.microsoft.com/office/drawing/2016/SVG/main" xmlns="" r:embed="rId17"/>
               </a:ext>
             </a:extLst>
           </a:blip>
@@ -11976,7 +12906,7 @@
           <p:cNvPr id="64" name="CaixaDeTexto 63">
             <a:extLst>
               <a:ext uri="{FF2B5EF4-FFF2-40B4-BE49-F238E27FC236}">
-                <a16:creationId xmlns:a16="http://schemas.microsoft.com/office/drawing/2014/main" id="{052FCC92-29E9-46D9-A0A3-D0EA152596D6}"/>
+                <a16:creationId xmlns:a16="http://schemas.microsoft.com/office/drawing/2014/main" xmlns="" id="{052FCC92-29E9-46D9-A0A3-D0EA152596D6}"/>
               </a:ext>
             </a:extLst>
           </p:cNvPr>
@@ -12020,7 +12950,7 @@
           <p:cNvPr id="42" name="Gráfico 41">
             <a:extLst>
               <a:ext uri="{FF2B5EF4-FFF2-40B4-BE49-F238E27FC236}">
-                <a16:creationId xmlns:a16="http://schemas.microsoft.com/office/drawing/2014/main" id="{5F64C9B7-B84E-4408-A313-60F494C75F77}"/>
+                <a16:creationId xmlns:a16="http://schemas.microsoft.com/office/drawing/2014/main" xmlns="" id="{5F64C9B7-B84E-4408-A313-60F494C75F77}"/>
               </a:ext>
             </a:extLst>
           </p:cNvPr>
@@ -12042,7 +12972,7 @@
           <p:cNvPr id="48" name="Gráfico 47">
             <a:extLst>
               <a:ext uri="{FF2B5EF4-FFF2-40B4-BE49-F238E27FC236}">
-                <a16:creationId xmlns:a16="http://schemas.microsoft.com/office/drawing/2014/main" id="{F7E826BB-ACE4-4E05-A06D-26725C740E75}"/>
+                <a16:creationId xmlns:a16="http://schemas.microsoft.com/office/drawing/2014/main" xmlns="" id="{F7E826BB-ACE4-4E05-A06D-26725C740E75}"/>
               </a:ext>
             </a:extLst>
           </p:cNvPr>
@@ -12064,7 +12994,7 @@
           <p:cNvPr id="53" name="CaixaDeTexto 52">
             <a:extLst>
               <a:ext uri="{FF2B5EF4-FFF2-40B4-BE49-F238E27FC236}">
-                <a16:creationId xmlns:a16="http://schemas.microsoft.com/office/drawing/2014/main" id="{F57C8CF2-B1FF-4275-9485-89E66B95EA2E}"/>
+                <a16:creationId xmlns:a16="http://schemas.microsoft.com/office/drawing/2014/main" xmlns="" id="{F57C8CF2-B1FF-4275-9485-89E66B95EA2E}"/>
               </a:ext>
             </a:extLst>
           </p:cNvPr>
@@ -12099,7 +13029,7 @@
           <p:cNvPr id="58" name="Gráfico 57" descr="Usuário">
             <a:extLst>
               <a:ext uri="{FF2B5EF4-FFF2-40B4-BE49-F238E27FC236}">
-                <a16:creationId xmlns:a16="http://schemas.microsoft.com/office/drawing/2014/main" id="{D4358DED-7619-47B3-830D-FE3BBAE6B6AF}"/>
+                <a16:creationId xmlns:a16="http://schemas.microsoft.com/office/drawing/2014/main" xmlns="" id="{D4358DED-7619-47B3-830D-FE3BBAE6B6AF}"/>
               </a:ext>
             </a:extLst>
           </p:cNvPr>
@@ -12109,13 +13039,13 @@
           <p:nvPr/>
         </p:nvPicPr>
         <p:blipFill>
-          <a:blip r:embed="rId20">
+          <a:blip r:embed="rId20" cstate="print">
             <a:extLst>
               <a:ext uri="{28A0092B-C50C-407E-A947-70E740481C1C}">
                 <a14:useLocalDpi xmlns:a14="http://schemas.microsoft.com/office/drawing/2010/main" val="0"/>
               </a:ext>
               <a:ext uri="{96DAC541-7B7A-43D3-8B79-37D633B846F1}">
-                <asvg:svgBlip xmlns:asvg="http://schemas.microsoft.com/office/drawing/2016/SVG/main" r:embed="rId21"/>
+                <asvg:svgBlip xmlns:asvg="http://schemas.microsoft.com/office/drawing/2016/SVG/main" xmlns="" r:embed="rId21"/>
               </a:ext>
             </a:extLst>
           </a:blip>
@@ -12138,7 +13068,7 @@
           <p:cNvPr id="59" name="CaixaDeTexto 58">
             <a:extLst>
               <a:ext uri="{FF2B5EF4-FFF2-40B4-BE49-F238E27FC236}">
-                <a16:creationId xmlns:a16="http://schemas.microsoft.com/office/drawing/2014/main" id="{17B02C98-0713-4C57-B4B1-0A07F962DB24}"/>
+                <a16:creationId xmlns:a16="http://schemas.microsoft.com/office/drawing/2014/main" xmlns="" id="{17B02C98-0713-4C57-B4B1-0A07F962DB24}"/>
               </a:ext>
             </a:extLst>
           </p:cNvPr>
@@ -12186,7 +13116,7 @@
           <p:cNvPr id="61" name="Gráfico 60" descr="Área de Transferência">
             <a:extLst>
               <a:ext uri="{FF2B5EF4-FFF2-40B4-BE49-F238E27FC236}">
-                <a16:creationId xmlns:a16="http://schemas.microsoft.com/office/drawing/2014/main" id="{A9DC9805-C887-45B9-A10B-B172AA35B7C5}"/>
+                <a16:creationId xmlns:a16="http://schemas.microsoft.com/office/drawing/2014/main" xmlns="" id="{A9DC9805-C887-45B9-A10B-B172AA35B7C5}"/>
               </a:ext>
             </a:extLst>
           </p:cNvPr>
@@ -12202,7 +13132,7 @@
                 <a14:useLocalDpi xmlns:a14="http://schemas.microsoft.com/office/drawing/2010/main" val="0"/>
               </a:ext>
               <a:ext uri="{96DAC541-7B7A-43D3-8B79-37D633B846F1}">
-                <asvg:svgBlip xmlns:asvg="http://schemas.microsoft.com/office/drawing/2016/SVG/main" r:embed="rId23"/>
+                <asvg:svgBlip xmlns:asvg="http://schemas.microsoft.com/office/drawing/2016/SVG/main" xmlns="" r:embed="rId23"/>
               </a:ext>
             </a:extLst>
           </a:blip>
@@ -12225,7 +13155,7 @@
           <p:cNvPr id="62" name="CaixaDeTexto 61">
             <a:extLst>
               <a:ext uri="{FF2B5EF4-FFF2-40B4-BE49-F238E27FC236}">
-                <a16:creationId xmlns:a16="http://schemas.microsoft.com/office/drawing/2014/main" id="{0A9C3182-7AC9-4F5D-8180-80CFF40C7E77}"/>
+                <a16:creationId xmlns:a16="http://schemas.microsoft.com/office/drawing/2014/main" xmlns="" id="{0A9C3182-7AC9-4F5D-8180-80CFF40C7E77}"/>
               </a:ext>
             </a:extLst>
           </p:cNvPr>
@@ -12266,7 +13196,7 @@
           <p:cNvPr id="65" name="Gráfico 64" descr="Computador">
             <a:extLst>
               <a:ext uri="{FF2B5EF4-FFF2-40B4-BE49-F238E27FC236}">
-                <a16:creationId xmlns:a16="http://schemas.microsoft.com/office/drawing/2014/main" id="{A9209AA7-CB6B-45FA-B7C3-F46DB9AD10CD}"/>
+                <a16:creationId xmlns:a16="http://schemas.microsoft.com/office/drawing/2014/main" xmlns="" id="{A9209AA7-CB6B-45FA-B7C3-F46DB9AD10CD}"/>
               </a:ext>
             </a:extLst>
           </p:cNvPr>
@@ -12276,13 +13206,13 @@
           <p:nvPr/>
         </p:nvPicPr>
         <p:blipFill>
-          <a:blip r:embed="rId24">
+          <a:blip r:embed="rId24" cstate="print">
             <a:extLst>
               <a:ext uri="{28A0092B-C50C-407E-A947-70E740481C1C}">
                 <a14:useLocalDpi xmlns:a14="http://schemas.microsoft.com/office/drawing/2010/main" val="0"/>
               </a:ext>
               <a:ext uri="{96DAC541-7B7A-43D3-8B79-37D633B846F1}">
-                <asvg:svgBlip xmlns:asvg="http://schemas.microsoft.com/office/drawing/2016/SVG/main" r:embed="rId25"/>
+                <asvg:svgBlip xmlns:asvg="http://schemas.microsoft.com/office/drawing/2016/SVG/main" xmlns="" r:embed="rId25"/>
               </a:ext>
             </a:extLst>
           </a:blip>
@@ -12305,7 +13235,7 @@
           <p:cNvPr id="85" name="Conector reto 84">
             <a:extLst>
               <a:ext uri="{FF2B5EF4-FFF2-40B4-BE49-F238E27FC236}">
-                <a16:creationId xmlns:a16="http://schemas.microsoft.com/office/drawing/2014/main" id="{3442E7BD-AFE8-4C09-844B-B4F6053C2E91}"/>
+                <a16:creationId xmlns:a16="http://schemas.microsoft.com/office/drawing/2014/main" xmlns="" id="{3442E7BD-AFE8-4C09-844B-B4F6053C2E91}"/>
               </a:ext>
             </a:extLst>
           </p:cNvPr>
@@ -12343,7 +13273,7 @@
           <p:cNvPr id="86" name="CaixaDeTexto 85">
             <a:extLst>
               <a:ext uri="{FF2B5EF4-FFF2-40B4-BE49-F238E27FC236}">
-                <a16:creationId xmlns:a16="http://schemas.microsoft.com/office/drawing/2014/main" id="{12A1D37F-2DD8-462F-BCEF-05E86BCBAFC2}"/>
+                <a16:creationId xmlns:a16="http://schemas.microsoft.com/office/drawing/2014/main" xmlns="" id="{12A1D37F-2DD8-462F-BCEF-05E86BCBAFC2}"/>
               </a:ext>
             </a:extLst>
           </p:cNvPr>
@@ -12387,7 +13317,7 @@
           <p:cNvPr id="47" name="Gráfico 46" descr="Aviso">
             <a:extLst>
               <a:ext uri="{FF2B5EF4-FFF2-40B4-BE49-F238E27FC236}">
-                <a16:creationId xmlns:a16="http://schemas.microsoft.com/office/drawing/2014/main" id="{11F07AFD-4F7F-43B5-BC2E-E6B441F528B4}"/>
+                <a16:creationId xmlns:a16="http://schemas.microsoft.com/office/drawing/2014/main" xmlns="" id="{11F07AFD-4F7F-43B5-BC2E-E6B441F528B4}"/>
               </a:ext>
             </a:extLst>
           </p:cNvPr>
@@ -12397,13 +13327,13 @@
           <p:nvPr/>
         </p:nvPicPr>
         <p:blipFill>
-          <a:blip r:embed="rId26">
+          <a:blip r:embed="rId26" cstate="print">
             <a:extLst>
               <a:ext uri="{28A0092B-C50C-407E-A947-70E740481C1C}">
                 <a14:useLocalDpi xmlns:a14="http://schemas.microsoft.com/office/drawing/2010/main" val="0"/>
               </a:ext>
               <a:ext uri="{96DAC541-7B7A-43D3-8B79-37D633B846F1}">
-                <asvg:svgBlip xmlns:asvg="http://schemas.microsoft.com/office/drawing/2016/SVG/main" r:embed="rId27"/>
+                <asvg:svgBlip xmlns:asvg="http://schemas.microsoft.com/office/drawing/2016/SVG/main" xmlns="" r:embed="rId27"/>
               </a:ext>
             </a:extLst>
           </a:blip>
@@ -12426,7 +13356,7 @@
           <p:cNvPr id="54" name="CaixaDeTexto 53">
             <a:extLst>
               <a:ext uri="{FF2B5EF4-FFF2-40B4-BE49-F238E27FC236}">
-                <a16:creationId xmlns:a16="http://schemas.microsoft.com/office/drawing/2014/main" id="{6B13CC89-A5DB-4845-99B8-A1E0B35CA538}"/>
+                <a16:creationId xmlns:a16="http://schemas.microsoft.com/office/drawing/2014/main" xmlns="" id="{6B13CC89-A5DB-4845-99B8-A1E0B35CA538}"/>
               </a:ext>
             </a:extLst>
           </p:cNvPr>
@@ -12466,7 +13396,7 @@
           <p:cNvPr id="63" name="Fluxograma: Conector 62">
             <a:extLst>
               <a:ext uri="{FF2B5EF4-FFF2-40B4-BE49-F238E27FC236}">
-                <a16:creationId xmlns:a16="http://schemas.microsoft.com/office/drawing/2014/main" id="{B421EE2D-CA36-4F47-848D-76A2031B23C8}"/>
+                <a16:creationId xmlns:a16="http://schemas.microsoft.com/office/drawing/2014/main" xmlns="" id="{B421EE2D-CA36-4F47-848D-76A2031B23C8}"/>
               </a:ext>
             </a:extLst>
           </p:cNvPr>
@@ -12512,7 +13442,7 @@
           <p:cNvPr id="3" name="CaixaDeTexto 2">
             <a:extLst>
               <a:ext uri="{FF2B5EF4-FFF2-40B4-BE49-F238E27FC236}">
-                <a16:creationId xmlns:a16="http://schemas.microsoft.com/office/drawing/2014/main" id="{D08EB57D-F33C-41E5-AA6B-06B4F7DBBC2D}"/>
+                <a16:creationId xmlns:a16="http://schemas.microsoft.com/office/drawing/2014/main" xmlns="" id="{D08EB57D-F33C-41E5-AA6B-06B4F7DBBC2D}"/>
               </a:ext>
             </a:extLst>
           </p:cNvPr>
@@ -12577,7 +13507,7 @@
           <p:cNvPr id="4" name="Title 3">
             <a:extLst>
               <a:ext uri="{FF2B5EF4-FFF2-40B4-BE49-F238E27FC236}">
-                <a16:creationId xmlns:a16="http://schemas.microsoft.com/office/drawing/2014/main" id="{FDE57658-89CD-45F1-918C-DDF77908E483}"/>
+                <a16:creationId xmlns:a16="http://schemas.microsoft.com/office/drawing/2014/main" xmlns="" id="{FDE57658-89CD-45F1-918C-DDF77908E483}"/>
               </a:ext>
             </a:extLst>
           </p:cNvPr>
@@ -12808,7 +13738,7 @@
       </p:grpSpPr>
       <p:pic>
         <p:nvPicPr>
-          <p:cNvPr id="3" name="Imagem 2"/>
+          <p:cNvPr id="4" name="Imagem 3"/>
           <p:cNvPicPr>
             <a:picLocks noChangeAspect="1"/>
           </p:cNvPicPr>
@@ -12829,7 +13759,7 @@
         <p:spPr>
           <a:xfrm>
             <a:off x="2164296" y="1194298"/>
-            <a:ext cx="7992196" cy="5339867"/>
+            <a:ext cx="7992196" cy="5341001"/>
           </a:xfrm>
           <a:prstGeom prst="rect">
             <a:avLst/>
@@ -12868,7 +13798,7 @@
       </p:grpSpPr>
       <p:pic>
         <p:nvPicPr>
-          <p:cNvPr id="3" name="Imagem 2"/>
+          <p:cNvPr id="4" name="Imagem 3"/>
           <p:cNvPicPr>
             <a:picLocks noChangeAspect="1"/>
           </p:cNvPicPr>
@@ -12889,7 +13819,7 @@
         <p:spPr>
           <a:xfrm>
             <a:off x="2164296" y="1227885"/>
-            <a:ext cx="7992196" cy="5332037"/>
+            <a:ext cx="7992196" cy="5345263"/>
           </a:xfrm>
           <a:prstGeom prst="rect">
             <a:avLst/>
@@ -12928,20 +13858,20 @@
       </p:grpSpPr>
       <p:pic>
         <p:nvPicPr>
-          <p:cNvPr id="2" name="Imagem 3" descr="Uma imagem contendo captura de tela&#10;&#10;Descrição gerada com muito alta confiança">
-            <a:extLst>
-              <a:ext uri="{FF2B5EF4-FFF2-40B4-BE49-F238E27FC236}">
-                <a16:creationId xmlns:a16="http://schemas.microsoft.com/office/drawing/2014/main" id="{AC0892C8-2386-4C05-B051-846F810B5EB9}"/>
-              </a:ext>
-            </a:extLst>
-          </p:cNvPr>
+          <p:cNvPr id="5" name="Imagem 4"/>
           <p:cNvPicPr>
             <a:picLocks noChangeAspect="1"/>
           </p:cNvPicPr>
           <p:nvPr/>
         </p:nvPicPr>
         <p:blipFill>
-          <a:blip r:embed="rId2"/>
+          <a:blip r:embed="rId2">
+            <a:extLst>
+              <a:ext uri="{28A0092B-C50C-407E-A947-70E740481C1C}">
+                <a14:useLocalDpi xmlns:a14="http://schemas.microsoft.com/office/drawing/2010/main" val="0"/>
+              </a:ext>
+            </a:extLst>
+          </a:blip>
           <a:stretch>
             <a:fillRect/>
           </a:stretch>
@@ -12949,7 +13879,7 @@
         <p:spPr>
           <a:xfrm>
             <a:off x="2107721" y="1150093"/>
-            <a:ext cx="7990934" cy="5334193"/>
+            <a:ext cx="7990934" cy="5339128"/>
           </a:xfrm>
           <a:prstGeom prst="rect">
             <a:avLst/>
@@ -12988,15 +13918,9 @@
       </p:grpSpPr>
       <p:pic>
         <p:nvPicPr>
-          <p:cNvPr id="2050" name="Picture 2">
-            <a:extLst>
-              <a:ext uri="{FF2B5EF4-FFF2-40B4-BE49-F238E27FC236}">
-                <a16:creationId xmlns:a16="http://schemas.microsoft.com/office/drawing/2014/main" id="{78679F10-75E9-45A5-82CE-D070353DDA06}"/>
-              </a:ext>
-            </a:extLst>
-          </p:cNvPr>
+          <p:cNvPr id="4" name="Imagem 3"/>
           <p:cNvPicPr>
-            <a:picLocks noChangeAspect="1" noChangeArrowheads="1"/>
+            <a:picLocks noChangeAspect="1"/>
           </p:cNvPicPr>
           <p:nvPr/>
         </p:nvPicPr>
@@ -13008,29 +13932,18 @@
               </a:ext>
             </a:extLst>
           </a:blip>
-          <a:srcRect/>
           <a:stretch>
             <a:fillRect/>
           </a:stretch>
         </p:blipFill>
-        <p:spPr bwMode="auto">
+        <p:spPr>
           <a:xfrm>
             <a:off x="2100533" y="1107890"/>
-            <a:ext cx="7990934" cy="5341688"/>
+            <a:ext cx="8040805" cy="5376396"/>
           </a:xfrm>
           <a:prstGeom prst="rect">
             <a:avLst/>
           </a:prstGeom>
-          <a:noFill/>
-          <a:extLst>
-            <a:ext uri="{909E8E84-426E-40DD-AFC4-6F175D3DCCD1}">
-              <a14:hiddenFill xmlns:a14="http://schemas.microsoft.com/office/drawing/2010/main">
-                <a:solidFill>
-                  <a:srgbClr val="FFFFFF"/>
-                </a:solidFill>
-              </a14:hiddenFill>
-            </a:ext>
-          </a:extLst>
         </p:spPr>
       </p:pic>
     </p:spTree>
@@ -13063,885 +13976,16 @@
           <a:chExt cx="0" cy="0"/>
         </a:xfrm>
       </p:grpSpPr>
-      <p:grpSp>
-        <p:nvGrpSpPr>
-          <p:cNvPr id="146" name="Window">
-            <a:extLst>
-              <a:ext uri="{FF2B5EF4-FFF2-40B4-BE49-F238E27FC236}">
-                <a16:creationId xmlns:a16="http://schemas.microsoft.com/office/drawing/2014/main" id="{E4B544D0-2191-4905-852A-BA206D416694}"/>
-              </a:ext>
-            </a:extLst>
-          </p:cNvPr>
-          <p:cNvGrpSpPr/>
-          <p:nvPr>
-            <p:custDataLst>
-              <p:custData r:id="rId1"/>
-            </p:custDataLst>
-          </p:nvPr>
-        </p:nvGrpSpPr>
-        <p:grpSpPr>
-          <a:xfrm>
-            <a:off x="0" y="0"/>
-            <a:ext cx="12192000" cy="6858000"/>
-            <a:chOff x="0" y="0"/>
-            <a:chExt cx="9144000" cy="6858000"/>
-          </a:xfrm>
-        </p:grpSpPr>
-        <p:grpSp>
-          <p:nvGrpSpPr>
-            <p:cNvPr id="147" name="Group 2">
-              <a:extLst>
-                <a:ext uri="{FF2B5EF4-FFF2-40B4-BE49-F238E27FC236}">
-                  <a16:creationId xmlns:a16="http://schemas.microsoft.com/office/drawing/2014/main" id="{1AEF0781-E99B-4E1B-9B80-AE3E876B7AAC}"/>
-                </a:ext>
-              </a:extLst>
-            </p:cNvPr>
-            <p:cNvGrpSpPr/>
-            <p:nvPr/>
-          </p:nvGrpSpPr>
-          <p:grpSpPr>
-            <a:xfrm>
-              <a:off x="0" y="0"/>
-              <a:ext cx="9144000" cy="6858000"/>
-              <a:chOff x="0" y="0"/>
-              <a:chExt cx="9144000" cy="6858000"/>
-            </a:xfrm>
-          </p:grpSpPr>
-          <p:sp>
-            <p:nvSpPr>
-              <p:cNvPr id="155" name="Rectangle 10">
-                <a:extLst>
-                  <a:ext uri="{FF2B5EF4-FFF2-40B4-BE49-F238E27FC236}">
-                    <a16:creationId xmlns:a16="http://schemas.microsoft.com/office/drawing/2014/main" id="{FC2EE137-310F-4872-9082-541463F0AAB8}"/>
-                  </a:ext>
-                </a:extLst>
-              </p:cNvPr>
-              <p:cNvSpPr/>
-              <p:nvPr/>
-            </p:nvSpPr>
-            <p:spPr>
-              <a:xfrm>
-                <a:off x="0" y="0"/>
-                <a:ext cx="9144000" cy="6858000"/>
-              </a:xfrm>
-              <a:prstGeom prst="rect">
-                <a:avLst/>
-              </a:prstGeom>
-              <a:solidFill>
-                <a:srgbClr val="FFFFFF">
-                  <a:lumMod val="65000"/>
-                </a:srgbClr>
-              </a:solidFill>
-              <a:ln w="3175" cap="flat" cmpd="sng" algn="ctr">
-                <a:solidFill>
-                  <a:srgbClr val="000000">
-                    <a:lumMod val="50000"/>
-                    <a:lumOff val="50000"/>
-                  </a:srgbClr>
-                </a:solidFill>
-                <a:prstDash val="solid"/>
-              </a:ln>
-              <a:effectLst/>
-            </p:spPr>
-            <p:txBody>
-              <a:bodyPr rtlCol="0" anchor="ctr"/>
-              <a:lstStyle/>
-              <a:p>
-                <a:pPr algn="ctr"/>
-                <a:endParaRPr lang="en-US" sz="800" kern="0">
-                  <a:solidFill>
-                    <a:prstClr val="white"/>
-                  </a:solidFill>
-                  <a:latin typeface="Segoe UI"/>
-                </a:endParaRPr>
-              </a:p>
-            </p:txBody>
-          </p:sp>
-          <p:sp>
-            <p:nvSpPr>
-              <p:cNvPr id="156" name="Rectangle 11">
-                <a:extLst>
-                  <a:ext uri="{FF2B5EF4-FFF2-40B4-BE49-F238E27FC236}">
-                    <a16:creationId xmlns:a16="http://schemas.microsoft.com/office/drawing/2014/main" id="{E9A9D393-3F22-4A57-8913-26E012AF2C6E}"/>
-                  </a:ext>
-                </a:extLst>
-              </p:cNvPr>
-              <p:cNvSpPr/>
-              <p:nvPr/>
-            </p:nvSpPr>
-            <p:spPr>
-              <a:xfrm>
-                <a:off x="76200" y="309484"/>
-                <a:ext cx="8991600" cy="6437733"/>
-              </a:xfrm>
-              <a:prstGeom prst="rect">
-                <a:avLst/>
-              </a:prstGeom>
-              <a:solidFill>
-                <a:sysClr val="window" lastClr="FFFFFF"/>
-              </a:solidFill>
-              <a:ln w="3175" cap="flat" cmpd="sng" algn="ctr">
-                <a:solidFill>
-                  <a:srgbClr val="000000">
-                    <a:lumMod val="50000"/>
-                    <a:lumOff val="50000"/>
-                  </a:srgbClr>
-                </a:solidFill>
-                <a:prstDash val="solid"/>
-              </a:ln>
-              <a:effectLst/>
-            </p:spPr>
-            <p:txBody>
-              <a:bodyPr rtlCol="0" anchor="ctr"/>
-              <a:lstStyle/>
-              <a:p>
-                <a:pPr algn="ctr"/>
-                <a:endParaRPr lang="en-US" sz="800" kern="0">
-                  <a:solidFill>
-                    <a:prstClr val="white"/>
-                  </a:solidFill>
-                  <a:latin typeface="Segoe UI"/>
-                </a:endParaRPr>
-              </a:p>
-            </p:txBody>
-          </p:sp>
-          <p:sp>
-            <p:nvSpPr>
-              <p:cNvPr id="157" name="WindowTitle">
-                <a:extLst>
-                  <a:ext uri="{FF2B5EF4-FFF2-40B4-BE49-F238E27FC236}">
-                    <a16:creationId xmlns:a16="http://schemas.microsoft.com/office/drawing/2014/main" id="{6A9068D2-8329-41DC-982F-F32A19FD5FBC}"/>
-                  </a:ext>
-                </a:extLst>
-              </p:cNvPr>
-              <p:cNvSpPr txBox="1"/>
-              <p:nvPr/>
-            </p:nvSpPr>
-            <p:spPr>
-              <a:xfrm>
-                <a:off x="240976" y="42736"/>
-                <a:ext cx="999313" cy="230832"/>
-              </a:xfrm>
-              <a:prstGeom prst="rect">
-                <a:avLst/>
-              </a:prstGeom>
-              <a:noFill/>
-            </p:spPr>
-            <p:txBody>
-              <a:bodyPr wrap="none" lIns="45720" tIns="18288" rIns="91440" bIns="27432" rtlCol="0" anchor="ctr" anchorCtr="0">
-                <a:spAutoFit/>
-              </a:bodyPr>
-              <a:lstStyle/>
-              <a:p>
-                <a:r>
-                  <a:rPr lang="en-US" sz="1200" dirty="0">
-                    <a:solidFill>
-                      <a:prstClr val="white"/>
-                    </a:solidFill>
-                    <a:latin typeface="Segoe UI" pitchFamily="34" charset="0"/>
-                    <a:ea typeface="Segoe UI" pitchFamily="34" charset="0"/>
-                    <a:cs typeface="Segoe UI" pitchFamily="34" charset="0"/>
-                  </a:rPr>
-                  <a:t>Window title</a:t>
-                </a:r>
-              </a:p>
-            </p:txBody>
-          </p:sp>
-        </p:grpSp>
-        <p:grpSp>
-          <p:nvGrpSpPr>
-            <p:cNvPr id="148" name="Minimize - Maximize - Close">
-              <a:extLst>
-                <a:ext uri="{FF2B5EF4-FFF2-40B4-BE49-F238E27FC236}">
-                  <a16:creationId xmlns:a16="http://schemas.microsoft.com/office/drawing/2014/main" id="{60B7AE88-F70A-4FDE-9F5C-7BF9DDDE1BC5}"/>
-                </a:ext>
-              </a:extLst>
-            </p:cNvPr>
-            <p:cNvGrpSpPr/>
-            <p:nvPr/>
-          </p:nvGrpSpPr>
-          <p:grpSpPr>
-            <a:xfrm>
-              <a:off x="8632311" y="92599"/>
-              <a:ext cx="384527" cy="78032"/>
-              <a:chOff x="9347642" y="131588"/>
-              <a:chExt cx="384527" cy="78032"/>
-            </a:xfrm>
-          </p:grpSpPr>
-          <p:cxnSp>
-            <p:nvCxnSpPr>
-              <p:cNvPr id="150" name="Line">
-                <a:extLst>
-                  <a:ext uri="{FF2B5EF4-FFF2-40B4-BE49-F238E27FC236}">
-                    <a16:creationId xmlns:a16="http://schemas.microsoft.com/office/drawing/2014/main" id="{384D8638-29BC-41FB-9CDC-13650D9EE834}"/>
-                  </a:ext>
-                </a:extLst>
-              </p:cNvPr>
-              <p:cNvCxnSpPr/>
-              <p:nvPr/>
-            </p:nvCxnSpPr>
-            <p:spPr>
-              <a:xfrm>
-                <a:off x="9661396" y="131588"/>
-                <a:ext cx="70773" cy="76200"/>
-              </a:xfrm>
-              <a:prstGeom prst="line">
-                <a:avLst/>
-              </a:prstGeom>
-              <a:ln w="12700">
-                <a:solidFill>
-                  <a:srgbClr val="FFFFFF"/>
-                </a:solidFill>
-              </a:ln>
-            </p:spPr>
-            <p:style>
-              <a:lnRef idx="1">
-                <a:srgbClr val="4F81BD"/>
-              </a:lnRef>
-              <a:fillRef idx="0">
-                <a:srgbClr val="4F81BD"/>
-              </a:fillRef>
-              <a:effectRef idx="0">
-                <a:srgbClr val="4F81BD"/>
-              </a:effectRef>
-              <a:fontRef idx="minor">
-                <a:srgbClr val="000000"/>
-              </a:fontRef>
-            </p:style>
-          </p:cxnSp>
-          <p:cxnSp>
-            <p:nvCxnSpPr>
-              <p:cNvPr id="151" name="Line">
-                <a:extLst>
-                  <a:ext uri="{FF2B5EF4-FFF2-40B4-BE49-F238E27FC236}">
-                    <a16:creationId xmlns:a16="http://schemas.microsoft.com/office/drawing/2014/main" id="{392DF0B1-48CF-4E36-A4C4-C54AF8AC39CE}"/>
-                  </a:ext>
-                </a:extLst>
-              </p:cNvPr>
-              <p:cNvCxnSpPr/>
-              <p:nvPr/>
-            </p:nvCxnSpPr>
-            <p:spPr>
-              <a:xfrm flipH="1">
-                <a:off x="9661395" y="131588"/>
-                <a:ext cx="70773" cy="76200"/>
-              </a:xfrm>
-              <a:prstGeom prst="line">
-                <a:avLst/>
-              </a:prstGeom>
-              <a:ln w="12700">
-                <a:solidFill>
-                  <a:srgbClr val="FFFFFF"/>
-                </a:solidFill>
-              </a:ln>
-            </p:spPr>
-            <p:style>
-              <a:lnRef idx="1">
-                <a:srgbClr val="4F81BD"/>
-              </a:lnRef>
-              <a:fillRef idx="0">
-                <a:srgbClr val="4F81BD"/>
-              </a:fillRef>
-              <a:effectRef idx="0">
-                <a:srgbClr val="4F81BD"/>
-              </a:effectRef>
-              <a:fontRef idx="minor">
-                <a:srgbClr val="000000"/>
-              </a:fontRef>
-            </p:style>
-          </p:cxnSp>
-          <p:sp>
-            <p:nvSpPr>
-              <p:cNvPr id="152" name="Line">
-                <a:extLst>
-                  <a:ext uri="{FF2B5EF4-FFF2-40B4-BE49-F238E27FC236}">
-                    <a16:creationId xmlns:a16="http://schemas.microsoft.com/office/drawing/2014/main" id="{DB45F6F9-C133-430F-865C-3DB272A5113C}"/>
-                  </a:ext>
-                </a:extLst>
-              </p:cNvPr>
-              <p:cNvSpPr/>
-              <p:nvPr/>
-            </p:nvSpPr>
-            <p:spPr>
-              <a:xfrm rot="10800000" flipV="1">
-                <a:off x="9499472" y="143255"/>
-                <a:ext cx="91440" cy="9144"/>
-              </a:xfrm>
-              <a:prstGeom prst="rect">
-                <a:avLst/>
-              </a:prstGeom>
-              <a:solidFill>
-                <a:srgbClr val="919191"/>
-              </a:solidFill>
-              <a:ln w="3175">
-                <a:solidFill>
-                  <a:srgbClr val="FFFFFF"/>
-                </a:solidFill>
-              </a:ln>
-            </p:spPr>
-            <p:style>
-              <a:lnRef idx="2">
-                <a:srgbClr val="4F81BD">
-                  <a:shade val="50000"/>
-                </a:srgbClr>
-              </a:lnRef>
-              <a:fillRef idx="1001">
-                <a:srgbClr val="000000"/>
-              </a:fillRef>
-              <a:effectRef idx="0">
-                <a:srgbClr val="4F81BD"/>
-              </a:effectRef>
-              <a:fontRef idx="minor">
-                <a:srgbClr val="000000"/>
-              </a:fontRef>
-            </p:style>
-            <p:txBody>
-              <a:bodyPr rtlCol="0" anchor="ctr"/>
-              <a:lstStyle/>
-              <a:p>
-                <a:pPr algn="ctr"/>
-                <a:endParaRPr lang="en-US" dirty="0">
-                  <a:solidFill>
-                    <a:prstClr val="white"/>
-                  </a:solidFill>
-                </a:endParaRPr>
-              </a:p>
-            </p:txBody>
-          </p:sp>
-          <p:sp>
-            <p:nvSpPr>
-              <p:cNvPr id="153" name="Line">
-                <a:extLst>
-                  <a:ext uri="{FF2B5EF4-FFF2-40B4-BE49-F238E27FC236}">
-                    <a16:creationId xmlns:a16="http://schemas.microsoft.com/office/drawing/2014/main" id="{0B33DE5D-E871-4812-92D9-41A920778711}"/>
-                  </a:ext>
-                </a:extLst>
-              </p:cNvPr>
-              <p:cNvSpPr/>
-              <p:nvPr/>
-            </p:nvSpPr>
-            <p:spPr>
-              <a:xfrm rot="10800000" flipV="1">
-                <a:off x="9498658" y="135261"/>
-                <a:ext cx="91440" cy="72527"/>
-              </a:xfrm>
-              <a:prstGeom prst="rect">
-                <a:avLst/>
-              </a:prstGeom>
-              <a:noFill/>
-              <a:ln w="12700">
-                <a:solidFill>
-                  <a:srgbClr val="FFFFFF"/>
-                </a:solidFill>
-              </a:ln>
-            </p:spPr>
-            <p:style>
-              <a:lnRef idx="2">
-                <a:srgbClr val="4F81BD">
-                  <a:shade val="50000"/>
-                </a:srgbClr>
-              </a:lnRef>
-              <a:fillRef idx="1001">
-                <a:srgbClr val="000000"/>
-              </a:fillRef>
-              <a:effectRef idx="0">
-                <a:srgbClr val="4F81BD"/>
-              </a:effectRef>
-              <a:fontRef idx="minor">
-                <a:srgbClr val="000000"/>
-              </a:fontRef>
-            </p:style>
-            <p:txBody>
-              <a:bodyPr rtlCol="0" anchor="ctr"/>
-              <a:lstStyle/>
-              <a:p>
-                <a:pPr algn="ctr"/>
-                <a:endParaRPr lang="en-US" dirty="0">
-                  <a:solidFill>
-                    <a:prstClr val="white"/>
-                  </a:solidFill>
-                </a:endParaRPr>
-              </a:p>
-            </p:txBody>
-          </p:sp>
-          <p:sp>
-            <p:nvSpPr>
-              <p:cNvPr id="154" name="Line">
-                <a:extLst>
-                  <a:ext uri="{FF2B5EF4-FFF2-40B4-BE49-F238E27FC236}">
-                    <a16:creationId xmlns:a16="http://schemas.microsoft.com/office/drawing/2014/main" id="{2523006F-1C9B-4EBF-ADFB-29FB24F312B1}"/>
-                  </a:ext>
-                </a:extLst>
-              </p:cNvPr>
-              <p:cNvSpPr/>
-              <p:nvPr/>
-            </p:nvSpPr>
-            <p:spPr>
-              <a:xfrm rot="10800000" flipV="1">
-                <a:off x="9347642" y="200476"/>
-                <a:ext cx="91440" cy="9144"/>
-              </a:xfrm>
-              <a:prstGeom prst="rect">
-                <a:avLst/>
-              </a:prstGeom>
-              <a:solidFill>
-                <a:srgbClr val="919191"/>
-              </a:solidFill>
-              <a:ln w="3175">
-                <a:solidFill>
-                  <a:srgbClr val="FFFFFF"/>
-                </a:solidFill>
-              </a:ln>
-            </p:spPr>
-            <p:style>
-              <a:lnRef idx="2">
-                <a:srgbClr val="4F81BD">
-                  <a:shade val="50000"/>
-                </a:srgbClr>
-              </a:lnRef>
-              <a:fillRef idx="1001">
-                <a:srgbClr val="000000"/>
-              </a:fillRef>
-              <a:effectRef idx="0">
-                <a:srgbClr val="4F81BD"/>
-              </a:effectRef>
-              <a:fontRef idx="minor">
-                <a:srgbClr val="000000"/>
-              </a:fontRef>
-            </p:style>
-            <p:txBody>
-              <a:bodyPr rtlCol="0" anchor="ctr"/>
-              <a:lstStyle/>
-              <a:p>
-                <a:pPr algn="ctr"/>
-                <a:endParaRPr lang="en-US" dirty="0">
-                  <a:solidFill>
-                    <a:prstClr val="white"/>
-                  </a:solidFill>
-                </a:endParaRPr>
-              </a:p>
-            </p:txBody>
-          </p:sp>
-        </p:grpSp>
-        <p:sp>
-          <p:nvSpPr>
-            <p:cNvPr id="149" name="Oval 4">
-              <a:extLst>
-                <a:ext uri="{FF2B5EF4-FFF2-40B4-BE49-F238E27FC236}">
-                  <a16:creationId xmlns:a16="http://schemas.microsoft.com/office/drawing/2014/main" id="{E4962547-6FBC-4667-B25E-C9C6FC34BEF8}"/>
-                </a:ext>
-              </a:extLst>
-            </p:cNvPr>
-            <p:cNvSpPr/>
-            <p:nvPr/>
-          </p:nvSpPr>
-          <p:spPr>
-            <a:xfrm>
-              <a:off x="83477" y="80065"/>
-              <a:ext cx="145536" cy="150875"/>
-            </a:xfrm>
-            <a:prstGeom prst="ellipse">
-              <a:avLst/>
-            </a:prstGeom>
-            <a:gradFill flip="none" rotWithShape="1">
-              <a:gsLst>
-                <a:gs pos="91000">
-                  <a:srgbClr val="FFFFFF">
-                    <a:lumMod val="85000"/>
-                  </a:srgbClr>
-                </a:gs>
-                <a:gs pos="36000">
-                  <a:srgbClr val="FFFFFF">
-                    <a:lumMod val="95000"/>
-                  </a:srgbClr>
-                </a:gs>
-                <a:gs pos="100000">
-                  <a:srgbClr val="FFFFFF">
-                    <a:lumMod val="95000"/>
-                  </a:srgbClr>
-                </a:gs>
-              </a:gsLst>
-              <a:lin ang="5400000" scaled="0"/>
-              <a:tileRect/>
-            </a:gradFill>
-            <a:ln w="3175">
-              <a:solidFill>
-                <a:srgbClr val="000000">
-                  <a:lumMod val="50000"/>
-                  <a:lumOff val="50000"/>
-                </a:srgbClr>
-              </a:solidFill>
-            </a:ln>
-            <a:effectLst/>
-          </p:spPr>
-          <p:style>
-            <a:lnRef idx="2">
-              <a:srgbClr val="4F81BD">
-                <a:shade val="50000"/>
-              </a:srgbClr>
-            </a:lnRef>
-            <a:fillRef idx="1">
-              <a:srgbClr val="4F81BD"/>
-            </a:fillRef>
-            <a:effectRef idx="0">
-              <a:srgbClr val="4F81BD"/>
-            </a:effectRef>
-            <a:fontRef idx="minor">
-              <a:srgbClr val="000000"/>
-            </a:fontRef>
-          </p:style>
-          <p:txBody>
-            <a:bodyPr lIns="97531" tIns="48766" rIns="97531" bIns="48766" rtlCol="0" anchor="ctr"/>
-            <a:lstStyle/>
-            <a:p>
-              <a:pPr algn="ctr"/>
-              <a:endParaRPr lang="en-US">
-                <a:solidFill>
-                  <a:prstClr val="white"/>
-                </a:solidFill>
-              </a:endParaRPr>
-            </a:p>
-          </p:txBody>
-        </p:sp>
-      </p:grpSp>
-      <p:sp>
-        <p:nvSpPr>
-          <p:cNvPr id="159" name="Content">
-            <a:extLst>
-              <a:ext uri="{FF2B5EF4-FFF2-40B4-BE49-F238E27FC236}">
-                <a16:creationId xmlns:a16="http://schemas.microsoft.com/office/drawing/2014/main" id="{F6992210-CD23-46E6-9FDC-874977E5EC91}"/>
-              </a:ext>
-            </a:extLst>
-          </p:cNvPr>
-          <p:cNvSpPr/>
-          <p:nvPr>
-            <p:custDataLst>
-              <p:custData r:id="rId2"/>
-            </p:custDataLst>
-          </p:nvPr>
-        </p:nvSpPr>
-        <p:spPr>
-          <a:xfrm>
-            <a:off x="7818349" y="3694684"/>
-            <a:ext cx="2058670" cy="584548"/>
-          </a:xfrm>
-          <a:prstGeom prst="roundRect">
-            <a:avLst/>
-          </a:prstGeom>
-          <a:solidFill>
-            <a:srgbClr val="FFFFFF">
-              <a:lumMod val="95000"/>
-            </a:srgbClr>
-          </a:solidFill>
-          <a:ln w="3175">
-            <a:solidFill>
-              <a:srgbClr val="000000">
-                <a:lumMod val="50000"/>
-                <a:lumOff val="50000"/>
-              </a:srgbClr>
-            </a:solidFill>
-          </a:ln>
-          <a:effectLst/>
-        </p:spPr>
-        <p:style>
-          <a:lnRef idx="2">
-            <a:srgbClr val="4F81BD">
-              <a:shade val="50000"/>
-            </a:srgbClr>
-          </a:lnRef>
-          <a:fillRef idx="1">
-            <a:srgbClr val="4F81BD"/>
-          </a:fillRef>
-          <a:effectRef idx="0">
-            <a:srgbClr val="4F81BD"/>
-          </a:effectRef>
-          <a:fontRef idx="minor">
-            <a:srgbClr val="000000"/>
-          </a:fontRef>
-        </p:style>
-        <p:txBody>
-          <a:bodyPr wrap="square" lIns="91440" tIns="0" rIns="91440" bIns="9144" rtlCol="0" anchor="ctr">
-            <a:noAutofit/>
-          </a:bodyPr>
-          <a:lstStyle/>
-          <a:p>
-            <a:pPr algn="ctr"/>
-            <a:r>
-              <a:rPr lang="en-US" dirty="0">
-                <a:solidFill>
-                  <a:srgbClr val="000000"/>
-                </a:solidFill>
-                <a:latin typeface="Segoe UI" pitchFamily="34" charset="0"/>
-                <a:cs typeface="Segoe UI" pitchFamily="34" charset="0"/>
-              </a:rPr>
-              <a:t>Entrar</a:t>
-            </a:r>
-            <a:endParaRPr lang="en-US" sz="1200" dirty="0">
-              <a:solidFill>
-                <a:srgbClr val="000000"/>
-              </a:solidFill>
-              <a:latin typeface="Segoe UI" pitchFamily="34" charset="0"/>
-              <a:cs typeface="Segoe UI" pitchFamily="34" charset="0"/>
-            </a:endParaRPr>
-          </a:p>
-        </p:txBody>
-      </p:sp>
-      <p:sp>
-        <p:nvSpPr>
-          <p:cNvPr id="197" name="Content">
-            <a:extLst>
-              <a:ext uri="{FF2B5EF4-FFF2-40B4-BE49-F238E27FC236}">
-                <a16:creationId xmlns:a16="http://schemas.microsoft.com/office/drawing/2014/main" id="{3F5C806E-E580-44B4-B02C-F8F6ABE3FE4B}"/>
-              </a:ext>
-            </a:extLst>
-          </p:cNvPr>
-          <p:cNvSpPr/>
-          <p:nvPr>
-            <p:custDataLst>
-              <p:custData r:id="rId3"/>
-            </p:custDataLst>
-          </p:nvPr>
-        </p:nvSpPr>
-        <p:spPr>
-          <a:xfrm>
-            <a:off x="6296660" y="1621299"/>
-            <a:ext cx="5102048" cy="476543"/>
-          </a:xfrm>
-          <a:prstGeom prst="rect">
-            <a:avLst/>
-          </a:prstGeom>
-          <a:solidFill>
-            <a:sysClr val="window" lastClr="FFFFFF"/>
-          </a:solidFill>
-          <a:ln w="3175">
-            <a:solidFill>
-              <a:srgbClr val="000000">
-                <a:lumMod val="50000"/>
-                <a:lumOff val="50000"/>
-              </a:srgbClr>
-            </a:solidFill>
-          </a:ln>
-          <a:effectLst/>
-        </p:spPr>
-        <p:style>
-          <a:lnRef idx="2">
-            <a:srgbClr val="4F81BD">
-              <a:shade val="50000"/>
-            </a:srgbClr>
-          </a:lnRef>
-          <a:fillRef idx="1">
-            <a:srgbClr val="4F81BD"/>
-          </a:fillRef>
-          <a:effectRef idx="0">
-            <a:srgbClr val="4F81BD"/>
-          </a:effectRef>
-          <a:fontRef idx="minor">
-            <a:srgbClr val="000000"/>
-          </a:fontRef>
-        </p:style>
-        <p:txBody>
-          <a:bodyPr wrap="none" lIns="45720" tIns="18288" rIns="45720" bIns="18288" rtlCol="0" anchor="ctr">
-            <a:noAutofit/>
-          </a:bodyPr>
-          <a:lstStyle/>
-          <a:p>
-            <a:r>
-              <a:rPr lang="en-US" sz="1600" dirty="0">
-                <a:solidFill>
-                  <a:srgbClr val="000000"/>
-                </a:solidFill>
-                <a:latin typeface="Segoe UI" pitchFamily="34" charset="0"/>
-                <a:cs typeface="Segoe UI" pitchFamily="34" charset="0"/>
-              </a:rPr>
-              <a:t>   Login</a:t>
-            </a:r>
-            <a:endParaRPr lang="en-US" sz="1200" dirty="0">
-              <a:solidFill>
-                <a:srgbClr val="000000"/>
-              </a:solidFill>
-              <a:latin typeface="Segoe UI" pitchFamily="34" charset="0"/>
-              <a:cs typeface="Segoe UI" pitchFamily="34" charset="0"/>
-            </a:endParaRPr>
-          </a:p>
-        </p:txBody>
-      </p:sp>
-      <p:sp>
-        <p:nvSpPr>
-          <p:cNvPr id="198" name="Content">
-            <a:extLst>
-              <a:ext uri="{FF2B5EF4-FFF2-40B4-BE49-F238E27FC236}">
-                <a16:creationId xmlns:a16="http://schemas.microsoft.com/office/drawing/2014/main" id="{0338B31C-1336-438B-82FD-C32CD6EB707F}"/>
-              </a:ext>
-            </a:extLst>
-          </p:cNvPr>
-          <p:cNvSpPr/>
-          <p:nvPr>
-            <p:custDataLst>
-              <p:custData r:id="rId4"/>
-            </p:custDataLst>
-          </p:nvPr>
-        </p:nvSpPr>
-        <p:spPr>
-          <a:xfrm>
-            <a:off x="6296660" y="2686774"/>
-            <a:ext cx="5213088" cy="476543"/>
-          </a:xfrm>
-          <a:prstGeom prst="rect">
-            <a:avLst/>
-          </a:prstGeom>
-          <a:solidFill>
-            <a:sysClr val="window" lastClr="FFFFFF"/>
-          </a:solidFill>
-          <a:ln w="3175">
-            <a:solidFill>
-              <a:srgbClr val="000000">
-                <a:lumMod val="50000"/>
-                <a:lumOff val="50000"/>
-              </a:srgbClr>
-            </a:solidFill>
-          </a:ln>
-          <a:effectLst/>
-        </p:spPr>
-        <p:style>
-          <a:lnRef idx="2">
-            <a:srgbClr val="4F81BD">
-              <a:shade val="50000"/>
-            </a:srgbClr>
-          </a:lnRef>
-          <a:fillRef idx="1">
-            <a:srgbClr val="4F81BD"/>
-          </a:fillRef>
-          <a:effectRef idx="0">
-            <a:srgbClr val="4F81BD"/>
-          </a:effectRef>
-          <a:fontRef idx="minor">
-            <a:srgbClr val="000000"/>
-          </a:fontRef>
-        </p:style>
-        <p:txBody>
-          <a:bodyPr wrap="none" lIns="45720" tIns="18288" rIns="45720" bIns="18288" rtlCol="0" anchor="ctr">
-            <a:noAutofit/>
-          </a:bodyPr>
-          <a:lstStyle/>
-          <a:p>
-            <a:r>
-              <a:rPr lang="en-US" sz="1200" dirty="0">
-                <a:solidFill>
-                  <a:srgbClr val="000000"/>
-                </a:solidFill>
-                <a:latin typeface="Segoe UI" pitchFamily="34" charset="0"/>
-                <a:cs typeface="Segoe UI" pitchFamily="34" charset="0"/>
-              </a:rPr>
-              <a:t>  </a:t>
-            </a:r>
-            <a:r>
-              <a:rPr lang="en-US" sz="1600" dirty="0">
-                <a:solidFill>
-                  <a:srgbClr val="000000"/>
-                </a:solidFill>
-                <a:latin typeface="Segoe UI" pitchFamily="34" charset="0"/>
-                <a:cs typeface="Segoe UI" pitchFamily="34" charset="0"/>
-              </a:rPr>
-              <a:t>Senha</a:t>
-            </a:r>
-            <a:endParaRPr lang="en-US" sz="1200" dirty="0">
-              <a:solidFill>
-                <a:srgbClr val="000000"/>
-              </a:solidFill>
-              <a:latin typeface="Segoe UI" pitchFamily="34" charset="0"/>
-              <a:cs typeface="Segoe UI" pitchFamily="34" charset="0"/>
-            </a:endParaRPr>
-          </a:p>
-        </p:txBody>
-      </p:sp>
-      <p:sp>
-        <p:nvSpPr>
-          <p:cNvPr id="201" name="CaixaDeTexto 200">
-            <a:extLst>
-              <a:ext uri="{FF2B5EF4-FFF2-40B4-BE49-F238E27FC236}">
-                <a16:creationId xmlns:a16="http://schemas.microsoft.com/office/drawing/2014/main" id="{899A7D86-FA40-4D56-8C97-D118E845D033}"/>
-              </a:ext>
-            </a:extLst>
-          </p:cNvPr>
-          <p:cNvSpPr txBox="1"/>
-          <p:nvPr/>
-        </p:nvSpPr>
-        <p:spPr>
-          <a:xfrm>
-            <a:off x="7818349" y="4625933"/>
-            <a:ext cx="2529840" cy="369332"/>
-          </a:xfrm>
-          <a:prstGeom prst="rect">
-            <a:avLst/>
-          </a:prstGeom>
-          <a:noFill/>
-        </p:spPr>
-        <p:txBody>
-          <a:bodyPr wrap="square" rtlCol="0">
-            <a:spAutoFit/>
-          </a:bodyPr>
-          <a:lstStyle/>
-          <a:p>
-            <a:r>
-              <a:rPr lang="pt-BR" dirty="0"/>
-              <a:t>Esqueci minha senha</a:t>
-            </a:r>
-          </a:p>
-        </p:txBody>
-      </p:sp>
-      <p:sp>
-        <p:nvSpPr>
-          <p:cNvPr id="205" name="CaixaDeTexto 204">
-            <a:extLst>
-              <a:ext uri="{FF2B5EF4-FFF2-40B4-BE49-F238E27FC236}">
-                <a16:creationId xmlns:a16="http://schemas.microsoft.com/office/drawing/2014/main" id="{D52F5A84-8E06-4D84-A256-F95467B379C3}"/>
-              </a:ext>
-            </a:extLst>
-          </p:cNvPr>
-          <p:cNvSpPr txBox="1"/>
-          <p:nvPr/>
-        </p:nvSpPr>
-        <p:spPr>
-          <a:xfrm>
-            <a:off x="7406640" y="547136"/>
-            <a:ext cx="2682240" cy="769441"/>
-          </a:xfrm>
-          <a:prstGeom prst="rect">
-            <a:avLst/>
-          </a:prstGeom>
-          <a:noFill/>
-        </p:spPr>
-        <p:txBody>
-          <a:bodyPr wrap="square" rtlCol="0">
-            <a:spAutoFit/>
-          </a:bodyPr>
-          <a:lstStyle/>
-          <a:p>
-            <a:pPr algn="ctr"/>
-            <a:r>
-              <a:rPr lang="pt-BR" sz="4400" b="1" dirty="0"/>
-              <a:t>Login</a:t>
-            </a:r>
-            <a:endParaRPr lang="pt-BR" b="1" dirty="0"/>
-          </a:p>
-        </p:txBody>
-      </p:sp>
       <p:pic>
         <p:nvPicPr>
-          <p:cNvPr id="207" name="Imagem 206" descr="Uma imagem contendo desenho&#10;&#10;Descrição gerada automaticamente">
-            <a:extLst>
-              <a:ext uri="{FF2B5EF4-FFF2-40B4-BE49-F238E27FC236}">
-                <a16:creationId xmlns:a16="http://schemas.microsoft.com/office/drawing/2014/main" id="{A11DF68C-EAFB-4581-AE98-F975777F9C33}"/>
-              </a:ext>
-            </a:extLst>
-          </p:cNvPr>
+          <p:cNvPr id="2" name="Imagem 1"/>
           <p:cNvPicPr>
             <a:picLocks noChangeAspect="1"/>
           </p:cNvPicPr>
           <p:nvPr/>
         </p:nvPicPr>
         <p:blipFill>
-          <a:blip r:embed="rId6">
+          <a:blip r:embed="rId2">
             <a:extLst>
               <a:ext uri="{28A0092B-C50C-407E-A947-70E740481C1C}">
                 <a14:useLocalDpi xmlns:a14="http://schemas.microsoft.com/office/drawing/2010/main" val="0"/>
@@ -13954,8 +13998,8 @@
         </p:blipFill>
         <p:spPr>
           <a:xfrm>
-            <a:off x="111304" y="316304"/>
-            <a:ext cx="5493664" cy="6430913"/>
+            <a:off x="2100533" y="1107890"/>
+            <a:ext cx="8040805" cy="5368455"/>
           </a:xfrm>
           <a:prstGeom prst="rect">
             <a:avLst/>
@@ -13965,7 +14009,7 @@
     </p:spTree>
     <p:extLst>
       <p:ext uri="{BB962C8B-B14F-4D97-AF65-F5344CB8AC3E}">
-        <p14:creationId xmlns:p14="http://schemas.microsoft.com/office/powerpoint/2010/main" val="3388317226"/>
+        <p14:creationId xmlns:p14="http://schemas.microsoft.com/office/powerpoint/2010/main" val="684010355"/>
       </p:ext>
     </p:extLst>
   </p:cSld>
@@ -14499,131 +14543,11 @@
 
 <file path=customXml/item1.xml><?xml version="1.0" encoding="utf-8"?>
 <Control xmlns="http://schemas.microsoft.com/VisualStudio/2011/storyboarding/control">
-  <Id Name="System.Storyboarding.WindowsPhone.Tile" Revision="1" Stencil="System.Storyboarding.WindowsPhone" StencilVersion="0.1"/>
+  <Id Name="System.Storyboarding.Common.TextInput" Revision="1" Stencil="System.Storyboarding.Common" StencilVersion="0.1"/>
 </Control>
 </file>
 
 <file path=customXml/item10.xml><?xml version="1.0" encoding="utf-8"?>
-<Control xmlns="http://schemas.microsoft.com/VisualStudio/2011/storyboarding/control/v1.0">
-  <Id Name="System.Storyboarding.Common.Text" RevisionId="68ea164d-c1de-47a5-804f-d4d1290fa524" Stencil="System.Storyboarding.Common" StencilRevisionId="68ea164d-c1de-47a5-804f-d4d1290fa524" StencilVersion="0.1"/>
-</Control>
-</file>
-
-<file path=customXml/item11.xml><?xml version="1.0" encoding="utf-8"?>
-<Control xmlns="http://schemas.microsoft.com/VisualStudio/2011/storyboarding/control">
-  <Id Name="System.Storyboarding.WindowsPhone.Tile" Revision="1" Stencil="System.Storyboarding.WindowsPhone" StencilVersion="0.1"/>
-</Control>
-</file>
-
-<file path=customXml/item12.xml><?xml version="1.0" encoding="utf-8"?>
-<Control xmlns="http://schemas.microsoft.com/VisualStudio/2011/storyboarding/control">
-  <Id Name="System.Storyboarding.Common.TextInput" Revision="1" Stencil="System.Storyboarding.Common" StencilVersion="0.1"/>
-</Control>
-</file>
-
-<file path=customXml/item13.xml><?xml version="1.0" encoding="utf-8"?>
-<Control xmlns="http://schemas.microsoft.com/VisualStudio/2011/storyboarding/control">
-  <Id Name="System.Storyboarding.Common.TextInput" Revision="1" Stencil="System.Storyboarding.Common" StencilVersion="0.1"/>
-</Control>
-</file>
-
-<file path=customXml/item14.xml><?xml version="1.0" encoding="utf-8"?>
-<Control xmlns="http://schemas.microsoft.com/VisualStudio/2011/storyboarding/control/v1.0">
-  <Id Name="System.Storyboarding.Common.Text" RevisionId="68ea164d-c1de-47a5-804f-d4d1290fa524" Stencil="System.Storyboarding.Common" StencilRevisionId="68ea164d-c1de-47a5-804f-d4d1290fa524" StencilVersion="0.1"/>
-</Control>
-</file>
-
-<file path=customXml/item15.xml><?xml version="1.0" encoding="utf-8"?>
-<Control xmlns="http://schemas.microsoft.com/VisualStudio/2011/storyboarding/control">
-  <Id Name="System.Storyboarding.Common.TextInput" Revision="1" Stencil="System.Storyboarding.Common" StencilVersion="0.1"/>
-</Control>
-</file>
-
-<file path=customXml/item16.xml><?xml version="1.0" encoding="utf-8"?>
-<Control xmlns="http://schemas.microsoft.com/VisualStudio/2011/storyboarding/control">
-  <Id Name="System.Storyboarding.Backgrounds.StartScreen" Revision="1" Stencil="System.Storyboarding.Backgrounds" StencilVersion="0.1"/>
-</Control>
-</file>
-
-<file path=customXml/item17.xml><?xml version="1.0" encoding="utf-8"?>
-<Control xmlns="http://schemas.microsoft.com/VisualStudio/2011/storyboarding/control">
-  <Id Name="System.Storyboarding.Backgrounds.StartMenu" Revision="1" Stencil="System.Storyboarding.Backgrounds" StencilVersion="0.1"/>
-</Control>
-</file>
-
-<file path=customXml/item18.xml><?xml version="1.0" encoding="utf-8"?>
-<Control xmlns="http://schemas.microsoft.com/VisualStudio/2011/storyboarding/control">
-  <Id Name="System.Storyboarding.Backgrounds.Window" Revision="1" Stencil="System.Storyboarding.Backgrounds" StencilVersion="0.1"/>
-</Control>
-</file>
-
-<file path=customXml/item19.xml><?xml version="1.0" encoding="utf-8"?>
-<Control xmlns="http://schemas.microsoft.com/VisualStudio/2011/storyboarding/control/v1.0">
-  <Id Name="System.Storyboarding.Common.DropdownBox" RevisionId="68ea164d-c1de-47a5-804f-d4d1290fa524" Stencil="System.Storyboarding.Common" StencilRevisionId="68ea164d-c1de-47a5-804f-d4d1290fa524" StencilVersion="0.1"/>
-</Control>
-</file>
-
-<file path=customXml/item2.xml><?xml version="1.0" encoding="utf-8"?>
-<Control xmlns="http://schemas.microsoft.com/VisualStudio/2011/storyboarding/control/v1.0">
-  <Id Name="System.Storyboarding.Common.Text" RevisionId="68ea164d-c1de-47a5-804f-d4d1290fa524" Stencil="System.Storyboarding.Common" StencilRevisionId="68ea164d-c1de-47a5-804f-d4d1290fa524" StencilVersion="0.1"/>
-</Control>
-</file>
-
-<file path=customXml/item20.xml><?xml version="1.0" encoding="utf-8"?>
-<Control xmlns="http://schemas.microsoft.com/VisualStudio/2011/storyboarding/control">
-  <Id Name="System.Storyboarding.WindowsPhone.Tile" Revision="1" Stencil="System.Storyboarding.WindowsPhone" StencilVersion="0.1"/>
-</Control>
-</file>
-
-<file path=customXml/item21.xml><?xml version="1.0" encoding="utf-8"?>
-<Control xmlns="http://schemas.microsoft.com/VisualStudio/2011/storyboarding/control">
-  <Id Name="System.Storyboarding.WindowsPhone.WideTile" Revision="1" Stencil="System.Storyboarding.WindowsPhone" StencilVersion="0.1"/>
-</Control>
-</file>
-
-<file path=customXml/item22.xml><?xml version="1.0" encoding="utf-8"?>
-<Control xmlns="http://schemas.microsoft.com/VisualStudio/2011/storyboarding/control/v1.0">
-  <Id Name="System.Storyboarding.Common.Text" RevisionId="68ea164d-c1de-47a5-804f-d4d1290fa524" Stencil="System.Storyboarding.Common" StencilRevisionId="68ea164d-c1de-47a5-804f-d4d1290fa524" StencilVersion="0.1"/>
-</Control>
-</file>
-
-<file path=customXml/item23.xml><?xml version="1.0" encoding="utf-8"?>
-<Control xmlns="http://schemas.microsoft.com/VisualStudio/2011/storyboarding/control">
-  <Id Name="System.Storyboarding.Backgrounds.Window" Revision="1" Stencil="System.Storyboarding.Backgrounds" StencilVersion="0.1"/>
-</Control>
-</file>
-
-<file path=customXml/item24.xml><?xml version="1.0" encoding="utf-8"?>
-<Control xmlns="http://schemas.microsoft.com/VisualStudio/2011/storyboarding/control">
-  <Id Name="System.Storyboarding.Backgrounds.Window" Revision="1" Stencil="System.Storyboarding.Backgrounds" StencilVersion="0.1"/>
-</Control>
-</file>
-
-<file path=customXml/item25.xml><?xml version="1.0" encoding="utf-8"?>
-<Control xmlns="http://schemas.microsoft.com/VisualStudio/2011/storyboarding/control">
-  <Id Name="System.Storyboarding.Common.TextArea" Revision="1" Stencil="System.Storyboarding.Common" StencilVersion="0.1"/>
-</Control>
-</file>
-
-<file path=customXml/item26.xml><?xml version="1.0" encoding="utf-8"?>
-<Control xmlns="http://schemas.microsoft.com/VisualStudio/2011/storyboarding/control">
-  <Id Name="System.Storyboarding.WindowsPhoneIcons.Minus" Revision="1" Stencil="System.Storyboarding.WindowsPhoneIcons" StencilVersion="0.1"/>
-</Control>
-</file>
-
-<file path=customXml/item27.xml><?xml version="1.0" encoding="utf-8"?>
-<Control xmlns="http://schemas.microsoft.com/VisualStudio/2011/storyboarding/control/v1.0">
-  <Id Name="System.Storyboarding.Icons.FolderOpen" RevisionId="05cd6d03-c0b2-488e-98a7-d68de69a2cfc" Stencil="System.Storyboarding.Icons" StencilRevisionId="05cd6d03-c0b2-488e-98a7-d68de69a2cfc" StencilVersion="0.1"/>
-</Control>
-</file>
-
-<file path=customXml/item28.xml><?xml version="1.0" encoding="utf-8"?>
-<Control xmlns="http://schemas.microsoft.com/VisualStudio/2011/storyboarding/control">
-  <Id Name="System.Storyboarding.WindowsPhone.Tile" Revision="1" Stencil="System.Storyboarding.WindowsPhone" StencilVersion="0.1"/>
-</Control>
-</file>
-
-<file path=customXml/item29.xml><?xml version="1.0" encoding="utf-8"?>
 <ct:contentTypeSchema xmlns:ct="http://schemas.microsoft.com/office/2006/metadata/contentType" xmlns:ma="http://schemas.microsoft.com/office/2006/metadata/properties/metaAttributes" ct:_="" ma:_="" ma:contentTypeName="Documento" ma:contentTypeID="0x01010070649AC061D4F04BB6EC1102DFB829AB" ma:contentTypeVersion="7" ma:contentTypeDescription="Crie um novo documento." ma:contentTypeScope="" ma:versionID="7400a1209ddb294a2c6756ae156987bc">
   <xsd:schema xmlns:xsd="http://www.w3.org/2001/XMLSchema" xmlns:xs="http://www.w3.org/2001/XMLSchema" xmlns:p="http://schemas.microsoft.com/office/2006/metadata/properties" xmlns:ns2="be2b4223-36fe-405e-863b-49c6636b162e" targetNamespace="http://schemas.microsoft.com/office/2006/metadata/properties" ma:root="true" ma:fieldsID="fff7bd6c89929ebc4342f5643ac8637b" ns2:_="">
     <xsd:import namespace="be2b4223-36fe-405e-863b-49c6636b162e"/>
@@ -14787,15 +14711,138 @@
 </ct:contentTypeSchema>
 </file>
 
+<file path=customXml/item11.xml><?xml version="1.0" encoding="utf-8"?>
+<Control xmlns="http://schemas.microsoft.com/VisualStudio/2011/storyboarding/control">
+  <Id Name="System.Storyboarding.WindowsPhone.Tile" Revision="1" Stencil="System.Storyboarding.WindowsPhone" StencilVersion="0.1"/>
+</Control>
+</file>
+
+<file path=customXml/item12.xml><?xml version="1.0" encoding="utf-8"?>
+<Control xmlns="http://schemas.microsoft.com/VisualStudio/2011/storyboarding/control">
+  <Id Name="System.Storyboarding.Icons.User" Revision="1" Stencil="System.Storyboarding.Icons" StencilVersion="0.1"/>
+</Control>
+</file>
+
+<file path=customXml/item13.xml><?xml version="1.0" encoding="utf-8"?>
+<Control xmlns="http://schemas.microsoft.com/VisualStudio/2011/storyboarding/control">
+  <Id Name="System.Storyboarding.WindowsPhone.Tile" Revision="1" Stencil="System.Storyboarding.WindowsPhone" StencilVersion="0.1"/>
+</Control>
+</file>
+
+<file path=customXml/item14.xml><?xml version="1.0" encoding="utf-8"?>
+<Control xmlns="http://schemas.microsoft.com/VisualStudio/2011/storyboarding/control">
+  <Id Name="System.Storyboarding.Backgrounds.Window" Revision="1" Stencil="System.Storyboarding.Backgrounds" StencilVersion="0.1"/>
+</Control>
+</file>
+
+<file path=customXml/item15.xml><?xml version="1.0" encoding="utf-8"?>
+<Control xmlns="http://schemas.microsoft.com/VisualStudio/2011/storyboarding/control">
+  <Id Name="System.Storyboarding.Backgrounds.SharePoint" Revision="1" Stencil="System.Storyboarding.Backgrounds" StencilVersion="0.1"/>
+</Control>
+</file>
+
+<file path=customXml/item16.xml><?xml version="1.0" encoding="utf-8"?>
+<Control xmlns="http://schemas.microsoft.com/VisualStudio/2011/storyboarding/control">
+  <Id Name="System.Storyboarding.WindowsPhone.Tile" Revision="1" Stencil="System.Storyboarding.WindowsPhone" StencilVersion="0.1"/>
+</Control>
+</file>
+
+<file path=customXml/item17.xml><?xml version="1.0" encoding="utf-8"?>
+<Control xmlns="http://schemas.microsoft.com/VisualStudio/2011/storyboarding/control">
+  <Id Name="System.Storyboarding.Common.Button" Revision="1" Stencil="System.Storyboarding.Common" StencilVersion="0.1"/>
+</Control>
+</file>
+
+<file path=customXml/item18.xml><?xml version="1.0" encoding="utf-8"?>
+<Control xmlns="http://schemas.microsoft.com/VisualStudio/2011/storyboarding/control/v1.0">
+  <Id Name="System.Storyboarding.Media.Image" RevisionId="658c0869-8ded-44f2-a68a-f8e8fcb7d3bd" Stencil="System.Storyboarding.Media" StencilRevisionId="658c0869-8ded-44f2-a68a-f8e8fcb7d3bd" StencilVersion="0.1"/>
+</Control>
+</file>
+
+<file path=customXml/item19.xml><?xml version="1.0" encoding="utf-8"?>
+<Control xmlns="http://schemas.microsoft.com/VisualStudio/2011/storyboarding/control">
+  <Id Name="System.Storyboarding.WindowsPhone.Tile" Revision="1" Stencil="System.Storyboarding.WindowsPhone" StencilVersion="0.1"/>
+</Control>
+</file>
+
+<file path=customXml/item2.xml><?xml version="1.0" encoding="utf-8"?>
+<Control xmlns="http://schemas.microsoft.com/VisualStudio/2011/storyboarding/control">
+  <Id Name="System.Storyboarding.Backgrounds.Window" Revision="1" Stencil="System.Storyboarding.Backgrounds" StencilVersion="0.1"/>
+</Control>
+</file>
+
+<file path=customXml/item20.xml><?xml version="1.0" encoding="utf-8"?>
+<?mso-contentType ?>
+<FormTemplates xmlns="http://schemas.microsoft.com/sharepoint/v3/contenttype/forms">
+  <Display>DocumentLibraryForm</Display>
+  <Edit>DocumentLibraryForm</Edit>
+  <New>DocumentLibraryForm</New>
+</FormTemplates>
+</file>
+
+<file path=customXml/item21.xml><?xml version="1.0" encoding="utf-8"?>
+<Control xmlns="http://schemas.microsoft.com/VisualStudio/2011/storyboarding/control">
+  <Id Name="System.Storyboarding.Backgrounds.Window" Revision="1" Stencil="System.Storyboarding.Backgrounds" StencilVersion="0.1"/>
+</Control>
+</file>
+
+<file path=customXml/item22.xml><?xml version="1.0" encoding="utf-8"?>
+<Control xmlns="http://schemas.microsoft.com/VisualStudio/2011/storyboarding/control">
+  <Id Name="System.Storyboarding.Common.TextInput" Revision="1" Stencil="System.Storyboarding.Common" StencilVersion="0.1"/>
+</Control>
+</file>
+
+<file path=customXml/item23.xml><?xml version="1.0" encoding="utf-8"?>
+<Control xmlns="http://schemas.microsoft.com/VisualStudio/2011/storyboarding/control">
+  <Id Name="System.Storyboarding.Backgrounds.Window" Revision="1" Stencil="System.Storyboarding.Backgrounds" StencilVersion="0.1"/>
+</Control>
+</file>
+
+<file path=customXml/item24.xml><?xml version="1.0" encoding="utf-8"?>
+<Control xmlns="http://schemas.microsoft.com/VisualStudio/2011/storyboarding/control">
+  <Id Name="System.Storyboarding.WindowsPhone.Tile" Revision="1" Stencil="System.Storyboarding.WindowsPhone" StencilVersion="0.1"/>
+</Control>
+</file>
+
+<file path=customXml/item25.xml><?xml version="1.0" encoding="utf-8"?>
+<Control xmlns="http://schemas.microsoft.com/VisualStudio/2011/storyboarding/control">
+  <Id Name="System.Storyboarding.Backgrounds.Window" Revision="1" Stencil="System.Storyboarding.Backgrounds" StencilVersion="0.1"/>
+</Control>
+</file>
+
+<file path=customXml/item26.xml><?xml version="1.0" encoding="utf-8"?>
+<Control xmlns="http://schemas.microsoft.com/VisualStudio/2011/storyboarding/control/v1.0">
+  <Id Name="System.Storyboarding.Common.DropdownBox" RevisionId="68ea164d-c1de-47a5-804f-d4d1290fa524" Stencil="System.Storyboarding.Common" StencilRevisionId="68ea164d-c1de-47a5-804f-d4d1290fa524" StencilVersion="0.1"/>
+</Control>
+</file>
+
+<file path=customXml/item27.xml><?xml version="1.0" encoding="utf-8"?>
+<Control xmlns="http://schemas.microsoft.com/VisualStudio/2011/storyboarding/control/v1.0">
+  <Id Name="System.Storyboarding.Common.Text" RevisionId="68ea164d-c1de-47a5-804f-d4d1290fa524" Stencil="System.Storyboarding.Common" StencilRevisionId="68ea164d-c1de-47a5-804f-d4d1290fa524" StencilVersion="0.1"/>
+</Control>
+</file>
+
+<file path=customXml/item28.xml><?xml version="1.0" encoding="utf-8"?>
+<Control xmlns="http://schemas.microsoft.com/VisualStudio/2011/storyboarding/control/v1.0">
+  <Id Name="System.Storyboarding.Common.Text" RevisionId="68ea164d-c1de-47a5-804f-d4d1290fa524" Stencil="System.Storyboarding.Common" StencilRevisionId="68ea164d-c1de-47a5-804f-d4d1290fa524" StencilVersion="0.1"/>
+</Control>
+</file>
+
+<file path=customXml/item29.xml><?xml version="1.0" encoding="utf-8"?>
+<Control xmlns="http://schemas.microsoft.com/VisualStudio/2011/storyboarding/control">
+  <Id Name="System.Storyboarding.WindowsAppIcons.List" Revision="1" Stencil="System.Storyboarding.WindowsAppIcons" StencilVersion="0.1"/>
+</Control>
+</file>
+
 <file path=customXml/item3.xml><?xml version="1.0" encoding="utf-8"?>
-<p:properties xmlns:p="http://schemas.microsoft.com/office/2006/metadata/properties" xmlns:xsi="http://www.w3.org/2001/XMLSchema-instance" xmlns:pc="http://schemas.microsoft.com/office/infopath/2007/PartnerControls">
-  <documentManagement/>
-</p:properties>
+<Control xmlns="http://schemas.microsoft.com/VisualStudio/2011/storyboarding/control/v1.0">
+  <Id Name="System.Storyboarding.Common.Text" RevisionId="68ea164d-c1de-47a5-804f-d4d1290fa524" Stencil="System.Storyboarding.Common" StencilRevisionId="68ea164d-c1de-47a5-804f-d4d1290fa524" StencilVersion="0.1"/>
+</Control>
 </file>
 
 <file path=customXml/item30.xml><?xml version="1.0" encoding="utf-8"?>
-<Control xmlns="http://schemas.microsoft.com/VisualStudio/2011/storyboarding/control">
-  <Id Name="System.Storyboarding.WindowsPhone.Tile" Revision="1" Stencil="System.Storyboarding.WindowsPhone" StencilVersion="0.1"/>
+<Control xmlns="http://schemas.microsoft.com/VisualStudio/2011/storyboarding/control/v1.0">
+  <Id Name="System.Storyboarding.Common.Text" RevisionId="68ea164d-c1de-47a5-804f-d4d1290fa524" Stencil="System.Storyboarding.Common" StencilRevisionId="68ea164d-c1de-47a5-804f-d4d1290fa524" StencilVersion="0.1"/>
 </Control>
 </file>
 
@@ -14806,26 +14853,26 @@
 </file>
 
 <file path=customXml/item32.xml><?xml version="1.0" encoding="utf-8"?>
-<Control xmlns="http://schemas.microsoft.com/VisualStudio/2011/storyboarding/control">
-  <Id Name="System.Storyboarding.Backgrounds.SharePoint" Revision="1" Stencil="System.Storyboarding.Backgrounds" StencilVersion="0.1"/>
+<Control xmlns="http://schemas.microsoft.com/VisualStudio/2011/storyboarding/control/v1.0">
+  <Id Name="System.Storyboarding.Icons.FolderOpen" RevisionId="05cd6d03-c0b2-488e-98a7-d68de69a2cfc" Stencil="System.Storyboarding.Icons" StencilRevisionId="05cd6d03-c0b2-488e-98a7-d68de69a2cfc" StencilVersion="0.1"/>
 </Control>
 </file>
 
 <file path=customXml/item33.xml><?xml version="1.0" encoding="utf-8"?>
-<Control xmlns="http://schemas.microsoft.com/VisualStudio/2011/storyboarding/control/v1.0">
-  <Id Name="System.Storyboarding.Common.SearchBox" RevisionId="68ea164d-c1de-47a5-804f-d4d1290fa524" Stencil="System.Storyboarding.Common" StencilRevisionId="68ea164d-c1de-47a5-804f-d4d1290fa524" StencilVersion="0.1"/>
+<Control xmlns="http://schemas.microsoft.com/VisualStudio/2011/storyboarding/control">
+  <Id Name="System.Storyboarding.WindowsPhone.Tile" Revision="1" Stencil="System.Storyboarding.WindowsPhone" StencilVersion="0.1"/>
 </Control>
 </file>
 
 <file path=customXml/item34.xml><?xml version="1.0" encoding="utf-8"?>
-<Control xmlns="http://schemas.microsoft.com/VisualStudio/2011/storyboarding/control">
-  <Id Name="System.Storyboarding.Common.TextInput" Revision="1" Stencil="System.Storyboarding.Common" StencilVersion="0.1"/>
+<Control xmlns="http://schemas.microsoft.com/VisualStudio/2011/storyboarding/control/v1.0">
+  <Id Name="System.Storyboarding.Icons.Help" RevisionId="05cd6d03-c0b2-488e-98a7-d68de69a2cfc" Stencil="System.Storyboarding.Icons" StencilRevisionId="05cd6d03-c0b2-488e-98a7-d68de69a2cfc" StencilVersion="0.1"/>
 </Control>
 </file>
 
 <file path=customXml/item35.xml><?xml version="1.0" encoding="utf-8"?>
-<Control xmlns="http://schemas.microsoft.com/VisualStudio/2011/storyboarding/control/v1.0">
-  <Id Name="System.Storyboarding.Icons.Help" RevisionId="05cd6d03-c0b2-488e-98a7-d68de69a2cfc" Stencil="System.Storyboarding.Icons" StencilRevisionId="05cd6d03-c0b2-488e-98a7-d68de69a2cfc" StencilVersion="0.1"/>
+<Control xmlns="http://schemas.microsoft.com/VisualStudio/2011/storyboarding/control">
+  <Id Name="System.Storyboarding.Common.Button" Revision="1" Stencil="System.Storyboarding.Common" StencilVersion="0.1"/>
 </Control>
 </file>
 
@@ -14837,77 +14884,74 @@
 
 <file path=customXml/item37.xml><?xml version="1.0" encoding="utf-8"?>
 <Control xmlns="http://schemas.microsoft.com/VisualStudio/2011/storyboarding/control">
-  <Id Name="System.Storyboarding.WindowsPhone.Tile" Revision="1" Stencil="System.Storyboarding.WindowsPhone" StencilVersion="0.1"/>
+  <Id Name="System.Storyboarding.Common.Button" Revision="1" Stencil="System.Storyboarding.Common" StencilVersion="0.1"/>
 </Control>
 </file>
 
 <file path=customXml/item38.xml><?xml version="1.0" encoding="utf-8"?>
+<Control xmlns="http://schemas.microsoft.com/VisualStudio/2011/storyboarding/control">
+  <Id Name="System.Storyboarding.Common.TextInput" Revision="1" Stencil="System.Storyboarding.Common" StencilVersion="0.1"/>
+</Control>
+</file>
+
+<file path=customXml/item39.xml><?xml version="1.0" encoding="utf-8"?>
+<p:properties xmlns:p="http://schemas.microsoft.com/office/2006/metadata/properties" xmlns:xsi="http://www.w3.org/2001/XMLSchema-instance" xmlns:pc="http://schemas.microsoft.com/office/infopath/2007/PartnerControls">
+  <documentManagement/>
+</p:properties>
+</file>
+
+<file path=customXml/item4.xml><?xml version="1.0" encoding="utf-8"?>
+<Control xmlns="http://schemas.microsoft.com/VisualStudio/2011/storyboarding/control">
+  <Id Name="System.Storyboarding.WindowsPhone.WideTile" Revision="1" Stencil="System.Storyboarding.WindowsPhone" StencilVersion="0.1"/>
+</Control>
+</file>
+
+<file path=customXml/item40.xml><?xml version="1.0" encoding="utf-8"?>
+<Control xmlns="http://schemas.microsoft.com/VisualStudio/2011/storyboarding/control">
+  <Id Name="System.Storyboarding.Common.TextInput" Revision="1" Stencil="System.Storyboarding.Common" StencilVersion="0.1"/>
+</Control>
+</file>
+
+<file path=customXml/item41.xml><?xml version="1.0" encoding="utf-8"?>
+<Control xmlns="http://schemas.microsoft.com/VisualStudio/2011/storyboarding/control">
+  <Id Name="System.Storyboarding.Backgrounds.StartMenu" Revision="1" Stencil="System.Storyboarding.Backgrounds" StencilVersion="0.1"/>
+</Control>
+</file>
+
+<file path=customXml/item42.xml><?xml version="1.0" encoding="utf-8"?>
+<Control xmlns="http://schemas.microsoft.com/VisualStudio/2011/storyboarding/control">
+  <Id Name="System.Storyboarding.Common.TextArea" Revision="1" Stencil="System.Storyboarding.Common" StencilVersion="0.1"/>
+</Control>
+</file>
+
+<file path=customXml/item43.xml><?xml version="1.0" encoding="utf-8"?>
+<Control xmlns="http://schemas.microsoft.com/VisualStudio/2011/storyboarding/control/v1.0">
+  <Id Name="System.Storyboarding.Common.SearchBox" RevisionId="68ea164d-c1de-47a5-804f-d4d1290fa524" Stencil="System.Storyboarding.Common" StencilRevisionId="68ea164d-c1de-47a5-804f-d4d1290fa524" StencilVersion="0.1"/>
+</Control>
+</file>
+
+<file path=customXml/item44.xml><?xml version="1.0" encoding="utf-8"?>
 <Control xmlns="http://schemas.microsoft.com/VisualStudio/2011/storyboarding/control/v1.0">
   <Id Name="System.Storyboarding.Common.Breadcrumb" RevisionId="68ea164d-c1de-47a5-804f-d4d1290fa524" Stencil="System.Storyboarding.Common" StencilRevisionId="68ea164d-c1de-47a5-804f-d4d1290fa524" StencilVersion="0.1"/>
 </Control>
 </file>
 
-<file path=customXml/item39.xml><?xml version="1.0" encoding="utf-8"?>
-<Control xmlns="http://schemas.microsoft.com/VisualStudio/2011/storyboarding/control/v1.0">
-  <Id Name="System.Storyboarding.Common.Text" RevisionId="68ea164d-c1de-47a5-804f-d4d1290fa524" Stencil="System.Storyboarding.Common" StencilRevisionId="68ea164d-c1de-47a5-804f-d4d1290fa524" StencilVersion="0.1"/>
-</Control>
-</file>
-
-<file path=customXml/item4.xml><?xml version="1.0" encoding="utf-8"?>
+<file path=customXml/item45.xml><?xml version="1.0" encoding="utf-8"?>
 <Control xmlns="http://schemas.microsoft.com/VisualStudio/2011/storyboarding/control">
-  <Id Name="System.Storyboarding.Backgrounds.Window" Revision="1" Stencil="System.Storyboarding.Backgrounds" StencilVersion="0.1"/>
-</Control>
-</file>
-
-<file path=customXml/item40.xml><?xml version="1.0" encoding="utf-8"?>
-<Control xmlns="http://schemas.microsoft.com/VisualStudio/2011/storyboarding/control">
-  <Id Name="System.Storyboarding.Common.Button" Revision="1" Stencil="System.Storyboarding.Common" StencilVersion="0.1"/>
-</Control>
-</file>
-
-<file path=customXml/item41.xml><?xml version="1.0" encoding="utf-8"?>
-<Control xmlns="http://schemas.microsoft.com/VisualStudio/2011/storyboarding/control">
-  <Id Name="System.Storyboarding.Icons.User" Revision="1" Stencil="System.Storyboarding.Icons" StencilVersion="0.1"/>
-</Control>
-</file>
-
-<file path=customXml/item42.xml><?xml version="1.0" encoding="utf-8"?>
-<Control xmlns="http://schemas.microsoft.com/VisualStudio/2011/storyboarding/control">
-  <Id Name="System.Storyboarding.WindowsPhone.Tile" Revision="1" Stencil="System.Storyboarding.WindowsPhone" StencilVersion="0.1"/>
-</Control>
-</file>
-
-<file path=customXml/item43.xml><?xml version="1.0" encoding="utf-8"?>
-<Control xmlns="http://schemas.microsoft.com/VisualStudio/2011/storyboarding/control">
-  <Id Name="System.Storyboarding.Common.Button" Revision="1" Stencil="System.Storyboarding.Common" StencilVersion="0.1"/>
-</Control>
-</file>
-
-<file path=customXml/item44.xml><?xml version="1.0" encoding="utf-8"?>
-<Control xmlns="http://schemas.microsoft.com/VisualStudio/2011/storyboarding/control">
-  <Id Name="System.Storyboarding.WindowsAppIcons.List" Revision="1" Stencil="System.Storyboarding.WindowsAppIcons" StencilVersion="0.1"/>
-</Control>
-</file>
-
-<file path=customXml/item45.xml><?xml version="1.0" encoding="utf-8"?>
-<Control xmlns="http://schemas.microsoft.com/VisualStudio/2011/storyboarding/control/v1.0">
-  <Id Name="System.Storyboarding.Media.Image" RevisionId="658c0869-8ded-44f2-a68a-f8e8fcb7d3bd" Stencil="System.Storyboarding.Media" StencilRevisionId="658c0869-8ded-44f2-a68a-f8e8fcb7d3bd" StencilVersion="0.1"/>
+  <Id Name="System.Storyboarding.WindowsPhoneIcons.Minus" Revision="1" Stencil="System.Storyboarding.WindowsPhoneIcons" StencilVersion="0.1"/>
 </Control>
 </file>
 
 <file path=customXml/item5.xml><?xml version="1.0" encoding="utf-8"?>
 <Control xmlns="http://schemas.microsoft.com/VisualStudio/2011/storyboarding/control">
-  <Id Name="System.Storyboarding.Backgrounds.Window" Revision="1" Stencil="System.Storyboarding.Backgrounds" StencilVersion="0.1"/>
+  <Id Name="System.Storyboarding.Common.TextInput" Revision="1" Stencil="System.Storyboarding.Common" StencilVersion="0.1"/>
 </Control>
 </file>
 
 <file path=customXml/item6.xml><?xml version="1.0" encoding="utf-8"?>
-<?mso-contentType ?>
-<FormTemplates xmlns="http://schemas.microsoft.com/sharepoint/v3/contenttype/forms">
-  <Display>DocumentLibraryForm</Display>
-  <Edit>DocumentLibraryForm</Edit>
-  <New>DocumentLibraryForm</New>
-</FormTemplates>
+<Control xmlns="http://schemas.microsoft.com/VisualStudio/2011/storyboarding/control">
+  <Id Name="System.Storyboarding.WindowsPhone.Tile" Revision="1" Stencil="System.Storyboarding.WindowsPhone" StencilVersion="0.1"/>
+</Control>
 </file>
 
 <file path=customXml/item7.xml><?xml version="1.0" encoding="utf-8"?>
@@ -14917,19 +14961,19 @@
 </file>
 
 <file path=customXml/item8.xml><?xml version="1.0" encoding="utf-8"?>
-<Control xmlns="http://schemas.microsoft.com/VisualStudio/2011/storyboarding/control">
-  <Id Name="System.Storyboarding.Common.TextInput" Revision="1" Stencil="System.Storyboarding.Common" StencilVersion="0.1"/>
+<Control xmlns="http://schemas.microsoft.com/VisualStudio/2011/storyboarding/control/v1.0">
+  <Id Name="System.Storyboarding.Common.Text" RevisionId="68ea164d-c1de-47a5-804f-d4d1290fa524" Stencil="System.Storyboarding.Common" StencilRevisionId="68ea164d-c1de-47a5-804f-d4d1290fa524" StencilVersion="0.1"/>
 </Control>
 </file>
 
 <file path=customXml/item9.xml><?xml version="1.0" encoding="utf-8"?>
 <Control xmlns="http://schemas.microsoft.com/VisualStudio/2011/storyboarding/control">
-  <Id Name="System.Storyboarding.Common.Button" Revision="1" Stencil="System.Storyboarding.Common" StencilVersion="0.1"/>
+  <Id Name="System.Storyboarding.Backgrounds.StartScreen" Revision="1" Stencil="System.Storyboarding.Backgrounds" StencilVersion="0.1"/>
 </Control>
 </file>
 
 <file path=customXml/itemProps1.xml><?xml version="1.0" encoding="utf-8"?>
-<ds:datastoreItem xmlns:ds="http://schemas.openxmlformats.org/officeDocument/2006/customXml" ds:itemID="{8376A45C-3B73-430A-AB07-14AE228ECB55}">
+<ds:datastoreItem xmlns:ds="http://schemas.openxmlformats.org/officeDocument/2006/customXml" ds:itemID="{06521DAB-AB54-4417-9A3F-680FC2005034}">
   <ds:schemaRefs>
     <ds:schemaRef ds:uri="http://schemas.microsoft.com/VisualStudio/2011/storyboarding/control"/>
   </ds:schemaRefs>
@@ -14937,166 +14981,6 @@
 </file>
 
 <file path=customXml/itemProps10.xml><?xml version="1.0" encoding="utf-8"?>
-<ds:datastoreItem xmlns:ds="http://schemas.openxmlformats.org/officeDocument/2006/customXml" ds:itemID="{BCFDDF06-4D2E-4D6D-9A1B-C447B3F4EA67}">
-  <ds:schemaRefs>
-    <ds:schemaRef ds:uri="http://schemas.microsoft.com/VisualStudio/2011/storyboarding/control/v1.0"/>
-  </ds:schemaRefs>
-</ds:datastoreItem>
-</file>
-
-<file path=customXml/itemProps11.xml><?xml version="1.0" encoding="utf-8"?>
-<ds:datastoreItem xmlns:ds="http://schemas.openxmlformats.org/officeDocument/2006/customXml" ds:itemID="{227E5C53-C01D-4E70-A6B9-862CEA9643DB}">
-  <ds:schemaRefs>
-    <ds:schemaRef ds:uri="http://schemas.microsoft.com/VisualStudio/2011/storyboarding/control"/>
-  </ds:schemaRefs>
-</ds:datastoreItem>
-</file>
-
-<file path=customXml/itemProps12.xml><?xml version="1.0" encoding="utf-8"?>
-<ds:datastoreItem xmlns:ds="http://schemas.openxmlformats.org/officeDocument/2006/customXml" ds:itemID="{B62DF848-E0E0-4394-9BE0-9A530544640C}">
-  <ds:schemaRefs>
-    <ds:schemaRef ds:uri="http://schemas.microsoft.com/VisualStudio/2011/storyboarding/control"/>
-  </ds:schemaRefs>
-</ds:datastoreItem>
-</file>
-
-<file path=customXml/itemProps13.xml><?xml version="1.0" encoding="utf-8"?>
-<ds:datastoreItem xmlns:ds="http://schemas.openxmlformats.org/officeDocument/2006/customXml" ds:itemID="{06521DAB-AB54-4417-9A3F-680FC2005034}">
-  <ds:schemaRefs>
-    <ds:schemaRef ds:uri="http://schemas.microsoft.com/VisualStudio/2011/storyboarding/control"/>
-  </ds:schemaRefs>
-</ds:datastoreItem>
-</file>
-
-<file path=customXml/itemProps14.xml><?xml version="1.0" encoding="utf-8"?>
-<ds:datastoreItem xmlns:ds="http://schemas.openxmlformats.org/officeDocument/2006/customXml" ds:itemID="{4475BC4D-1BB3-42EE-94C9-1B162D8BAFED}">
-  <ds:schemaRefs>
-    <ds:schemaRef ds:uri="http://schemas.microsoft.com/VisualStudio/2011/storyboarding/control/v1.0"/>
-  </ds:schemaRefs>
-</ds:datastoreItem>
-</file>
-
-<file path=customXml/itemProps15.xml><?xml version="1.0" encoding="utf-8"?>
-<ds:datastoreItem xmlns:ds="http://schemas.openxmlformats.org/officeDocument/2006/customXml" ds:itemID="{80B57552-8ED6-4DB9-AC14-7622A986B75D}">
-  <ds:schemaRefs>
-    <ds:schemaRef ds:uri="http://schemas.microsoft.com/VisualStudio/2011/storyboarding/control"/>
-  </ds:schemaRefs>
-</ds:datastoreItem>
-</file>
-
-<file path=customXml/itemProps16.xml><?xml version="1.0" encoding="utf-8"?>
-<ds:datastoreItem xmlns:ds="http://schemas.openxmlformats.org/officeDocument/2006/customXml" ds:itemID="{EF7ABAC1-700C-45E5-BC18-4E0BD9D11B10}">
-  <ds:schemaRefs>
-    <ds:schemaRef ds:uri="http://schemas.microsoft.com/VisualStudio/2011/storyboarding/control"/>
-  </ds:schemaRefs>
-</ds:datastoreItem>
-</file>
-
-<file path=customXml/itemProps17.xml><?xml version="1.0" encoding="utf-8"?>
-<ds:datastoreItem xmlns:ds="http://schemas.openxmlformats.org/officeDocument/2006/customXml" ds:itemID="{A27AAB3D-F37E-4B34-B90F-D9F3A1FF566D}">
-  <ds:schemaRefs>
-    <ds:schemaRef ds:uri="http://schemas.microsoft.com/VisualStudio/2011/storyboarding/control"/>
-  </ds:schemaRefs>
-</ds:datastoreItem>
-</file>
-
-<file path=customXml/itemProps18.xml><?xml version="1.0" encoding="utf-8"?>
-<ds:datastoreItem xmlns:ds="http://schemas.openxmlformats.org/officeDocument/2006/customXml" ds:itemID="{07B4B1F0-46E6-4525-908E-6C21720ECF79}">
-  <ds:schemaRefs>
-    <ds:schemaRef ds:uri="http://schemas.microsoft.com/VisualStudio/2011/storyboarding/control"/>
-  </ds:schemaRefs>
-</ds:datastoreItem>
-</file>
-
-<file path=customXml/itemProps19.xml><?xml version="1.0" encoding="utf-8"?>
-<ds:datastoreItem xmlns:ds="http://schemas.openxmlformats.org/officeDocument/2006/customXml" ds:itemID="{5A6F5145-09F5-421E-ABA8-035D9DF59D73}">
-  <ds:schemaRefs>
-    <ds:schemaRef ds:uri="http://schemas.microsoft.com/VisualStudio/2011/storyboarding/control/v1.0"/>
-  </ds:schemaRefs>
-</ds:datastoreItem>
-</file>
-
-<file path=customXml/itemProps2.xml><?xml version="1.0" encoding="utf-8"?>
-<ds:datastoreItem xmlns:ds="http://schemas.openxmlformats.org/officeDocument/2006/customXml" ds:itemID="{D876FCC0-9E7A-48B1-8E50-1A0759F74E0A}">
-  <ds:schemaRefs>
-    <ds:schemaRef ds:uri="http://schemas.microsoft.com/VisualStudio/2011/storyboarding/control/v1.0"/>
-  </ds:schemaRefs>
-</ds:datastoreItem>
-</file>
-
-<file path=customXml/itemProps20.xml><?xml version="1.0" encoding="utf-8"?>
-<ds:datastoreItem xmlns:ds="http://schemas.openxmlformats.org/officeDocument/2006/customXml" ds:itemID="{62297194-F276-4C35-9AA2-BFDF1B032F77}">
-  <ds:schemaRefs>
-    <ds:schemaRef ds:uri="http://schemas.microsoft.com/VisualStudio/2011/storyboarding/control"/>
-  </ds:schemaRefs>
-</ds:datastoreItem>
-</file>
-
-<file path=customXml/itemProps21.xml><?xml version="1.0" encoding="utf-8"?>
-<ds:datastoreItem xmlns:ds="http://schemas.openxmlformats.org/officeDocument/2006/customXml" ds:itemID="{5F8B743C-58C9-496B-861D-37CFDCB689D2}">
-  <ds:schemaRefs>
-    <ds:schemaRef ds:uri="http://schemas.microsoft.com/VisualStudio/2011/storyboarding/control"/>
-  </ds:schemaRefs>
-</ds:datastoreItem>
-</file>
-
-<file path=customXml/itemProps22.xml><?xml version="1.0" encoding="utf-8"?>
-<ds:datastoreItem xmlns:ds="http://schemas.openxmlformats.org/officeDocument/2006/customXml" ds:itemID="{6089AD14-2AFF-487A-A99A-106B05215CC5}">
-  <ds:schemaRefs>
-    <ds:schemaRef ds:uri="http://schemas.microsoft.com/VisualStudio/2011/storyboarding/control/v1.0"/>
-  </ds:schemaRefs>
-</ds:datastoreItem>
-</file>
-
-<file path=customXml/itemProps23.xml><?xml version="1.0" encoding="utf-8"?>
-<ds:datastoreItem xmlns:ds="http://schemas.openxmlformats.org/officeDocument/2006/customXml" ds:itemID="{5A225238-AABA-45A9-AC2D-060623C679CD}">
-  <ds:schemaRefs>
-    <ds:schemaRef ds:uri="http://schemas.microsoft.com/VisualStudio/2011/storyboarding/control"/>
-  </ds:schemaRefs>
-</ds:datastoreItem>
-</file>
-
-<file path=customXml/itemProps24.xml><?xml version="1.0" encoding="utf-8"?>
-<ds:datastoreItem xmlns:ds="http://schemas.openxmlformats.org/officeDocument/2006/customXml" ds:itemID="{36DE97C9-309D-4BCA-892B-123C1150A8E6}">
-  <ds:schemaRefs>
-    <ds:schemaRef ds:uri="http://schemas.microsoft.com/VisualStudio/2011/storyboarding/control"/>
-  </ds:schemaRefs>
-</ds:datastoreItem>
-</file>
-
-<file path=customXml/itemProps25.xml><?xml version="1.0" encoding="utf-8"?>
-<ds:datastoreItem xmlns:ds="http://schemas.openxmlformats.org/officeDocument/2006/customXml" ds:itemID="{2A351D3C-E1D0-4BEF-A94F-4308047B2C74}">
-  <ds:schemaRefs>
-    <ds:schemaRef ds:uri="http://schemas.microsoft.com/VisualStudio/2011/storyboarding/control"/>
-  </ds:schemaRefs>
-</ds:datastoreItem>
-</file>
-
-<file path=customXml/itemProps26.xml><?xml version="1.0" encoding="utf-8"?>
-<ds:datastoreItem xmlns:ds="http://schemas.openxmlformats.org/officeDocument/2006/customXml" ds:itemID="{09031ECE-7E03-480D-B8BB-25C6F89B5A5C}">
-  <ds:schemaRefs>
-    <ds:schemaRef ds:uri="http://schemas.microsoft.com/VisualStudio/2011/storyboarding/control"/>
-  </ds:schemaRefs>
-</ds:datastoreItem>
-</file>
-
-<file path=customXml/itemProps27.xml><?xml version="1.0" encoding="utf-8"?>
-<ds:datastoreItem xmlns:ds="http://schemas.openxmlformats.org/officeDocument/2006/customXml" ds:itemID="{6CA1E503-3BE5-48F9-8903-1F5A0E5B53FA}">
-  <ds:schemaRefs>
-    <ds:schemaRef ds:uri="http://schemas.microsoft.com/VisualStudio/2011/storyboarding/control/v1.0"/>
-  </ds:schemaRefs>
-</ds:datastoreItem>
-</file>
-
-<file path=customXml/itemProps28.xml><?xml version="1.0" encoding="utf-8"?>
-<ds:datastoreItem xmlns:ds="http://schemas.openxmlformats.org/officeDocument/2006/customXml" ds:itemID="{864CECF6-9DCA-4D1C-9B38-E0688ABC9BEF}">
-  <ds:schemaRefs>
-    <ds:schemaRef ds:uri="http://schemas.microsoft.com/VisualStudio/2011/storyboarding/control"/>
-  </ds:schemaRefs>
-</ds:datastoreItem>
-</file>
-
-<file path=customXml/itemProps29.xml><?xml version="1.0" encoding="utf-8"?>
 <ds:datastoreItem xmlns:ds="http://schemas.openxmlformats.org/officeDocument/2006/customXml" ds:itemID="{43E4F016-3020-48A6-B99F-C1871B414E02}">
   <ds:schemaRefs>
     <ds:schemaRef ds:uri="http://schemas.microsoft.com/office/2006/metadata/contentType"/>
@@ -15114,7 +14998,247 @@
 </ds:datastoreItem>
 </file>
 
+<file path=customXml/itemProps11.xml><?xml version="1.0" encoding="utf-8"?>
+<ds:datastoreItem xmlns:ds="http://schemas.openxmlformats.org/officeDocument/2006/customXml" ds:itemID="{62297194-F276-4C35-9AA2-BFDF1B032F77}">
+  <ds:schemaRefs>
+    <ds:schemaRef ds:uri="http://schemas.microsoft.com/VisualStudio/2011/storyboarding/control"/>
+  </ds:schemaRefs>
+</ds:datastoreItem>
+</file>
+
+<file path=customXml/itemProps12.xml><?xml version="1.0" encoding="utf-8"?>
+<ds:datastoreItem xmlns:ds="http://schemas.openxmlformats.org/officeDocument/2006/customXml" ds:itemID="{22BBB2FA-F8D8-485D-82A6-F1C443370B32}">
+  <ds:schemaRefs>
+    <ds:schemaRef ds:uri="http://schemas.microsoft.com/VisualStudio/2011/storyboarding/control"/>
+  </ds:schemaRefs>
+</ds:datastoreItem>
+</file>
+
+<file path=customXml/itemProps13.xml><?xml version="1.0" encoding="utf-8"?>
+<ds:datastoreItem xmlns:ds="http://schemas.openxmlformats.org/officeDocument/2006/customXml" ds:itemID="{227E5C53-C01D-4E70-A6B9-862CEA9643DB}">
+  <ds:schemaRefs>
+    <ds:schemaRef ds:uri="http://schemas.microsoft.com/VisualStudio/2011/storyboarding/control"/>
+  </ds:schemaRefs>
+</ds:datastoreItem>
+</file>
+
+<file path=customXml/itemProps14.xml><?xml version="1.0" encoding="utf-8"?>
+<ds:datastoreItem xmlns:ds="http://schemas.openxmlformats.org/officeDocument/2006/customXml" ds:itemID="{36DE97C9-309D-4BCA-892B-123C1150A8E6}">
+  <ds:schemaRefs>
+    <ds:schemaRef ds:uri="http://schemas.microsoft.com/VisualStudio/2011/storyboarding/control"/>
+  </ds:schemaRefs>
+</ds:datastoreItem>
+</file>
+
+<file path=customXml/itemProps15.xml><?xml version="1.0" encoding="utf-8"?>
+<ds:datastoreItem xmlns:ds="http://schemas.openxmlformats.org/officeDocument/2006/customXml" ds:itemID="{ADE73E15-4A4C-4609-9E53-44984B8EC6DA}">
+  <ds:schemaRefs>
+    <ds:schemaRef ds:uri="http://schemas.microsoft.com/VisualStudio/2011/storyboarding/control"/>
+  </ds:schemaRefs>
+</ds:datastoreItem>
+</file>
+
+<file path=customXml/itemProps16.xml><?xml version="1.0" encoding="utf-8"?>
+<ds:datastoreItem xmlns:ds="http://schemas.openxmlformats.org/officeDocument/2006/customXml" ds:itemID="{B945FD6A-04E9-4DD2-94EC-104268517FC4}">
+  <ds:schemaRefs>
+    <ds:schemaRef ds:uri="http://schemas.microsoft.com/VisualStudio/2011/storyboarding/control"/>
+  </ds:schemaRefs>
+</ds:datastoreItem>
+</file>
+
+<file path=customXml/itemProps17.xml><?xml version="1.0" encoding="utf-8"?>
+<ds:datastoreItem xmlns:ds="http://schemas.openxmlformats.org/officeDocument/2006/customXml" ds:itemID="{E8DB5CDF-21ED-4D61-A992-0396D3107474}">
+  <ds:schemaRefs>
+    <ds:schemaRef ds:uri="http://schemas.microsoft.com/VisualStudio/2011/storyboarding/control"/>
+  </ds:schemaRefs>
+</ds:datastoreItem>
+</file>
+
+<file path=customXml/itemProps18.xml><?xml version="1.0" encoding="utf-8"?>
+<ds:datastoreItem xmlns:ds="http://schemas.openxmlformats.org/officeDocument/2006/customXml" ds:itemID="{366DA436-CE30-453F-9CC1-28AD3B50F144}">
+  <ds:schemaRefs>
+    <ds:schemaRef ds:uri="http://schemas.microsoft.com/VisualStudio/2011/storyboarding/control/v1.0"/>
+  </ds:schemaRefs>
+</ds:datastoreItem>
+</file>
+
+<file path=customXml/itemProps19.xml><?xml version="1.0" encoding="utf-8"?>
+<ds:datastoreItem xmlns:ds="http://schemas.openxmlformats.org/officeDocument/2006/customXml" ds:itemID="{8376A45C-3B73-430A-AB07-14AE228ECB55}">
+  <ds:schemaRefs>
+    <ds:schemaRef ds:uri="http://schemas.microsoft.com/VisualStudio/2011/storyboarding/control"/>
+  </ds:schemaRefs>
+</ds:datastoreItem>
+</file>
+
+<file path=customXml/itemProps2.xml><?xml version="1.0" encoding="utf-8"?>
+<ds:datastoreItem xmlns:ds="http://schemas.openxmlformats.org/officeDocument/2006/customXml" ds:itemID="{07B4B1F0-46E6-4525-908E-6C21720ECF79}">
+  <ds:schemaRefs>
+    <ds:schemaRef ds:uri="http://schemas.microsoft.com/VisualStudio/2011/storyboarding/control"/>
+  </ds:schemaRefs>
+</ds:datastoreItem>
+</file>
+
+<file path=customXml/itemProps20.xml><?xml version="1.0" encoding="utf-8"?>
+<ds:datastoreItem xmlns:ds="http://schemas.openxmlformats.org/officeDocument/2006/customXml" ds:itemID="{A4C88D0F-33F8-4BFF-A62E-630D09631C51}">
+  <ds:schemaRefs>
+    <ds:schemaRef ds:uri="http://schemas.microsoft.com/sharepoint/v3/contenttype/forms"/>
+  </ds:schemaRefs>
+</ds:datastoreItem>
+</file>
+
+<file path=customXml/itemProps21.xml><?xml version="1.0" encoding="utf-8"?>
+<ds:datastoreItem xmlns:ds="http://schemas.openxmlformats.org/officeDocument/2006/customXml" ds:itemID="{626AF6F4-D651-4697-8F4E-2A177121AC0B}">
+  <ds:schemaRefs>
+    <ds:schemaRef ds:uri="http://schemas.microsoft.com/VisualStudio/2011/storyboarding/control"/>
+  </ds:schemaRefs>
+</ds:datastoreItem>
+</file>
+
+<file path=customXml/itemProps22.xml><?xml version="1.0" encoding="utf-8"?>
+<ds:datastoreItem xmlns:ds="http://schemas.openxmlformats.org/officeDocument/2006/customXml" ds:itemID="{80B57552-8ED6-4DB9-AC14-7622A986B75D}">
+  <ds:schemaRefs>
+    <ds:schemaRef ds:uri="http://schemas.microsoft.com/VisualStudio/2011/storyboarding/control"/>
+  </ds:schemaRefs>
+</ds:datastoreItem>
+</file>
+
+<file path=customXml/itemProps23.xml><?xml version="1.0" encoding="utf-8"?>
+<ds:datastoreItem xmlns:ds="http://schemas.openxmlformats.org/officeDocument/2006/customXml" ds:itemID="{5A225238-AABA-45A9-AC2D-060623C679CD}">
+  <ds:schemaRefs>
+    <ds:schemaRef ds:uri="http://schemas.microsoft.com/VisualStudio/2011/storyboarding/control"/>
+  </ds:schemaRefs>
+</ds:datastoreItem>
+</file>
+
+<file path=customXml/itemProps24.xml><?xml version="1.0" encoding="utf-8"?>
+<ds:datastoreItem xmlns:ds="http://schemas.openxmlformats.org/officeDocument/2006/customXml" ds:itemID="{864CECF6-9DCA-4D1C-9B38-E0688ABC9BEF}">
+  <ds:schemaRefs>
+    <ds:schemaRef ds:uri="http://schemas.microsoft.com/VisualStudio/2011/storyboarding/control"/>
+  </ds:schemaRefs>
+</ds:datastoreItem>
+</file>
+
+<file path=customXml/itemProps25.xml><?xml version="1.0" encoding="utf-8"?>
+<ds:datastoreItem xmlns:ds="http://schemas.openxmlformats.org/officeDocument/2006/customXml" ds:itemID="{1AE11140-FDC2-4D5B-A243-B14FB96F23E0}">
+  <ds:schemaRefs>
+    <ds:schemaRef ds:uri="http://schemas.microsoft.com/VisualStudio/2011/storyboarding/control"/>
+  </ds:schemaRefs>
+</ds:datastoreItem>
+</file>
+
+<file path=customXml/itemProps26.xml><?xml version="1.0" encoding="utf-8"?>
+<ds:datastoreItem xmlns:ds="http://schemas.openxmlformats.org/officeDocument/2006/customXml" ds:itemID="{5A6F5145-09F5-421E-ABA8-035D9DF59D73}">
+  <ds:schemaRefs>
+    <ds:schemaRef ds:uri="http://schemas.microsoft.com/VisualStudio/2011/storyboarding/control/v1.0"/>
+  </ds:schemaRefs>
+</ds:datastoreItem>
+</file>
+
+<file path=customXml/itemProps27.xml><?xml version="1.0" encoding="utf-8"?>
+<ds:datastoreItem xmlns:ds="http://schemas.openxmlformats.org/officeDocument/2006/customXml" ds:itemID="{BCFDDF06-4D2E-4D6D-9A1B-C447B3F4EA67}">
+  <ds:schemaRefs>
+    <ds:schemaRef ds:uri="http://schemas.microsoft.com/VisualStudio/2011/storyboarding/control/v1.0"/>
+  </ds:schemaRefs>
+</ds:datastoreItem>
+</file>
+
+<file path=customXml/itemProps28.xml><?xml version="1.0" encoding="utf-8"?>
+<ds:datastoreItem xmlns:ds="http://schemas.openxmlformats.org/officeDocument/2006/customXml" ds:itemID="{E83CE332-ECC5-4BAC-A734-C260BE747A0D}">
+  <ds:schemaRefs>
+    <ds:schemaRef ds:uri="http://schemas.microsoft.com/VisualStudio/2011/storyboarding/control/v1.0"/>
+  </ds:schemaRefs>
+</ds:datastoreItem>
+</file>
+
+<file path=customXml/itemProps29.xml><?xml version="1.0" encoding="utf-8"?>
+<ds:datastoreItem xmlns:ds="http://schemas.openxmlformats.org/officeDocument/2006/customXml" ds:itemID="{41DBEBA3-14A1-4E49-8002-F47304C3BF31}">
+  <ds:schemaRefs>
+    <ds:schemaRef ds:uri="http://schemas.microsoft.com/VisualStudio/2011/storyboarding/control"/>
+  </ds:schemaRefs>
+</ds:datastoreItem>
+</file>
+
 <file path=customXml/itemProps3.xml><?xml version="1.0" encoding="utf-8"?>
+<ds:datastoreItem xmlns:ds="http://schemas.openxmlformats.org/officeDocument/2006/customXml" ds:itemID="{05C8BB45-782C-4141-A21F-408D72D18D5D}">
+  <ds:schemaRefs>
+    <ds:schemaRef ds:uri="http://schemas.microsoft.com/VisualStudio/2011/storyboarding/control/v1.0"/>
+  </ds:schemaRefs>
+</ds:datastoreItem>
+</file>
+
+<file path=customXml/itemProps30.xml><?xml version="1.0" encoding="utf-8"?>
+<ds:datastoreItem xmlns:ds="http://schemas.openxmlformats.org/officeDocument/2006/customXml" ds:itemID="{4475BC4D-1BB3-42EE-94C9-1B162D8BAFED}">
+  <ds:schemaRefs>
+    <ds:schemaRef ds:uri="http://schemas.microsoft.com/VisualStudio/2011/storyboarding/control/v1.0"/>
+  </ds:schemaRefs>
+</ds:datastoreItem>
+</file>
+
+<file path=customXml/itemProps31.xml><?xml version="1.0" encoding="utf-8"?>
+<ds:datastoreItem xmlns:ds="http://schemas.openxmlformats.org/officeDocument/2006/customXml" ds:itemID="{6089AD14-2AFF-487A-A99A-106B05215CC5}">
+  <ds:schemaRefs>
+    <ds:schemaRef ds:uri="http://schemas.microsoft.com/VisualStudio/2011/storyboarding/control/v1.0"/>
+  </ds:schemaRefs>
+</ds:datastoreItem>
+</file>
+
+<file path=customXml/itemProps32.xml><?xml version="1.0" encoding="utf-8"?>
+<ds:datastoreItem xmlns:ds="http://schemas.openxmlformats.org/officeDocument/2006/customXml" ds:itemID="{6CA1E503-3BE5-48F9-8903-1F5A0E5B53FA}">
+  <ds:schemaRefs>
+    <ds:schemaRef ds:uri="http://schemas.microsoft.com/VisualStudio/2011/storyboarding/control/v1.0"/>
+  </ds:schemaRefs>
+</ds:datastoreItem>
+</file>
+
+<file path=customXml/itemProps33.xml><?xml version="1.0" encoding="utf-8"?>
+<ds:datastoreItem xmlns:ds="http://schemas.openxmlformats.org/officeDocument/2006/customXml" ds:itemID="{A56E7BBF-4AD1-4BAB-BB90-656BC303E394}">
+  <ds:schemaRefs>
+    <ds:schemaRef ds:uri="http://schemas.microsoft.com/VisualStudio/2011/storyboarding/control"/>
+  </ds:schemaRefs>
+</ds:datastoreItem>
+</file>
+
+<file path=customXml/itemProps34.xml><?xml version="1.0" encoding="utf-8"?>
+<ds:datastoreItem xmlns:ds="http://schemas.openxmlformats.org/officeDocument/2006/customXml" ds:itemID="{E8B65369-76D4-44B9-8CEB-D454AC76CCEB}">
+  <ds:schemaRefs>
+    <ds:schemaRef ds:uri="http://schemas.microsoft.com/VisualStudio/2011/storyboarding/control/v1.0"/>
+  </ds:schemaRefs>
+</ds:datastoreItem>
+</file>
+
+<file path=customXml/itemProps35.xml><?xml version="1.0" encoding="utf-8"?>
+<ds:datastoreItem xmlns:ds="http://schemas.openxmlformats.org/officeDocument/2006/customXml" ds:itemID="{5792F4C1-F673-48AF-9180-27DAB8429A56}">
+  <ds:schemaRefs>
+    <ds:schemaRef ds:uri="http://schemas.microsoft.com/VisualStudio/2011/storyboarding/control"/>
+  </ds:schemaRefs>
+</ds:datastoreItem>
+</file>
+
+<file path=customXml/itemProps36.xml><?xml version="1.0" encoding="utf-8"?>
+<ds:datastoreItem xmlns:ds="http://schemas.openxmlformats.org/officeDocument/2006/customXml" ds:itemID="{79ABC63F-3EAA-44E1-9363-B5F7F5B74EC9}">
+  <ds:schemaRefs>
+    <ds:schemaRef ds:uri="http://schemas.microsoft.com/VisualStudio/2011/storyboarding/control"/>
+  </ds:schemaRefs>
+</ds:datastoreItem>
+</file>
+
+<file path=customXml/itemProps37.xml><?xml version="1.0" encoding="utf-8"?>
+<ds:datastoreItem xmlns:ds="http://schemas.openxmlformats.org/officeDocument/2006/customXml" ds:itemID="{51555E5B-9572-4B7C-AB35-3DC0CE4FB3EA}">
+  <ds:schemaRefs>
+    <ds:schemaRef ds:uri="http://schemas.microsoft.com/VisualStudio/2011/storyboarding/control"/>
+  </ds:schemaRefs>
+</ds:datastoreItem>
+</file>
+
+<file path=customXml/itemProps38.xml><?xml version="1.0" encoding="utf-8"?>
+<ds:datastoreItem xmlns:ds="http://schemas.openxmlformats.org/officeDocument/2006/customXml" ds:itemID="{4C59C856-0773-4CC4-9D11-59CDAB2C93D8}">
+  <ds:schemaRefs>
+    <ds:schemaRef ds:uri="http://schemas.microsoft.com/VisualStudio/2011/storyboarding/control"/>
+  </ds:schemaRefs>
+</ds:datastoreItem>
+</file>
+
+<file path=customXml/itemProps39.xml><?xml version="1.0" encoding="utf-8"?>
 <ds:datastoreItem xmlns:ds="http://schemas.openxmlformats.org/officeDocument/2006/customXml" ds:itemID="{01FACDDE-CC9D-43DE-9246-E5E31693925D}">
   <ds:schemaRefs>
     <ds:schemaRef ds:uri="http://schemas.microsoft.com/office/2006/metadata/properties"/>
@@ -15123,31 +15247,39 @@
 </ds:datastoreItem>
 </file>
 
-<file path=customXml/itemProps30.xml><?xml version="1.0" encoding="utf-8"?>
-<ds:datastoreItem xmlns:ds="http://schemas.openxmlformats.org/officeDocument/2006/customXml" ds:itemID="{A56E7BBF-4AD1-4BAB-BB90-656BC303E394}">
+<file path=customXml/itemProps4.xml><?xml version="1.0" encoding="utf-8"?>
+<ds:datastoreItem xmlns:ds="http://schemas.openxmlformats.org/officeDocument/2006/customXml" ds:itemID="{5F8B743C-58C9-496B-861D-37CFDCB689D2}">
   <ds:schemaRefs>
     <ds:schemaRef ds:uri="http://schemas.microsoft.com/VisualStudio/2011/storyboarding/control"/>
   </ds:schemaRefs>
 </ds:datastoreItem>
 </file>
 
-<file path=customXml/itemProps31.xml><?xml version="1.0" encoding="utf-8"?>
-<ds:datastoreItem xmlns:ds="http://schemas.openxmlformats.org/officeDocument/2006/customXml" ds:itemID="{E83CE332-ECC5-4BAC-A734-C260BE747A0D}">
-  <ds:schemaRefs>
-    <ds:schemaRef ds:uri="http://schemas.microsoft.com/VisualStudio/2011/storyboarding/control/v1.0"/>
-  </ds:schemaRefs>
-</ds:datastoreItem>
-</file>
-
-<file path=customXml/itemProps32.xml><?xml version="1.0" encoding="utf-8"?>
-<ds:datastoreItem xmlns:ds="http://schemas.openxmlformats.org/officeDocument/2006/customXml" ds:itemID="{ADE73E15-4A4C-4609-9E53-44984B8EC6DA}">
+<file path=customXml/itemProps40.xml><?xml version="1.0" encoding="utf-8"?>
+<ds:datastoreItem xmlns:ds="http://schemas.openxmlformats.org/officeDocument/2006/customXml" ds:itemID="{B62DF848-E0E0-4394-9BE0-9A530544640C}">
   <ds:schemaRefs>
     <ds:schemaRef ds:uri="http://schemas.microsoft.com/VisualStudio/2011/storyboarding/control"/>
   </ds:schemaRefs>
 </ds:datastoreItem>
 </file>
 
-<file path=customXml/itemProps33.xml><?xml version="1.0" encoding="utf-8"?>
+<file path=customXml/itemProps41.xml><?xml version="1.0" encoding="utf-8"?>
+<ds:datastoreItem xmlns:ds="http://schemas.openxmlformats.org/officeDocument/2006/customXml" ds:itemID="{A27AAB3D-F37E-4B34-B90F-D9F3A1FF566D}">
+  <ds:schemaRefs>
+    <ds:schemaRef ds:uri="http://schemas.microsoft.com/VisualStudio/2011/storyboarding/control"/>
+  </ds:schemaRefs>
+</ds:datastoreItem>
+</file>
+
+<file path=customXml/itemProps42.xml><?xml version="1.0" encoding="utf-8"?>
+<ds:datastoreItem xmlns:ds="http://schemas.openxmlformats.org/officeDocument/2006/customXml" ds:itemID="{2A351D3C-E1D0-4BEF-A94F-4308047B2C74}">
+  <ds:schemaRefs>
+    <ds:schemaRef ds:uri="http://schemas.microsoft.com/VisualStudio/2011/storyboarding/control"/>
+  </ds:schemaRefs>
+</ds:datastoreItem>
+</file>
+
+<file path=customXml/itemProps43.xml><?xml version="1.0" encoding="utf-8"?>
 <ds:datastoreItem xmlns:ds="http://schemas.openxmlformats.org/officeDocument/2006/customXml" ds:itemID="{AB8AF5A6-FA45-4246-A67D-74215671FBEF}">
   <ds:schemaRefs>
     <ds:schemaRef ds:uri="http://schemas.microsoft.com/VisualStudio/2011/storyboarding/control/v1.0"/>
@@ -15155,7 +15287,23 @@
 </ds:datastoreItem>
 </file>
 
-<file path=customXml/itemProps34.xml><?xml version="1.0" encoding="utf-8"?>
+<file path=customXml/itemProps44.xml><?xml version="1.0" encoding="utf-8"?>
+<ds:datastoreItem xmlns:ds="http://schemas.openxmlformats.org/officeDocument/2006/customXml" ds:itemID="{2ED57B16-65F0-4D88-8FC8-86653DF414F3}">
+  <ds:schemaRefs>
+    <ds:schemaRef ds:uri="http://schemas.microsoft.com/VisualStudio/2011/storyboarding/control/v1.0"/>
+  </ds:schemaRefs>
+</ds:datastoreItem>
+</file>
+
+<file path=customXml/itemProps45.xml><?xml version="1.0" encoding="utf-8"?>
+<ds:datastoreItem xmlns:ds="http://schemas.openxmlformats.org/officeDocument/2006/customXml" ds:itemID="{09031ECE-7E03-480D-B8BB-25C6F89B5A5C}">
+  <ds:schemaRefs>
+    <ds:schemaRef ds:uri="http://schemas.microsoft.com/VisualStudio/2011/storyboarding/control"/>
+  </ds:schemaRefs>
+</ds:datastoreItem>
+</file>
+
+<file path=customXml/itemProps5.xml><?xml version="1.0" encoding="utf-8"?>
 <ds:datastoreItem xmlns:ds="http://schemas.openxmlformats.org/officeDocument/2006/customXml" ds:itemID="{65F8EF8D-4BAC-4081-A49F-1FB3D0F236FC}">
   <ds:schemaRefs>
     <ds:schemaRef ds:uri="http://schemas.microsoft.com/VisualStudio/2011/storyboarding/control"/>
@@ -15163,114 +15311,10 @@
 </ds:datastoreItem>
 </file>
 
-<file path=customXml/itemProps35.xml><?xml version="1.0" encoding="utf-8"?>
-<ds:datastoreItem xmlns:ds="http://schemas.openxmlformats.org/officeDocument/2006/customXml" ds:itemID="{E8B65369-76D4-44B9-8CEB-D454AC76CCEB}">
-  <ds:schemaRefs>
-    <ds:schemaRef ds:uri="http://schemas.microsoft.com/VisualStudio/2011/storyboarding/control/v1.0"/>
-  </ds:schemaRefs>
-</ds:datastoreItem>
-</file>
-
-<file path=customXml/itemProps36.xml><?xml version="1.0" encoding="utf-8"?>
-<ds:datastoreItem xmlns:ds="http://schemas.openxmlformats.org/officeDocument/2006/customXml" ds:itemID="{1AE11140-FDC2-4D5B-A243-B14FB96F23E0}">
-  <ds:schemaRefs>
-    <ds:schemaRef ds:uri="http://schemas.microsoft.com/VisualStudio/2011/storyboarding/control"/>
-  </ds:schemaRefs>
-</ds:datastoreItem>
-</file>
-
-<file path=customXml/itemProps37.xml><?xml version="1.0" encoding="utf-8"?>
-<ds:datastoreItem xmlns:ds="http://schemas.openxmlformats.org/officeDocument/2006/customXml" ds:itemID="{B945FD6A-04E9-4DD2-94EC-104268517FC4}">
-  <ds:schemaRefs>
-    <ds:schemaRef ds:uri="http://schemas.microsoft.com/VisualStudio/2011/storyboarding/control"/>
-  </ds:schemaRefs>
-</ds:datastoreItem>
-</file>
-
-<file path=customXml/itemProps38.xml><?xml version="1.0" encoding="utf-8"?>
-<ds:datastoreItem xmlns:ds="http://schemas.openxmlformats.org/officeDocument/2006/customXml" ds:itemID="{2ED57B16-65F0-4D88-8FC8-86653DF414F3}">
-  <ds:schemaRefs>
-    <ds:schemaRef ds:uri="http://schemas.microsoft.com/VisualStudio/2011/storyboarding/control/v1.0"/>
-  </ds:schemaRefs>
-</ds:datastoreItem>
-</file>
-
-<file path=customXml/itemProps39.xml><?xml version="1.0" encoding="utf-8"?>
-<ds:datastoreItem xmlns:ds="http://schemas.openxmlformats.org/officeDocument/2006/customXml" ds:itemID="{05C8BB45-782C-4141-A21F-408D72D18D5D}">
-  <ds:schemaRefs>
-    <ds:schemaRef ds:uri="http://schemas.microsoft.com/VisualStudio/2011/storyboarding/control/v1.0"/>
-  </ds:schemaRefs>
-</ds:datastoreItem>
-</file>
-
-<file path=customXml/itemProps4.xml><?xml version="1.0" encoding="utf-8"?>
-<ds:datastoreItem xmlns:ds="http://schemas.openxmlformats.org/officeDocument/2006/customXml" ds:itemID="{79ABC63F-3EAA-44E1-9363-B5F7F5B74EC9}">
-  <ds:schemaRefs>
-    <ds:schemaRef ds:uri="http://schemas.microsoft.com/VisualStudio/2011/storyboarding/control"/>
-  </ds:schemaRefs>
-</ds:datastoreItem>
-</file>
-
-<file path=customXml/itemProps40.xml><?xml version="1.0" encoding="utf-8"?>
-<ds:datastoreItem xmlns:ds="http://schemas.openxmlformats.org/officeDocument/2006/customXml" ds:itemID="{E8DB5CDF-21ED-4D61-A992-0396D3107474}">
-  <ds:schemaRefs>
-    <ds:schemaRef ds:uri="http://schemas.microsoft.com/VisualStudio/2011/storyboarding/control"/>
-  </ds:schemaRefs>
-</ds:datastoreItem>
-</file>
-
-<file path=customXml/itemProps41.xml><?xml version="1.0" encoding="utf-8"?>
-<ds:datastoreItem xmlns:ds="http://schemas.openxmlformats.org/officeDocument/2006/customXml" ds:itemID="{22BBB2FA-F8D8-485D-82A6-F1C443370B32}">
-  <ds:schemaRefs>
-    <ds:schemaRef ds:uri="http://schemas.microsoft.com/VisualStudio/2011/storyboarding/control"/>
-  </ds:schemaRefs>
-</ds:datastoreItem>
-</file>
-
-<file path=customXml/itemProps42.xml><?xml version="1.0" encoding="utf-8"?>
+<file path=customXml/itemProps6.xml><?xml version="1.0" encoding="utf-8"?>
 <ds:datastoreItem xmlns:ds="http://schemas.openxmlformats.org/officeDocument/2006/customXml" ds:itemID="{0A0B0AB4-528F-45D0-9477-351EBE4AC7B5}">
   <ds:schemaRefs>
     <ds:schemaRef ds:uri="http://schemas.microsoft.com/VisualStudio/2011/storyboarding/control"/>
-  </ds:schemaRefs>
-</ds:datastoreItem>
-</file>
-
-<file path=customXml/itemProps43.xml><?xml version="1.0" encoding="utf-8"?>
-<ds:datastoreItem xmlns:ds="http://schemas.openxmlformats.org/officeDocument/2006/customXml" ds:itemID="{5792F4C1-F673-48AF-9180-27DAB8429A56}">
-  <ds:schemaRefs>
-    <ds:schemaRef ds:uri="http://schemas.microsoft.com/VisualStudio/2011/storyboarding/control"/>
-  </ds:schemaRefs>
-</ds:datastoreItem>
-</file>
-
-<file path=customXml/itemProps44.xml><?xml version="1.0" encoding="utf-8"?>
-<ds:datastoreItem xmlns:ds="http://schemas.openxmlformats.org/officeDocument/2006/customXml" ds:itemID="{41DBEBA3-14A1-4E49-8002-F47304C3BF31}">
-  <ds:schemaRefs>
-    <ds:schemaRef ds:uri="http://schemas.microsoft.com/VisualStudio/2011/storyboarding/control"/>
-  </ds:schemaRefs>
-</ds:datastoreItem>
-</file>
-
-<file path=customXml/itemProps45.xml><?xml version="1.0" encoding="utf-8"?>
-<ds:datastoreItem xmlns:ds="http://schemas.openxmlformats.org/officeDocument/2006/customXml" ds:itemID="{366DA436-CE30-453F-9CC1-28AD3B50F144}">
-  <ds:schemaRefs>
-    <ds:schemaRef ds:uri="http://schemas.microsoft.com/VisualStudio/2011/storyboarding/control/v1.0"/>
-  </ds:schemaRefs>
-</ds:datastoreItem>
-</file>
-
-<file path=customXml/itemProps5.xml><?xml version="1.0" encoding="utf-8"?>
-<ds:datastoreItem xmlns:ds="http://schemas.openxmlformats.org/officeDocument/2006/customXml" ds:itemID="{626AF6F4-D651-4697-8F4E-2A177121AC0B}">
-  <ds:schemaRefs>
-    <ds:schemaRef ds:uri="http://schemas.microsoft.com/VisualStudio/2011/storyboarding/control"/>
-  </ds:schemaRefs>
-</ds:datastoreItem>
-</file>
-
-<file path=customXml/itemProps6.xml><?xml version="1.0" encoding="utf-8"?>
-<ds:datastoreItem xmlns:ds="http://schemas.openxmlformats.org/officeDocument/2006/customXml" ds:itemID="{A4C88D0F-33F8-4BFF-A62E-630D09631C51}">
-  <ds:schemaRefs>
-    <ds:schemaRef ds:uri="http://schemas.microsoft.com/sharepoint/v3/contenttype/forms"/>
   </ds:schemaRefs>
 </ds:datastoreItem>
 </file>
@@ -15284,15 +15328,15 @@
 </file>
 
 <file path=customXml/itemProps8.xml><?xml version="1.0" encoding="utf-8"?>
-<ds:datastoreItem xmlns:ds="http://schemas.openxmlformats.org/officeDocument/2006/customXml" ds:itemID="{4C59C856-0773-4CC4-9D11-59CDAB2C93D8}">
+<ds:datastoreItem xmlns:ds="http://schemas.openxmlformats.org/officeDocument/2006/customXml" ds:itemID="{D876FCC0-9E7A-48B1-8E50-1A0759F74E0A}">
   <ds:schemaRefs>
-    <ds:schemaRef ds:uri="http://schemas.microsoft.com/VisualStudio/2011/storyboarding/control"/>
+    <ds:schemaRef ds:uri="http://schemas.microsoft.com/VisualStudio/2011/storyboarding/control/v1.0"/>
   </ds:schemaRefs>
 </ds:datastoreItem>
 </file>
 
 <file path=customXml/itemProps9.xml><?xml version="1.0" encoding="utf-8"?>
-<ds:datastoreItem xmlns:ds="http://schemas.openxmlformats.org/officeDocument/2006/customXml" ds:itemID="{51555E5B-9572-4B7C-AB35-3DC0CE4FB3EA}">
+<ds:datastoreItem xmlns:ds="http://schemas.openxmlformats.org/officeDocument/2006/customXml" ds:itemID="{EF7ABAC1-700C-45E5-BC18-4E0BD9D11B10}">
   <ds:schemaRefs>
     <ds:schemaRef ds:uri="http://schemas.microsoft.com/VisualStudio/2011/storyboarding/control"/>
   </ds:schemaRefs>
